--- a/WarsawBlock(3).pptx
+++ b/WarsawBlock(3).pptx
@@ -19,7 +19,7 @@
     <p:sldId id="280" r:id="rId10"/>
     <p:sldId id="279" r:id="rId11"/>
     <p:sldId id="333" r:id="rId12"/>
-    <p:sldId id="372" r:id="rId13"/>
+    <p:sldId id="369" r:id="rId13"/>
     <p:sldId id="361" r:id="rId14"/>
     <p:sldId id="362" r:id="rId15"/>
     <p:sldId id="374" r:id="rId16"/>
@@ -27,7 +27,7 @@
     <p:sldId id="306" r:id="rId18"/>
     <p:sldId id="324" r:id="rId19"/>
     <p:sldId id="366" r:id="rId20"/>
-    <p:sldId id="369" r:id="rId21"/>
+    <p:sldId id="376" r:id="rId21"/>
     <p:sldId id="336" r:id="rId22"/>
     <p:sldId id="329" r:id="rId23"/>
     <p:sldId id="338" r:id="rId24"/>
@@ -7179,7 +7179,7 @@
 <dgm:dataModel xmlns:dgm="http://schemas.openxmlformats.org/drawingml/2006/diagram" xmlns:a="http://schemas.openxmlformats.org/drawingml/2006/main">
   <dgm:ptLst>
     <dgm:pt modelId="{F533CACE-0D31-4C84-B714-15662A3F88B8}" type="doc">
-      <dgm:prSet loTypeId="urn:microsoft.com/office/officeart/2005/8/layout/rings+Icon" loCatId="relationship" qsTypeId="urn:microsoft.com/office/officeart/2005/8/quickstyle/simple1" qsCatId="simple" csTypeId="urn:microsoft.com/office/officeart/2005/8/colors/accent1_2" csCatId="accent1" phldr="1"/>
+      <dgm:prSet loTypeId="urn:microsoft.com/office/officeart/2005/8/layout/venn1" loCatId="relationship" qsTypeId="urn:microsoft.com/office/officeart/2005/8/quickstyle/simple1" qsCatId="simple" csTypeId="urn:microsoft.com/office/officeart/2005/8/colors/accent1_2" csCatId="accent1" phldr="1"/>
       <dgm:spPr/>
       <dgm:t>
         <a:bodyPr/>
@@ -7190,24 +7190,17 @@
       </dgm:t>
     </dgm:pt>
     <dgm:pt modelId="{7F5F6C20-C038-400E-86E0-4DFFD0287A32}">
-      <dgm:prSet custT="1"/>
-      <dgm:spPr>
-        <a:solidFill>
-          <a:schemeClr val="tx1">
-            <a:lumMod val="65000"/>
-            <a:alpha val="50000"/>
-          </a:schemeClr>
-        </a:solidFill>
-      </dgm:spPr>
+      <dgm:prSet/>
+      <dgm:spPr/>
       <dgm:t>
         <a:bodyPr/>
         <a:lstStyle/>
         <a:p>
           <a:r>
-            <a:rPr lang="pl-PL" sz="8000" dirty="0"/>
+            <a:rPr lang="pl-PL" dirty="0"/>
             <a:t>?</a:t>
           </a:r>
-          <a:endParaRPr lang="en-US" sz="8000" dirty="0"/>
+          <a:endParaRPr lang="en-US" dirty="0"/>
         </a:p>
       </dgm:t>
     </dgm:pt>
@@ -7234,24 +7227,17 @@
       </dgm:t>
     </dgm:pt>
     <dgm:pt modelId="{A16AC7F3-8783-4357-B6A9-596057B997B9}">
-      <dgm:prSet custT="1"/>
-      <dgm:spPr>
-        <a:solidFill>
-          <a:schemeClr val="tx1">
-            <a:lumMod val="65000"/>
-            <a:alpha val="50000"/>
-          </a:schemeClr>
-        </a:solidFill>
-      </dgm:spPr>
+      <dgm:prSet/>
+      <dgm:spPr/>
       <dgm:t>
         <a:bodyPr/>
         <a:lstStyle/>
         <a:p>
           <a:r>
-            <a:rPr lang="pl-PL" sz="8800" dirty="0"/>
+            <a:rPr lang="pl-PL" dirty="0"/>
             <a:t>?</a:t>
           </a:r>
-          <a:endParaRPr lang="en-US" sz="8800" dirty="0"/>
+          <a:endParaRPr lang="en-US" dirty="0"/>
         </a:p>
       </dgm:t>
     </dgm:pt>
@@ -7278,24 +7264,17 @@
       </dgm:t>
     </dgm:pt>
     <dgm:pt modelId="{3FE485AC-205C-40B1-B5AD-C74537E67A56}">
-      <dgm:prSet custT="1"/>
-      <dgm:spPr>
-        <a:solidFill>
-          <a:schemeClr val="tx1">
-            <a:lumMod val="65000"/>
-            <a:alpha val="50000"/>
-          </a:schemeClr>
-        </a:solidFill>
-      </dgm:spPr>
+      <dgm:prSet/>
+      <dgm:spPr/>
       <dgm:t>
         <a:bodyPr/>
         <a:lstStyle/>
         <a:p>
           <a:r>
-            <a:rPr lang="pl-PL" sz="8800" dirty="0"/>
+            <a:rPr lang="pl-PL" dirty="0"/>
             <a:t>?</a:t>
           </a:r>
-          <a:endParaRPr lang="en-US" sz="8800" dirty="0"/>
+          <a:endParaRPr lang="en-US" dirty="0"/>
         </a:p>
       </dgm:t>
     </dgm:pt>
@@ -7322,24 +7301,17 @@
       </dgm:t>
     </dgm:pt>
     <dgm:pt modelId="{D35F5E83-DE2E-41A3-81E0-630E259D080C}">
-      <dgm:prSet custT="1"/>
-      <dgm:spPr>
-        <a:solidFill>
-          <a:schemeClr val="tx1">
-            <a:lumMod val="65000"/>
-            <a:alpha val="50000"/>
-          </a:schemeClr>
-        </a:solidFill>
-      </dgm:spPr>
+      <dgm:prSet/>
+      <dgm:spPr/>
       <dgm:t>
         <a:bodyPr/>
         <a:lstStyle/>
         <a:p>
           <a:r>
-            <a:rPr lang="pl-PL" sz="8800" dirty="0"/>
+            <a:rPr lang="pl-PL" dirty="0"/>
             <a:t>?</a:t>
           </a:r>
-          <a:endParaRPr lang="en-US" sz="8800" dirty="0"/>
+          <a:endParaRPr lang="en-US" dirty="0"/>
         </a:p>
       </dgm:t>
     </dgm:pt>
@@ -7366,24 +7338,17 @@
       </dgm:t>
     </dgm:pt>
     <dgm:pt modelId="{09704DF0-8D21-443B-B81C-C6BEE5238C8F}">
-      <dgm:prSet custT="1"/>
-      <dgm:spPr>
-        <a:solidFill>
-          <a:schemeClr val="tx1">
-            <a:lumMod val="65000"/>
-            <a:alpha val="50000"/>
-          </a:schemeClr>
-        </a:solidFill>
-      </dgm:spPr>
+      <dgm:prSet/>
+      <dgm:spPr/>
       <dgm:t>
         <a:bodyPr/>
         <a:lstStyle/>
         <a:p>
           <a:r>
-            <a:rPr lang="pl-PL" sz="8800" dirty="0"/>
+            <a:rPr lang="pl-PL" dirty="0"/>
             <a:t>?</a:t>
           </a:r>
-          <a:endParaRPr lang="en-US" sz="8800" dirty="0"/>
+          <a:endParaRPr lang="en-US" dirty="0"/>
         </a:p>
       </dgm:t>
     </dgm:pt>
@@ -7410,24 +7375,17 @@
       </dgm:t>
     </dgm:pt>
     <dgm:pt modelId="{7B64A5BF-AC6D-49CE-8DC4-D54C9DBD1515}">
-      <dgm:prSet custT="1"/>
-      <dgm:spPr>
-        <a:solidFill>
-          <a:schemeClr val="tx1">
-            <a:lumMod val="65000"/>
-            <a:alpha val="50000"/>
-          </a:schemeClr>
-        </a:solidFill>
-      </dgm:spPr>
+      <dgm:prSet/>
+      <dgm:spPr/>
       <dgm:t>
         <a:bodyPr/>
         <a:lstStyle/>
         <a:p>
           <a:r>
-            <a:rPr lang="pl-PL" sz="8800" dirty="0"/>
+            <a:rPr lang="pl-PL" dirty="0"/>
             <a:t>?</a:t>
           </a:r>
-          <a:endParaRPr lang="en-US" sz="8800" dirty="0"/>
+          <a:endParaRPr lang="en-US" dirty="0"/>
         </a:p>
       </dgm:t>
     </dgm:pt>
@@ -7453,8 +7411,8 @@
         </a:p>
       </dgm:t>
     </dgm:pt>
-    <dgm:pt modelId="{735E3C65-A584-4EBB-B581-486FDECB63AF}" type="pres">
-      <dgm:prSet presAssocID="{F533CACE-0D31-4C84-B714-15662A3F88B8}" presName="Name0" presStyleCnt="0">
+    <dgm:pt modelId="{33407008-5A4D-4E6B-8983-2B02D2BC9832}" type="pres">
+      <dgm:prSet presAssocID="{F533CACE-0D31-4C84-B714-15662A3F88B8}" presName="compositeShape" presStyleCnt="0">
         <dgm:presLayoutVars>
           <dgm:chMax val="7"/>
           <dgm:dir/>
@@ -7463,49 +7421,127 @@
       </dgm:prSet>
       <dgm:spPr/>
     </dgm:pt>
-    <dgm:pt modelId="{AB40F5A8-7B1D-4DEE-AA75-FCB2A25C3106}" type="pres">
-      <dgm:prSet presAssocID="{F533CACE-0D31-4C84-B714-15662A3F88B8}" presName="ellipse1" presStyleLbl="vennNode1" presStyleIdx="0" presStyleCnt="6">
+    <dgm:pt modelId="{309B67DA-2D1C-4FA0-A057-AAA502257B1F}" type="pres">
+      <dgm:prSet presAssocID="{7F5F6C20-C038-400E-86E0-4DFFD0287A32}" presName="circ1" presStyleLbl="vennNode1" presStyleIdx="0" presStyleCnt="6"/>
+      <dgm:spPr>
+        <a:solidFill>
+          <a:schemeClr val="tx2">
+            <a:lumMod val="50000"/>
+            <a:alpha val="50000"/>
+          </a:schemeClr>
+        </a:solidFill>
+      </dgm:spPr>
+    </dgm:pt>
+    <dgm:pt modelId="{7C114DA8-F87D-4BB8-9FD2-F861144ECBF8}" type="pres">
+      <dgm:prSet presAssocID="{7F5F6C20-C038-400E-86E0-4DFFD0287A32}" presName="circ1Tx" presStyleLbl="revTx" presStyleIdx="0" presStyleCnt="0">
         <dgm:presLayoutVars>
+          <dgm:chMax val="0"/>
+          <dgm:chPref val="0"/>
           <dgm:bulletEnabled val="1"/>
         </dgm:presLayoutVars>
       </dgm:prSet>
       <dgm:spPr/>
     </dgm:pt>
-    <dgm:pt modelId="{32D7E4C2-0E78-44F9-8058-3D6D2ABC7F48}" type="pres">
-      <dgm:prSet presAssocID="{F533CACE-0D31-4C84-B714-15662A3F88B8}" presName="ellipse2" presStyleLbl="vennNode1" presStyleIdx="1" presStyleCnt="6">
+    <dgm:pt modelId="{2D9F94F0-D867-4D5C-9DB8-32A4BB29A86E}" type="pres">
+      <dgm:prSet presAssocID="{A16AC7F3-8783-4357-B6A9-596057B997B9}" presName="circ2" presStyleLbl="vennNode1" presStyleIdx="1" presStyleCnt="6"/>
+      <dgm:spPr>
+        <a:solidFill>
+          <a:schemeClr val="tx2">
+            <a:lumMod val="50000"/>
+            <a:alpha val="50000"/>
+          </a:schemeClr>
+        </a:solidFill>
+      </dgm:spPr>
+    </dgm:pt>
+    <dgm:pt modelId="{5806DEF0-51FC-46B4-8654-976106031F3B}" type="pres">
+      <dgm:prSet presAssocID="{A16AC7F3-8783-4357-B6A9-596057B997B9}" presName="circ2Tx" presStyleLbl="revTx" presStyleIdx="0" presStyleCnt="0">
         <dgm:presLayoutVars>
+          <dgm:chMax val="0"/>
+          <dgm:chPref val="0"/>
           <dgm:bulletEnabled val="1"/>
         </dgm:presLayoutVars>
       </dgm:prSet>
       <dgm:spPr/>
     </dgm:pt>
-    <dgm:pt modelId="{4C4BE6E2-2D74-44AA-8B57-3A1D764E7818}" type="pres">
-      <dgm:prSet presAssocID="{F533CACE-0D31-4C84-B714-15662A3F88B8}" presName="ellipse3" presStyleLbl="vennNode1" presStyleIdx="2" presStyleCnt="6">
+    <dgm:pt modelId="{A4AE2781-C847-405D-9457-C8C7C0A2115A}" type="pres">
+      <dgm:prSet presAssocID="{3FE485AC-205C-40B1-B5AD-C74537E67A56}" presName="circ3" presStyleLbl="vennNode1" presStyleIdx="2" presStyleCnt="6"/>
+      <dgm:spPr>
+        <a:solidFill>
+          <a:schemeClr val="tx2">
+            <a:lumMod val="50000"/>
+            <a:alpha val="50000"/>
+          </a:schemeClr>
+        </a:solidFill>
+      </dgm:spPr>
+    </dgm:pt>
+    <dgm:pt modelId="{89F167A0-43D6-4CE2-BA62-987099A42E9D}" type="pres">
+      <dgm:prSet presAssocID="{3FE485AC-205C-40B1-B5AD-C74537E67A56}" presName="circ3Tx" presStyleLbl="revTx" presStyleIdx="0" presStyleCnt="0">
         <dgm:presLayoutVars>
+          <dgm:chMax val="0"/>
+          <dgm:chPref val="0"/>
           <dgm:bulletEnabled val="1"/>
         </dgm:presLayoutVars>
       </dgm:prSet>
       <dgm:spPr/>
     </dgm:pt>
-    <dgm:pt modelId="{534B4557-FD21-4A41-A905-7AABB0D4A5FC}" type="pres">
-      <dgm:prSet presAssocID="{F533CACE-0D31-4C84-B714-15662A3F88B8}" presName="ellipse4" presStyleLbl="vennNode1" presStyleIdx="3" presStyleCnt="6">
+    <dgm:pt modelId="{1985F570-5567-4A4A-9679-04E6BA477D92}" type="pres">
+      <dgm:prSet presAssocID="{D35F5E83-DE2E-41A3-81E0-630E259D080C}" presName="circ4" presStyleLbl="vennNode1" presStyleIdx="3" presStyleCnt="6"/>
+      <dgm:spPr>
+        <a:solidFill>
+          <a:schemeClr val="tx2">
+            <a:lumMod val="50000"/>
+            <a:alpha val="50000"/>
+          </a:schemeClr>
+        </a:solidFill>
+      </dgm:spPr>
+    </dgm:pt>
+    <dgm:pt modelId="{C382CE2B-5E35-42F7-9956-F2E635268BFB}" type="pres">
+      <dgm:prSet presAssocID="{D35F5E83-DE2E-41A3-81E0-630E259D080C}" presName="circ4Tx" presStyleLbl="revTx" presStyleIdx="0" presStyleCnt="0">
         <dgm:presLayoutVars>
+          <dgm:chMax val="0"/>
+          <dgm:chPref val="0"/>
           <dgm:bulletEnabled val="1"/>
         </dgm:presLayoutVars>
       </dgm:prSet>
       <dgm:spPr/>
     </dgm:pt>
-    <dgm:pt modelId="{9C975803-9A6E-4467-828B-D5AB4CC5B1A1}" type="pres">
-      <dgm:prSet presAssocID="{F533CACE-0D31-4C84-B714-15662A3F88B8}" presName="ellipse5" presStyleLbl="vennNode1" presStyleIdx="4" presStyleCnt="6">
+    <dgm:pt modelId="{E3637D48-BB19-4A05-9D9E-F5B61541AE5D}" type="pres">
+      <dgm:prSet presAssocID="{09704DF0-8D21-443B-B81C-C6BEE5238C8F}" presName="circ5" presStyleLbl="vennNode1" presStyleIdx="4" presStyleCnt="6"/>
+      <dgm:spPr>
+        <a:solidFill>
+          <a:schemeClr val="tx2">
+            <a:lumMod val="50000"/>
+            <a:alpha val="50000"/>
+          </a:schemeClr>
+        </a:solidFill>
+      </dgm:spPr>
+    </dgm:pt>
+    <dgm:pt modelId="{D2D8A173-5DA7-487E-8ED3-0AAE949B2A77}" type="pres">
+      <dgm:prSet presAssocID="{09704DF0-8D21-443B-B81C-C6BEE5238C8F}" presName="circ5Tx" presStyleLbl="revTx" presStyleIdx="0" presStyleCnt="0">
         <dgm:presLayoutVars>
+          <dgm:chMax val="0"/>
+          <dgm:chPref val="0"/>
           <dgm:bulletEnabled val="1"/>
         </dgm:presLayoutVars>
       </dgm:prSet>
       <dgm:spPr/>
     </dgm:pt>
-    <dgm:pt modelId="{D340DA58-700D-4807-B4CD-C678508BC9E3}" type="pres">
-      <dgm:prSet presAssocID="{F533CACE-0D31-4C84-B714-15662A3F88B8}" presName="ellipse6" presStyleLbl="vennNode1" presStyleIdx="5" presStyleCnt="6">
+    <dgm:pt modelId="{92FB55F1-F2B3-4C04-9C60-549D2DB7BD5C}" type="pres">
+      <dgm:prSet presAssocID="{7B64A5BF-AC6D-49CE-8DC4-D54C9DBD1515}" presName="circ6" presStyleLbl="vennNode1" presStyleIdx="5" presStyleCnt="6"/>
+      <dgm:spPr>
+        <a:solidFill>
+          <a:schemeClr val="tx2">
+            <a:lumMod val="50000"/>
+            <a:alpha val="50000"/>
+          </a:schemeClr>
+        </a:solidFill>
+      </dgm:spPr>
+    </dgm:pt>
+    <dgm:pt modelId="{2D31233E-D601-4846-AFBE-9EFB4F4CB88D}" type="pres">
+      <dgm:prSet presAssocID="{7B64A5BF-AC6D-49CE-8DC4-D54C9DBD1515}" presName="circ6Tx" presStyleLbl="revTx" presStyleIdx="0" presStyleCnt="0">
         <dgm:presLayoutVars>
+          <dgm:chMax val="0"/>
+          <dgm:chPref val="0"/>
           <dgm:bulletEnabled val="1"/>
         </dgm:presLayoutVars>
       </dgm:prSet>
@@ -7514,24 +7550,30 @@
   </dgm:ptLst>
   <dgm:cxnLst>
     <dgm:cxn modelId="{B496A311-74C7-4E0C-AF9A-ECB203599DAB}" srcId="{F533CACE-0D31-4C84-B714-15662A3F88B8}" destId="{7B64A5BF-AC6D-49CE-8DC4-D54C9DBD1515}" srcOrd="5" destOrd="0" parTransId="{68B0BD0C-9426-443D-BDBB-7A7AD6A5B634}" sibTransId="{65D5B0CA-038B-4B3C-A745-67B4A2549D76}"/>
-    <dgm:cxn modelId="{4BD5484B-7FFD-4E60-8799-02065C3E9643}" type="presOf" srcId="{7F5F6C20-C038-400E-86E0-4DFFD0287A32}" destId="{AB40F5A8-7B1D-4DEE-AA75-FCB2A25C3106}" srcOrd="0" destOrd="0" presId="urn:microsoft.com/office/officeart/2005/8/layout/rings+Icon"/>
     <dgm:cxn modelId="{B529A46D-9591-44E3-B04E-F6AA042EDEDB}" srcId="{F533CACE-0D31-4C84-B714-15662A3F88B8}" destId="{09704DF0-8D21-443B-B81C-C6BEE5238C8F}" srcOrd="4" destOrd="0" parTransId="{BB48C75E-32DC-415D-876C-2970A4B3C0F5}" sibTransId="{BF02F04C-4DC9-42B7-9FDB-CF681DD1329A}"/>
-    <dgm:cxn modelId="{00C6C96D-2019-4D8A-92A6-EEA8FAEA63D8}" type="presOf" srcId="{7B64A5BF-AC6D-49CE-8DC4-D54C9DBD1515}" destId="{D340DA58-700D-4807-B4CD-C678508BC9E3}" srcOrd="0" destOrd="0" presId="urn:microsoft.com/office/officeart/2005/8/layout/rings+Icon"/>
-    <dgm:cxn modelId="{C4E63C77-AE9F-46AC-A1C2-F8061ABBFBB4}" type="presOf" srcId="{D35F5E83-DE2E-41A3-81E0-630E259D080C}" destId="{534B4557-FD21-4A41-A905-7AABB0D4A5FC}" srcOrd="0" destOrd="0" presId="urn:microsoft.com/office/officeart/2005/8/layout/rings+Icon"/>
+    <dgm:cxn modelId="{64E04D72-BA11-4C4A-9F4F-E6EA47036671}" type="presOf" srcId="{F533CACE-0D31-4C84-B714-15662A3F88B8}" destId="{33407008-5A4D-4E6B-8983-2B02D2BC9832}" srcOrd="0" destOrd="0" presId="urn:microsoft.com/office/officeart/2005/8/layout/venn1"/>
+    <dgm:cxn modelId="{F09DA088-393D-4CB6-99E5-4D88A5191F97}" type="presOf" srcId="{A16AC7F3-8783-4357-B6A9-596057B997B9}" destId="{5806DEF0-51FC-46B4-8654-976106031F3B}" srcOrd="0" destOrd="0" presId="urn:microsoft.com/office/officeart/2005/8/layout/venn1"/>
     <dgm:cxn modelId="{AB0FB798-9C61-4545-B139-DB8959791C5C}" srcId="{F533CACE-0D31-4C84-B714-15662A3F88B8}" destId="{D35F5E83-DE2E-41A3-81E0-630E259D080C}" srcOrd="3" destOrd="0" parTransId="{C7FDA902-A864-446C-B909-16C608FB1620}" sibTransId="{C6DFE011-7D57-48DB-AFB0-ADEAE2C19C88}"/>
+    <dgm:cxn modelId="{CD914E9B-848E-4764-87C1-3120BCBD4A5B}" type="presOf" srcId="{09704DF0-8D21-443B-B81C-C6BEE5238C8F}" destId="{D2D8A173-5DA7-487E-8ED3-0AAE949B2A77}" srcOrd="0" destOrd="0" presId="urn:microsoft.com/office/officeart/2005/8/layout/venn1"/>
+    <dgm:cxn modelId="{0346329E-D53C-49A3-A7A5-CB6208364404}" type="presOf" srcId="{3FE485AC-205C-40B1-B5AD-C74537E67A56}" destId="{89F167A0-43D6-4CE2-BA62-987099A42E9D}" srcOrd="0" destOrd="0" presId="urn:microsoft.com/office/officeart/2005/8/layout/venn1"/>
     <dgm:cxn modelId="{566B7CB1-F7EC-492A-B972-C4A677C71845}" srcId="{F533CACE-0D31-4C84-B714-15662A3F88B8}" destId="{7F5F6C20-C038-400E-86E0-4DFFD0287A32}" srcOrd="0" destOrd="0" parTransId="{1C6C3434-7E60-4425-B02B-FD9B7F6AE40E}" sibTransId="{BFD83FF4-412F-40E2-9674-ED386B0073E4}"/>
-    <dgm:cxn modelId="{FA8D84B2-9B8F-4F78-9E80-E5149B322B48}" type="presOf" srcId="{09704DF0-8D21-443B-B81C-C6BEE5238C8F}" destId="{9C975803-9A6E-4467-828B-D5AB4CC5B1A1}" srcOrd="0" destOrd="0" presId="urn:microsoft.com/office/officeart/2005/8/layout/rings+Icon"/>
-    <dgm:cxn modelId="{9371F5B7-78EE-490A-B852-7EC0C86409A6}" type="presOf" srcId="{A16AC7F3-8783-4357-B6A9-596057B997B9}" destId="{32D7E4C2-0E78-44F9-8058-3D6D2ABC7F48}" srcOrd="0" destOrd="0" presId="urn:microsoft.com/office/officeart/2005/8/layout/rings+Icon"/>
     <dgm:cxn modelId="{16894CC1-F459-4AC5-BE8E-0C14F94695FB}" srcId="{F533CACE-0D31-4C84-B714-15662A3F88B8}" destId="{A16AC7F3-8783-4357-B6A9-596057B997B9}" srcOrd="1" destOrd="0" parTransId="{64126B8F-581C-4FA7-8790-A2F8ED4A715E}" sibTransId="{41863476-0FE8-4F91-95D4-BD0A4A95DBE6}"/>
     <dgm:cxn modelId="{E2B59CC6-E4EE-4F57-A92D-234FD894E74D}" srcId="{F533CACE-0D31-4C84-B714-15662A3F88B8}" destId="{3FE485AC-205C-40B1-B5AD-C74537E67A56}" srcOrd="2" destOrd="0" parTransId="{83BF40A1-16E8-478B-B044-D5E2D2925EC2}" sibTransId="{4CB716D3-7945-4632-A90C-FE4241F99444}"/>
-    <dgm:cxn modelId="{9ECEBEE9-79C5-4E13-9317-5CE87BC5B691}" type="presOf" srcId="{3FE485AC-205C-40B1-B5AD-C74537E67A56}" destId="{4C4BE6E2-2D74-44AA-8B57-3A1D764E7818}" srcOrd="0" destOrd="0" presId="urn:microsoft.com/office/officeart/2005/8/layout/rings+Icon"/>
-    <dgm:cxn modelId="{0B8B99EA-7F5F-4A43-BEB7-299D51C76167}" type="presOf" srcId="{F533CACE-0D31-4C84-B714-15662A3F88B8}" destId="{735E3C65-A584-4EBB-B581-486FDECB63AF}" srcOrd="0" destOrd="0" presId="urn:microsoft.com/office/officeart/2005/8/layout/rings+Icon"/>
-    <dgm:cxn modelId="{61A60E67-A686-4236-90AF-C47161C5899C}" type="presParOf" srcId="{735E3C65-A584-4EBB-B581-486FDECB63AF}" destId="{AB40F5A8-7B1D-4DEE-AA75-FCB2A25C3106}" srcOrd="0" destOrd="0" presId="urn:microsoft.com/office/officeart/2005/8/layout/rings+Icon"/>
-    <dgm:cxn modelId="{9F230954-436B-4AD7-97EF-B8C2436851A4}" type="presParOf" srcId="{735E3C65-A584-4EBB-B581-486FDECB63AF}" destId="{32D7E4C2-0E78-44F9-8058-3D6D2ABC7F48}" srcOrd="1" destOrd="0" presId="urn:microsoft.com/office/officeart/2005/8/layout/rings+Icon"/>
-    <dgm:cxn modelId="{9DF3396A-E847-4970-9C3A-F9064EDAA8C4}" type="presParOf" srcId="{735E3C65-A584-4EBB-B581-486FDECB63AF}" destId="{4C4BE6E2-2D74-44AA-8B57-3A1D764E7818}" srcOrd="2" destOrd="0" presId="urn:microsoft.com/office/officeart/2005/8/layout/rings+Icon"/>
-    <dgm:cxn modelId="{0FF681CF-1560-4461-B4F5-AB4D7A0E2AEB}" type="presParOf" srcId="{735E3C65-A584-4EBB-B581-486FDECB63AF}" destId="{534B4557-FD21-4A41-A905-7AABB0D4A5FC}" srcOrd="3" destOrd="0" presId="urn:microsoft.com/office/officeart/2005/8/layout/rings+Icon"/>
-    <dgm:cxn modelId="{1F4EABB4-ABAE-4081-AAD9-27CCD09A528C}" type="presParOf" srcId="{735E3C65-A584-4EBB-B581-486FDECB63AF}" destId="{9C975803-9A6E-4467-828B-D5AB4CC5B1A1}" srcOrd="4" destOrd="0" presId="urn:microsoft.com/office/officeart/2005/8/layout/rings+Icon"/>
-    <dgm:cxn modelId="{20C776DC-6A21-468E-AE28-70A628602717}" type="presParOf" srcId="{735E3C65-A584-4EBB-B581-486FDECB63AF}" destId="{D340DA58-700D-4807-B4CD-C678508BC9E3}" srcOrd="5" destOrd="0" presId="urn:microsoft.com/office/officeart/2005/8/layout/rings+Icon"/>
+    <dgm:cxn modelId="{1090C4C7-6D0D-4173-92EE-EF79368940BB}" type="presOf" srcId="{7B64A5BF-AC6D-49CE-8DC4-D54C9DBD1515}" destId="{2D31233E-D601-4846-AFBE-9EFB4F4CB88D}" srcOrd="0" destOrd="0" presId="urn:microsoft.com/office/officeart/2005/8/layout/venn1"/>
+    <dgm:cxn modelId="{88E4B2D1-8C88-4167-8E9B-AFD021A4FECC}" type="presOf" srcId="{D35F5E83-DE2E-41A3-81E0-630E259D080C}" destId="{C382CE2B-5E35-42F7-9956-F2E635268BFB}" srcOrd="0" destOrd="0" presId="urn:microsoft.com/office/officeart/2005/8/layout/venn1"/>
+    <dgm:cxn modelId="{7F31FBF1-ED02-43D1-B81E-36FED8053E12}" type="presOf" srcId="{7F5F6C20-C038-400E-86E0-4DFFD0287A32}" destId="{7C114DA8-F87D-4BB8-9FD2-F861144ECBF8}" srcOrd="0" destOrd="0" presId="urn:microsoft.com/office/officeart/2005/8/layout/venn1"/>
+    <dgm:cxn modelId="{753173C0-8BD4-43BD-B026-B5950BEC1919}" type="presParOf" srcId="{33407008-5A4D-4E6B-8983-2B02D2BC9832}" destId="{309B67DA-2D1C-4FA0-A057-AAA502257B1F}" srcOrd="0" destOrd="0" presId="urn:microsoft.com/office/officeart/2005/8/layout/venn1"/>
+    <dgm:cxn modelId="{90924522-8DCE-40E3-AE5B-B7F34EBF6747}" type="presParOf" srcId="{33407008-5A4D-4E6B-8983-2B02D2BC9832}" destId="{7C114DA8-F87D-4BB8-9FD2-F861144ECBF8}" srcOrd="1" destOrd="0" presId="urn:microsoft.com/office/officeart/2005/8/layout/venn1"/>
+    <dgm:cxn modelId="{083A02BC-CEF1-4ED1-86A0-71E37B62FE01}" type="presParOf" srcId="{33407008-5A4D-4E6B-8983-2B02D2BC9832}" destId="{2D9F94F0-D867-4D5C-9DB8-32A4BB29A86E}" srcOrd="2" destOrd="0" presId="urn:microsoft.com/office/officeart/2005/8/layout/venn1"/>
+    <dgm:cxn modelId="{D6393B22-B0AF-437D-B02B-5EA23DD6F94B}" type="presParOf" srcId="{33407008-5A4D-4E6B-8983-2B02D2BC9832}" destId="{5806DEF0-51FC-46B4-8654-976106031F3B}" srcOrd="3" destOrd="0" presId="urn:microsoft.com/office/officeart/2005/8/layout/venn1"/>
+    <dgm:cxn modelId="{949BCDE3-A453-4F07-B184-98B574F0E7F2}" type="presParOf" srcId="{33407008-5A4D-4E6B-8983-2B02D2BC9832}" destId="{A4AE2781-C847-405D-9457-C8C7C0A2115A}" srcOrd="4" destOrd="0" presId="urn:microsoft.com/office/officeart/2005/8/layout/venn1"/>
+    <dgm:cxn modelId="{EED0EA16-2E14-49AA-927A-F6DE2B269C01}" type="presParOf" srcId="{33407008-5A4D-4E6B-8983-2B02D2BC9832}" destId="{89F167A0-43D6-4CE2-BA62-987099A42E9D}" srcOrd="5" destOrd="0" presId="urn:microsoft.com/office/officeart/2005/8/layout/venn1"/>
+    <dgm:cxn modelId="{43237B8A-394D-4550-883F-34C0F5B77B59}" type="presParOf" srcId="{33407008-5A4D-4E6B-8983-2B02D2BC9832}" destId="{1985F570-5567-4A4A-9679-04E6BA477D92}" srcOrd="6" destOrd="0" presId="urn:microsoft.com/office/officeart/2005/8/layout/venn1"/>
+    <dgm:cxn modelId="{637096BD-4B29-498D-9F0D-62C972809C68}" type="presParOf" srcId="{33407008-5A4D-4E6B-8983-2B02D2BC9832}" destId="{C382CE2B-5E35-42F7-9956-F2E635268BFB}" srcOrd="7" destOrd="0" presId="urn:microsoft.com/office/officeart/2005/8/layout/venn1"/>
+    <dgm:cxn modelId="{B1319674-1110-4ED9-8AE4-2C8507A6DDCE}" type="presParOf" srcId="{33407008-5A4D-4E6B-8983-2B02D2BC9832}" destId="{E3637D48-BB19-4A05-9D9E-F5B61541AE5D}" srcOrd="8" destOrd="0" presId="urn:microsoft.com/office/officeart/2005/8/layout/venn1"/>
+    <dgm:cxn modelId="{2604F4C1-11B6-4D44-AC2A-AC4FAA07AE54}" type="presParOf" srcId="{33407008-5A4D-4E6B-8983-2B02D2BC9832}" destId="{D2D8A173-5DA7-487E-8ED3-0AAE949B2A77}" srcOrd="9" destOrd="0" presId="urn:microsoft.com/office/officeart/2005/8/layout/venn1"/>
+    <dgm:cxn modelId="{F6A31FDD-1AA7-4914-9673-AE94D4167311}" type="presParOf" srcId="{33407008-5A4D-4E6B-8983-2B02D2BC9832}" destId="{92FB55F1-F2B3-4C04-9C60-549D2DB7BD5C}" srcOrd="10" destOrd="0" presId="urn:microsoft.com/office/officeart/2005/8/layout/venn1"/>
+    <dgm:cxn modelId="{A97CC7D4-CD33-4240-A8A3-5559AF825C73}" type="presParOf" srcId="{33407008-5A4D-4E6B-8983-2B02D2BC9832}" destId="{2D31233E-D601-4846-AFBE-9EFB4F4CB88D}" srcOrd="11" destOrd="0" presId="urn:microsoft.com/office/officeart/2005/8/layout/venn1"/>
   </dgm:cxnLst>
   <dgm:bg/>
   <dgm:whole/>
@@ -7547,7 +7589,7 @@
 <dgm:dataModel xmlns:dgm="http://schemas.openxmlformats.org/drawingml/2006/diagram" xmlns:a="http://schemas.openxmlformats.org/drawingml/2006/main">
   <dgm:ptLst>
     <dgm:pt modelId="{F533CACE-0D31-4C84-B714-15662A3F88B8}" type="doc">
-      <dgm:prSet loTypeId="urn:microsoft.com/office/officeart/2005/8/layout/rings+Icon" loCatId="relationship" qsTypeId="urn:microsoft.com/office/officeart/2005/8/quickstyle/simple1" qsCatId="simple" csTypeId="urn:microsoft.com/office/officeart/2005/8/colors/accent1_2" csCatId="accent1" phldr="1"/>
+      <dgm:prSet loTypeId="urn:microsoft.com/office/officeart/2005/8/layout/venn1" loCatId="relationship" qsTypeId="urn:microsoft.com/office/officeart/2005/8/quickstyle/simple1" qsCatId="simple" csTypeId="urn:microsoft.com/office/officeart/2005/8/colors/accent1_2" csCatId="accent1" phldr="1"/>
       <dgm:spPr/>
       <dgm:t>
         <a:bodyPr/>
@@ -7558,21 +7600,14 @@
       </dgm:t>
     </dgm:pt>
     <dgm:pt modelId="{7F5F6C20-C038-400E-86E0-4DFFD0287A32}">
-      <dgm:prSet custT="1"/>
-      <dgm:spPr>
-        <a:solidFill>
-          <a:schemeClr val="tx2">
-            <a:lumMod val="50000"/>
-            <a:alpha val="50000"/>
-          </a:schemeClr>
-        </a:solidFill>
-      </dgm:spPr>
+      <dgm:prSet/>
+      <dgm:spPr/>
       <dgm:t>
         <a:bodyPr/>
         <a:lstStyle/>
         <a:p>
           <a:r>
-            <a:rPr lang="en-US" sz="2000" dirty="0"/>
+            <a:rPr lang="en-US" dirty="0"/>
             <a:t>Processing power</a:t>
           </a:r>
         </a:p>
@@ -7601,24 +7636,17 @@
       </dgm:t>
     </dgm:pt>
     <dgm:pt modelId="{A16AC7F3-8783-4357-B6A9-596057B997B9}">
-      <dgm:prSet custT="1"/>
-      <dgm:spPr>
-        <a:solidFill>
-          <a:schemeClr val="tx2">
-            <a:lumMod val="50000"/>
-            <a:alpha val="50000"/>
-          </a:schemeClr>
-        </a:solidFill>
-      </dgm:spPr>
+      <dgm:prSet/>
+      <dgm:spPr/>
       <dgm:t>
         <a:bodyPr/>
         <a:lstStyle/>
         <a:p>
           <a:r>
-            <a:rPr lang="pl-PL" sz="2000" dirty="0"/>
+            <a:rPr lang="pl-PL" dirty="0"/>
             <a:t>Built-in governance</a:t>
           </a:r>
-          <a:endParaRPr lang="en-US" sz="2000" dirty="0"/>
+          <a:endParaRPr lang="en-US" dirty="0"/>
         </a:p>
       </dgm:t>
     </dgm:pt>
@@ -7645,24 +7673,17 @@
       </dgm:t>
     </dgm:pt>
     <dgm:pt modelId="{3FE485AC-205C-40B1-B5AD-C74537E67A56}">
-      <dgm:prSet custT="1"/>
-      <dgm:spPr>
-        <a:solidFill>
-          <a:schemeClr val="tx2">
-            <a:lumMod val="50000"/>
-            <a:alpha val="50000"/>
-          </a:schemeClr>
-        </a:solidFill>
-      </dgm:spPr>
+      <dgm:prSet/>
+      <dgm:spPr/>
       <dgm:t>
         <a:bodyPr/>
         <a:lstStyle/>
         <a:p>
           <a:r>
-            <a:rPr lang="pl-PL" sz="2000" dirty="0"/>
+            <a:rPr lang="pl-PL" dirty="0"/>
             <a:t>Infrastructure for apps</a:t>
           </a:r>
-          <a:endParaRPr lang="en-US" sz="2000" dirty="0"/>
+          <a:endParaRPr lang="en-US" dirty="0"/>
         </a:p>
       </dgm:t>
     </dgm:pt>
@@ -7689,21 +7710,14 @@
       </dgm:t>
     </dgm:pt>
     <dgm:pt modelId="{D35F5E83-DE2E-41A3-81E0-630E259D080C}">
-      <dgm:prSet custT="1"/>
-      <dgm:spPr>
-        <a:solidFill>
-          <a:schemeClr val="tx2">
-            <a:lumMod val="50000"/>
-            <a:alpha val="50000"/>
-          </a:schemeClr>
-        </a:solidFill>
-      </dgm:spPr>
+      <dgm:prSet/>
+      <dgm:spPr/>
       <dgm:t>
         <a:bodyPr/>
         <a:lstStyle/>
         <a:p>
           <a:r>
-            <a:rPr lang="en-US" sz="2000" dirty="0"/>
+            <a:rPr lang="en-US" dirty="0"/>
             <a:t>No transaction fees</a:t>
           </a:r>
         </a:p>
@@ -7732,22 +7746,15 @@
       </dgm:t>
     </dgm:pt>
     <dgm:pt modelId="{09704DF0-8D21-443B-B81C-C6BEE5238C8F}">
-      <dgm:prSet custT="1"/>
-      <dgm:spPr>
-        <a:solidFill>
-          <a:schemeClr val="tx2">
-            <a:lumMod val="50000"/>
-            <a:alpha val="50000"/>
-          </a:schemeClr>
-        </a:solidFill>
-      </dgm:spPr>
+      <dgm:prSet/>
+      <dgm:spPr/>
       <dgm:t>
         <a:bodyPr/>
         <a:lstStyle/>
         <a:p>
           <a:r>
-            <a:rPr lang="en-US" sz="2000" dirty="0"/>
-            <a:t>Publish source code, not assembly</a:t>
+            <a:rPr lang="en-US" dirty="0"/>
+            <a:t>Upgradeable apps &amp; multiple VMs</a:t>
           </a:r>
         </a:p>
       </dgm:t>
@@ -7775,21 +7782,14 @@
       </dgm:t>
     </dgm:pt>
     <dgm:pt modelId="{7B64A5BF-AC6D-49CE-8DC4-D54C9DBD1515}">
-      <dgm:prSet custT="1"/>
-      <dgm:spPr>
-        <a:solidFill>
-          <a:schemeClr val="tx2">
-            <a:lumMod val="50000"/>
-            <a:alpha val="50000"/>
-          </a:schemeClr>
-        </a:solidFill>
-      </dgm:spPr>
+      <dgm:prSet/>
+      <dgm:spPr/>
       <dgm:t>
         <a:bodyPr/>
         <a:lstStyle/>
         <a:p>
           <a:r>
-            <a:rPr lang="en-US" sz="2000" dirty="0"/>
+            <a:rPr lang="en-US" dirty="0"/>
             <a:t>Asynchronous communication</a:t>
           </a:r>
         </a:p>
@@ -7817,8 +7817,8 @@
         </a:p>
       </dgm:t>
     </dgm:pt>
-    <dgm:pt modelId="{735E3C65-A584-4EBB-B581-486FDECB63AF}" type="pres">
-      <dgm:prSet presAssocID="{F533CACE-0D31-4C84-B714-15662A3F88B8}" presName="Name0" presStyleCnt="0">
+    <dgm:pt modelId="{33407008-5A4D-4E6B-8983-2B02D2BC9832}" type="pres">
+      <dgm:prSet presAssocID="{F533CACE-0D31-4C84-B714-15662A3F88B8}" presName="compositeShape" presStyleCnt="0">
         <dgm:presLayoutVars>
           <dgm:chMax val="7"/>
           <dgm:dir/>
@@ -7827,49 +7827,127 @@
       </dgm:prSet>
       <dgm:spPr/>
     </dgm:pt>
-    <dgm:pt modelId="{AB40F5A8-7B1D-4DEE-AA75-FCB2A25C3106}" type="pres">
-      <dgm:prSet presAssocID="{F533CACE-0D31-4C84-B714-15662A3F88B8}" presName="ellipse1" presStyleLbl="vennNode1" presStyleIdx="0" presStyleCnt="6">
+    <dgm:pt modelId="{309B67DA-2D1C-4FA0-A057-AAA502257B1F}" type="pres">
+      <dgm:prSet presAssocID="{7F5F6C20-C038-400E-86E0-4DFFD0287A32}" presName="circ1" presStyleLbl="vennNode1" presStyleIdx="0" presStyleCnt="6"/>
+      <dgm:spPr>
+        <a:solidFill>
+          <a:schemeClr val="tx2">
+            <a:lumMod val="50000"/>
+            <a:alpha val="50000"/>
+          </a:schemeClr>
+        </a:solidFill>
+      </dgm:spPr>
+    </dgm:pt>
+    <dgm:pt modelId="{7C114DA8-F87D-4BB8-9FD2-F861144ECBF8}" type="pres">
+      <dgm:prSet presAssocID="{7F5F6C20-C038-400E-86E0-4DFFD0287A32}" presName="circ1Tx" presStyleLbl="revTx" presStyleIdx="0" presStyleCnt="0">
         <dgm:presLayoutVars>
+          <dgm:chMax val="0"/>
+          <dgm:chPref val="0"/>
           <dgm:bulletEnabled val="1"/>
         </dgm:presLayoutVars>
       </dgm:prSet>
       <dgm:spPr/>
     </dgm:pt>
-    <dgm:pt modelId="{32D7E4C2-0E78-44F9-8058-3D6D2ABC7F48}" type="pres">
-      <dgm:prSet presAssocID="{F533CACE-0D31-4C84-B714-15662A3F88B8}" presName="ellipse2" presStyleLbl="vennNode1" presStyleIdx="1" presStyleCnt="6">
+    <dgm:pt modelId="{2D9F94F0-D867-4D5C-9DB8-32A4BB29A86E}" type="pres">
+      <dgm:prSet presAssocID="{A16AC7F3-8783-4357-B6A9-596057B997B9}" presName="circ2" presStyleLbl="vennNode1" presStyleIdx="1" presStyleCnt="6"/>
+      <dgm:spPr>
+        <a:solidFill>
+          <a:schemeClr val="tx2">
+            <a:lumMod val="50000"/>
+            <a:alpha val="50000"/>
+          </a:schemeClr>
+        </a:solidFill>
+      </dgm:spPr>
+    </dgm:pt>
+    <dgm:pt modelId="{5806DEF0-51FC-46B4-8654-976106031F3B}" type="pres">
+      <dgm:prSet presAssocID="{A16AC7F3-8783-4357-B6A9-596057B997B9}" presName="circ2Tx" presStyleLbl="revTx" presStyleIdx="0" presStyleCnt="0">
         <dgm:presLayoutVars>
+          <dgm:chMax val="0"/>
+          <dgm:chPref val="0"/>
           <dgm:bulletEnabled val="1"/>
         </dgm:presLayoutVars>
       </dgm:prSet>
       <dgm:spPr/>
     </dgm:pt>
-    <dgm:pt modelId="{4C4BE6E2-2D74-44AA-8B57-3A1D764E7818}" type="pres">
-      <dgm:prSet presAssocID="{F533CACE-0D31-4C84-B714-15662A3F88B8}" presName="ellipse3" presStyleLbl="vennNode1" presStyleIdx="2" presStyleCnt="6">
+    <dgm:pt modelId="{A4AE2781-C847-405D-9457-C8C7C0A2115A}" type="pres">
+      <dgm:prSet presAssocID="{3FE485AC-205C-40B1-B5AD-C74537E67A56}" presName="circ3" presStyleLbl="vennNode1" presStyleIdx="2" presStyleCnt="6"/>
+      <dgm:spPr>
+        <a:solidFill>
+          <a:schemeClr val="tx2">
+            <a:lumMod val="50000"/>
+            <a:alpha val="50000"/>
+          </a:schemeClr>
+        </a:solidFill>
+      </dgm:spPr>
+    </dgm:pt>
+    <dgm:pt modelId="{89F167A0-43D6-4CE2-BA62-987099A42E9D}" type="pres">
+      <dgm:prSet presAssocID="{3FE485AC-205C-40B1-B5AD-C74537E67A56}" presName="circ3Tx" presStyleLbl="revTx" presStyleIdx="0" presStyleCnt="0">
         <dgm:presLayoutVars>
+          <dgm:chMax val="0"/>
+          <dgm:chPref val="0"/>
           <dgm:bulletEnabled val="1"/>
         </dgm:presLayoutVars>
       </dgm:prSet>
       <dgm:spPr/>
     </dgm:pt>
-    <dgm:pt modelId="{534B4557-FD21-4A41-A905-7AABB0D4A5FC}" type="pres">
-      <dgm:prSet presAssocID="{F533CACE-0D31-4C84-B714-15662A3F88B8}" presName="ellipse4" presStyleLbl="vennNode1" presStyleIdx="3" presStyleCnt="6">
+    <dgm:pt modelId="{1985F570-5567-4A4A-9679-04E6BA477D92}" type="pres">
+      <dgm:prSet presAssocID="{D35F5E83-DE2E-41A3-81E0-630E259D080C}" presName="circ4" presStyleLbl="vennNode1" presStyleIdx="3" presStyleCnt="6"/>
+      <dgm:spPr>
+        <a:solidFill>
+          <a:schemeClr val="tx2">
+            <a:lumMod val="50000"/>
+            <a:alpha val="50000"/>
+          </a:schemeClr>
+        </a:solidFill>
+      </dgm:spPr>
+    </dgm:pt>
+    <dgm:pt modelId="{C382CE2B-5E35-42F7-9956-F2E635268BFB}" type="pres">
+      <dgm:prSet presAssocID="{D35F5E83-DE2E-41A3-81E0-630E259D080C}" presName="circ4Tx" presStyleLbl="revTx" presStyleIdx="0" presStyleCnt="0">
         <dgm:presLayoutVars>
+          <dgm:chMax val="0"/>
+          <dgm:chPref val="0"/>
           <dgm:bulletEnabled val="1"/>
         </dgm:presLayoutVars>
       </dgm:prSet>
       <dgm:spPr/>
     </dgm:pt>
-    <dgm:pt modelId="{9C975803-9A6E-4467-828B-D5AB4CC5B1A1}" type="pres">
-      <dgm:prSet presAssocID="{F533CACE-0D31-4C84-B714-15662A3F88B8}" presName="ellipse5" presStyleLbl="vennNode1" presStyleIdx="4" presStyleCnt="6">
+    <dgm:pt modelId="{E3637D48-BB19-4A05-9D9E-F5B61541AE5D}" type="pres">
+      <dgm:prSet presAssocID="{09704DF0-8D21-443B-B81C-C6BEE5238C8F}" presName="circ5" presStyleLbl="vennNode1" presStyleIdx="4" presStyleCnt="6"/>
+      <dgm:spPr>
+        <a:solidFill>
+          <a:schemeClr val="tx2">
+            <a:lumMod val="50000"/>
+            <a:alpha val="50000"/>
+          </a:schemeClr>
+        </a:solidFill>
+      </dgm:spPr>
+    </dgm:pt>
+    <dgm:pt modelId="{D2D8A173-5DA7-487E-8ED3-0AAE949B2A77}" type="pres">
+      <dgm:prSet presAssocID="{09704DF0-8D21-443B-B81C-C6BEE5238C8F}" presName="circ5Tx" presStyleLbl="revTx" presStyleIdx="0" presStyleCnt="0">
         <dgm:presLayoutVars>
+          <dgm:chMax val="0"/>
+          <dgm:chPref val="0"/>
           <dgm:bulletEnabled val="1"/>
         </dgm:presLayoutVars>
       </dgm:prSet>
       <dgm:spPr/>
     </dgm:pt>
-    <dgm:pt modelId="{D340DA58-700D-4807-B4CD-C678508BC9E3}" type="pres">
-      <dgm:prSet presAssocID="{F533CACE-0D31-4C84-B714-15662A3F88B8}" presName="ellipse6" presStyleLbl="vennNode1" presStyleIdx="5" presStyleCnt="6">
+    <dgm:pt modelId="{92FB55F1-F2B3-4C04-9C60-549D2DB7BD5C}" type="pres">
+      <dgm:prSet presAssocID="{7B64A5BF-AC6D-49CE-8DC4-D54C9DBD1515}" presName="circ6" presStyleLbl="vennNode1" presStyleIdx="5" presStyleCnt="6"/>
+      <dgm:spPr>
+        <a:solidFill>
+          <a:schemeClr val="tx2">
+            <a:lumMod val="50000"/>
+            <a:alpha val="50000"/>
+          </a:schemeClr>
+        </a:solidFill>
+      </dgm:spPr>
+    </dgm:pt>
+    <dgm:pt modelId="{2D31233E-D601-4846-AFBE-9EFB4F4CB88D}" type="pres">
+      <dgm:prSet presAssocID="{7B64A5BF-AC6D-49CE-8DC4-D54C9DBD1515}" presName="circ6Tx" presStyleLbl="revTx" presStyleIdx="0" presStyleCnt="0">
         <dgm:presLayoutVars>
+          <dgm:chMax val="0"/>
+          <dgm:chPref val="0"/>
           <dgm:bulletEnabled val="1"/>
         </dgm:presLayoutVars>
       </dgm:prSet>
@@ -7878,24 +7956,30 @@
   </dgm:ptLst>
   <dgm:cxnLst>
     <dgm:cxn modelId="{B496A311-74C7-4E0C-AF9A-ECB203599DAB}" srcId="{F533CACE-0D31-4C84-B714-15662A3F88B8}" destId="{7B64A5BF-AC6D-49CE-8DC4-D54C9DBD1515}" srcOrd="5" destOrd="0" parTransId="{68B0BD0C-9426-443D-BDBB-7A7AD6A5B634}" sibTransId="{65D5B0CA-038B-4B3C-A745-67B4A2549D76}"/>
-    <dgm:cxn modelId="{4BD5484B-7FFD-4E60-8799-02065C3E9643}" type="presOf" srcId="{7F5F6C20-C038-400E-86E0-4DFFD0287A32}" destId="{AB40F5A8-7B1D-4DEE-AA75-FCB2A25C3106}" srcOrd="0" destOrd="0" presId="urn:microsoft.com/office/officeart/2005/8/layout/rings+Icon"/>
     <dgm:cxn modelId="{B529A46D-9591-44E3-B04E-F6AA042EDEDB}" srcId="{F533CACE-0D31-4C84-B714-15662A3F88B8}" destId="{09704DF0-8D21-443B-B81C-C6BEE5238C8F}" srcOrd="4" destOrd="0" parTransId="{BB48C75E-32DC-415D-876C-2970A4B3C0F5}" sibTransId="{BF02F04C-4DC9-42B7-9FDB-CF681DD1329A}"/>
-    <dgm:cxn modelId="{00C6C96D-2019-4D8A-92A6-EEA8FAEA63D8}" type="presOf" srcId="{7B64A5BF-AC6D-49CE-8DC4-D54C9DBD1515}" destId="{D340DA58-700D-4807-B4CD-C678508BC9E3}" srcOrd="0" destOrd="0" presId="urn:microsoft.com/office/officeart/2005/8/layout/rings+Icon"/>
-    <dgm:cxn modelId="{C4E63C77-AE9F-46AC-A1C2-F8061ABBFBB4}" type="presOf" srcId="{D35F5E83-DE2E-41A3-81E0-630E259D080C}" destId="{534B4557-FD21-4A41-A905-7AABB0D4A5FC}" srcOrd="0" destOrd="0" presId="urn:microsoft.com/office/officeart/2005/8/layout/rings+Icon"/>
+    <dgm:cxn modelId="{64E04D72-BA11-4C4A-9F4F-E6EA47036671}" type="presOf" srcId="{F533CACE-0D31-4C84-B714-15662A3F88B8}" destId="{33407008-5A4D-4E6B-8983-2B02D2BC9832}" srcOrd="0" destOrd="0" presId="urn:microsoft.com/office/officeart/2005/8/layout/venn1"/>
+    <dgm:cxn modelId="{F09DA088-393D-4CB6-99E5-4D88A5191F97}" type="presOf" srcId="{A16AC7F3-8783-4357-B6A9-596057B997B9}" destId="{5806DEF0-51FC-46B4-8654-976106031F3B}" srcOrd="0" destOrd="0" presId="urn:microsoft.com/office/officeart/2005/8/layout/venn1"/>
     <dgm:cxn modelId="{AB0FB798-9C61-4545-B139-DB8959791C5C}" srcId="{F533CACE-0D31-4C84-B714-15662A3F88B8}" destId="{D35F5E83-DE2E-41A3-81E0-630E259D080C}" srcOrd="3" destOrd="0" parTransId="{C7FDA902-A864-446C-B909-16C608FB1620}" sibTransId="{C6DFE011-7D57-48DB-AFB0-ADEAE2C19C88}"/>
+    <dgm:cxn modelId="{CD914E9B-848E-4764-87C1-3120BCBD4A5B}" type="presOf" srcId="{09704DF0-8D21-443B-B81C-C6BEE5238C8F}" destId="{D2D8A173-5DA7-487E-8ED3-0AAE949B2A77}" srcOrd="0" destOrd="0" presId="urn:microsoft.com/office/officeart/2005/8/layout/venn1"/>
+    <dgm:cxn modelId="{0346329E-D53C-49A3-A7A5-CB6208364404}" type="presOf" srcId="{3FE485AC-205C-40B1-B5AD-C74537E67A56}" destId="{89F167A0-43D6-4CE2-BA62-987099A42E9D}" srcOrd="0" destOrd="0" presId="urn:microsoft.com/office/officeart/2005/8/layout/venn1"/>
     <dgm:cxn modelId="{566B7CB1-F7EC-492A-B972-C4A677C71845}" srcId="{F533CACE-0D31-4C84-B714-15662A3F88B8}" destId="{7F5F6C20-C038-400E-86E0-4DFFD0287A32}" srcOrd="0" destOrd="0" parTransId="{1C6C3434-7E60-4425-B02B-FD9B7F6AE40E}" sibTransId="{BFD83FF4-412F-40E2-9674-ED386B0073E4}"/>
-    <dgm:cxn modelId="{FA8D84B2-9B8F-4F78-9E80-E5149B322B48}" type="presOf" srcId="{09704DF0-8D21-443B-B81C-C6BEE5238C8F}" destId="{9C975803-9A6E-4467-828B-D5AB4CC5B1A1}" srcOrd="0" destOrd="0" presId="urn:microsoft.com/office/officeart/2005/8/layout/rings+Icon"/>
-    <dgm:cxn modelId="{9371F5B7-78EE-490A-B852-7EC0C86409A6}" type="presOf" srcId="{A16AC7F3-8783-4357-B6A9-596057B997B9}" destId="{32D7E4C2-0E78-44F9-8058-3D6D2ABC7F48}" srcOrd="0" destOrd="0" presId="urn:microsoft.com/office/officeart/2005/8/layout/rings+Icon"/>
     <dgm:cxn modelId="{16894CC1-F459-4AC5-BE8E-0C14F94695FB}" srcId="{F533CACE-0D31-4C84-B714-15662A3F88B8}" destId="{A16AC7F3-8783-4357-B6A9-596057B997B9}" srcOrd="1" destOrd="0" parTransId="{64126B8F-581C-4FA7-8790-A2F8ED4A715E}" sibTransId="{41863476-0FE8-4F91-95D4-BD0A4A95DBE6}"/>
     <dgm:cxn modelId="{E2B59CC6-E4EE-4F57-A92D-234FD894E74D}" srcId="{F533CACE-0D31-4C84-B714-15662A3F88B8}" destId="{3FE485AC-205C-40B1-B5AD-C74537E67A56}" srcOrd="2" destOrd="0" parTransId="{83BF40A1-16E8-478B-B044-D5E2D2925EC2}" sibTransId="{4CB716D3-7945-4632-A90C-FE4241F99444}"/>
-    <dgm:cxn modelId="{9ECEBEE9-79C5-4E13-9317-5CE87BC5B691}" type="presOf" srcId="{3FE485AC-205C-40B1-B5AD-C74537E67A56}" destId="{4C4BE6E2-2D74-44AA-8B57-3A1D764E7818}" srcOrd="0" destOrd="0" presId="urn:microsoft.com/office/officeart/2005/8/layout/rings+Icon"/>
-    <dgm:cxn modelId="{0B8B99EA-7F5F-4A43-BEB7-299D51C76167}" type="presOf" srcId="{F533CACE-0D31-4C84-B714-15662A3F88B8}" destId="{735E3C65-A584-4EBB-B581-486FDECB63AF}" srcOrd="0" destOrd="0" presId="urn:microsoft.com/office/officeart/2005/8/layout/rings+Icon"/>
-    <dgm:cxn modelId="{61A60E67-A686-4236-90AF-C47161C5899C}" type="presParOf" srcId="{735E3C65-A584-4EBB-B581-486FDECB63AF}" destId="{AB40F5A8-7B1D-4DEE-AA75-FCB2A25C3106}" srcOrd="0" destOrd="0" presId="urn:microsoft.com/office/officeart/2005/8/layout/rings+Icon"/>
-    <dgm:cxn modelId="{9F230954-436B-4AD7-97EF-B8C2436851A4}" type="presParOf" srcId="{735E3C65-A584-4EBB-B581-486FDECB63AF}" destId="{32D7E4C2-0E78-44F9-8058-3D6D2ABC7F48}" srcOrd="1" destOrd="0" presId="urn:microsoft.com/office/officeart/2005/8/layout/rings+Icon"/>
-    <dgm:cxn modelId="{9DF3396A-E847-4970-9C3A-F9064EDAA8C4}" type="presParOf" srcId="{735E3C65-A584-4EBB-B581-486FDECB63AF}" destId="{4C4BE6E2-2D74-44AA-8B57-3A1D764E7818}" srcOrd="2" destOrd="0" presId="urn:microsoft.com/office/officeart/2005/8/layout/rings+Icon"/>
-    <dgm:cxn modelId="{0FF681CF-1560-4461-B4F5-AB4D7A0E2AEB}" type="presParOf" srcId="{735E3C65-A584-4EBB-B581-486FDECB63AF}" destId="{534B4557-FD21-4A41-A905-7AABB0D4A5FC}" srcOrd="3" destOrd="0" presId="urn:microsoft.com/office/officeart/2005/8/layout/rings+Icon"/>
-    <dgm:cxn modelId="{1F4EABB4-ABAE-4081-AAD9-27CCD09A528C}" type="presParOf" srcId="{735E3C65-A584-4EBB-B581-486FDECB63AF}" destId="{9C975803-9A6E-4467-828B-D5AB4CC5B1A1}" srcOrd="4" destOrd="0" presId="urn:microsoft.com/office/officeart/2005/8/layout/rings+Icon"/>
-    <dgm:cxn modelId="{20C776DC-6A21-468E-AE28-70A628602717}" type="presParOf" srcId="{735E3C65-A584-4EBB-B581-486FDECB63AF}" destId="{D340DA58-700D-4807-B4CD-C678508BC9E3}" srcOrd="5" destOrd="0" presId="urn:microsoft.com/office/officeart/2005/8/layout/rings+Icon"/>
+    <dgm:cxn modelId="{1090C4C7-6D0D-4173-92EE-EF79368940BB}" type="presOf" srcId="{7B64A5BF-AC6D-49CE-8DC4-D54C9DBD1515}" destId="{2D31233E-D601-4846-AFBE-9EFB4F4CB88D}" srcOrd="0" destOrd="0" presId="urn:microsoft.com/office/officeart/2005/8/layout/venn1"/>
+    <dgm:cxn modelId="{88E4B2D1-8C88-4167-8E9B-AFD021A4FECC}" type="presOf" srcId="{D35F5E83-DE2E-41A3-81E0-630E259D080C}" destId="{C382CE2B-5E35-42F7-9956-F2E635268BFB}" srcOrd="0" destOrd="0" presId="urn:microsoft.com/office/officeart/2005/8/layout/venn1"/>
+    <dgm:cxn modelId="{7F31FBF1-ED02-43D1-B81E-36FED8053E12}" type="presOf" srcId="{7F5F6C20-C038-400E-86E0-4DFFD0287A32}" destId="{7C114DA8-F87D-4BB8-9FD2-F861144ECBF8}" srcOrd="0" destOrd="0" presId="urn:microsoft.com/office/officeart/2005/8/layout/venn1"/>
+    <dgm:cxn modelId="{753173C0-8BD4-43BD-B026-B5950BEC1919}" type="presParOf" srcId="{33407008-5A4D-4E6B-8983-2B02D2BC9832}" destId="{309B67DA-2D1C-4FA0-A057-AAA502257B1F}" srcOrd="0" destOrd="0" presId="urn:microsoft.com/office/officeart/2005/8/layout/venn1"/>
+    <dgm:cxn modelId="{90924522-8DCE-40E3-AE5B-B7F34EBF6747}" type="presParOf" srcId="{33407008-5A4D-4E6B-8983-2B02D2BC9832}" destId="{7C114DA8-F87D-4BB8-9FD2-F861144ECBF8}" srcOrd="1" destOrd="0" presId="urn:microsoft.com/office/officeart/2005/8/layout/venn1"/>
+    <dgm:cxn modelId="{083A02BC-CEF1-4ED1-86A0-71E37B62FE01}" type="presParOf" srcId="{33407008-5A4D-4E6B-8983-2B02D2BC9832}" destId="{2D9F94F0-D867-4D5C-9DB8-32A4BB29A86E}" srcOrd="2" destOrd="0" presId="urn:microsoft.com/office/officeart/2005/8/layout/venn1"/>
+    <dgm:cxn modelId="{D6393B22-B0AF-437D-B02B-5EA23DD6F94B}" type="presParOf" srcId="{33407008-5A4D-4E6B-8983-2B02D2BC9832}" destId="{5806DEF0-51FC-46B4-8654-976106031F3B}" srcOrd="3" destOrd="0" presId="urn:microsoft.com/office/officeart/2005/8/layout/venn1"/>
+    <dgm:cxn modelId="{949BCDE3-A453-4F07-B184-98B574F0E7F2}" type="presParOf" srcId="{33407008-5A4D-4E6B-8983-2B02D2BC9832}" destId="{A4AE2781-C847-405D-9457-C8C7C0A2115A}" srcOrd="4" destOrd="0" presId="urn:microsoft.com/office/officeart/2005/8/layout/venn1"/>
+    <dgm:cxn modelId="{EED0EA16-2E14-49AA-927A-F6DE2B269C01}" type="presParOf" srcId="{33407008-5A4D-4E6B-8983-2B02D2BC9832}" destId="{89F167A0-43D6-4CE2-BA62-987099A42E9D}" srcOrd="5" destOrd="0" presId="urn:microsoft.com/office/officeart/2005/8/layout/venn1"/>
+    <dgm:cxn modelId="{43237B8A-394D-4550-883F-34C0F5B77B59}" type="presParOf" srcId="{33407008-5A4D-4E6B-8983-2B02D2BC9832}" destId="{1985F570-5567-4A4A-9679-04E6BA477D92}" srcOrd="6" destOrd="0" presId="urn:microsoft.com/office/officeart/2005/8/layout/venn1"/>
+    <dgm:cxn modelId="{637096BD-4B29-498D-9F0D-62C972809C68}" type="presParOf" srcId="{33407008-5A4D-4E6B-8983-2B02D2BC9832}" destId="{C382CE2B-5E35-42F7-9956-F2E635268BFB}" srcOrd="7" destOrd="0" presId="urn:microsoft.com/office/officeart/2005/8/layout/venn1"/>
+    <dgm:cxn modelId="{B1319674-1110-4ED9-8AE4-2C8507A6DDCE}" type="presParOf" srcId="{33407008-5A4D-4E6B-8983-2B02D2BC9832}" destId="{E3637D48-BB19-4A05-9D9E-F5B61541AE5D}" srcOrd="8" destOrd="0" presId="urn:microsoft.com/office/officeart/2005/8/layout/venn1"/>
+    <dgm:cxn modelId="{2604F4C1-11B6-4D44-AC2A-AC4FAA07AE54}" type="presParOf" srcId="{33407008-5A4D-4E6B-8983-2B02D2BC9832}" destId="{D2D8A173-5DA7-487E-8ED3-0AAE949B2A77}" srcOrd="9" destOrd="0" presId="urn:microsoft.com/office/officeart/2005/8/layout/venn1"/>
+    <dgm:cxn modelId="{F6A31FDD-1AA7-4914-9673-AE94D4167311}" type="presParOf" srcId="{33407008-5A4D-4E6B-8983-2B02D2BC9832}" destId="{92FB55F1-F2B3-4C04-9C60-549D2DB7BD5C}" srcOrd="10" destOrd="0" presId="urn:microsoft.com/office/officeart/2005/8/layout/venn1"/>
+    <dgm:cxn modelId="{A97CC7D4-CD33-4240-A8A3-5559AF825C73}" type="presParOf" srcId="{33407008-5A4D-4E6B-8983-2B02D2BC9832}" destId="{2D31233E-D601-4846-AFBE-9EFB4F4CB88D}" srcOrd="11" destOrd="0" presId="urn:microsoft.com/office/officeart/2005/8/layout/venn1"/>
   </dgm:cxnLst>
   <dgm:bg/>
   <dgm:whole/>
@@ -9409,483 +9493,15 @@
       <dsp:cNvGrpSpPr/>
     </dsp:nvGrpSpPr>
     <dsp:grpSpPr/>
-    <dsp:sp modelId="{AB40F5A8-7B1D-4DEE-AA75-FCB2A25C3106}">
+    <dsp:sp modelId="{309B67DA-2D1C-4FA0-A057-AAA502257B1F}">
       <dsp:nvSpPr>
         <dsp:cNvPr id="0" name=""/>
         <dsp:cNvSpPr/>
       </dsp:nvSpPr>
       <dsp:spPr>
         <a:xfrm>
-          <a:off x="822692" y="0"/>
-          <a:ext cx="2267970" cy="2268084"/>
-        </a:xfrm>
-        <a:prstGeom prst="ellipse">
-          <a:avLst/>
-        </a:prstGeom>
-        <a:solidFill>
-          <a:schemeClr val="tx1">
-            <a:lumMod val="65000"/>
-            <a:alpha val="50000"/>
-          </a:schemeClr>
-        </a:solidFill>
-        <a:ln w="15875" cap="flat" cmpd="sng" algn="ctr">
-          <a:solidFill>
-            <a:schemeClr val="lt1">
-              <a:hueOff val="0"/>
-              <a:satOff val="0"/>
-              <a:lumOff val="0"/>
-              <a:alphaOff val="0"/>
-            </a:schemeClr>
-          </a:solidFill>
-          <a:prstDash val="solid"/>
-        </a:ln>
-        <a:effectLst/>
-      </dsp:spPr>
-      <dsp:style>
-        <a:lnRef idx="2">
-          <a:scrgbClr r="0" g="0" b="0"/>
-        </a:lnRef>
-        <a:fillRef idx="1">
-          <a:scrgbClr r="0" g="0" b="0"/>
-        </a:fillRef>
-        <a:effectRef idx="0">
-          <a:scrgbClr r="0" g="0" b="0"/>
-        </a:effectRef>
-        <a:fontRef idx="minor">
-          <a:schemeClr val="tx1"/>
-        </a:fontRef>
-      </dsp:style>
-      <dsp:txBody>
-        <a:bodyPr spcFirstLastPara="0" vert="horz" wrap="square" lIns="304800" tIns="304800" rIns="304800" bIns="304800" numCol="1" spcCol="1270" anchor="ctr" anchorCtr="0">
-          <a:noAutofit/>
-        </a:bodyPr>
-        <a:lstStyle/>
-        <a:p>
-          <a:pPr marL="0" lvl="0" indent="0" algn="ctr" defTabSz="3556000">
-            <a:lnSpc>
-              <a:spcPct val="90000"/>
-            </a:lnSpc>
-            <a:spcBef>
-              <a:spcPct val="0"/>
-            </a:spcBef>
-            <a:spcAft>
-              <a:spcPct val="35000"/>
-            </a:spcAft>
-            <a:buNone/>
-          </a:pPr>
-          <a:r>
-            <a:rPr lang="pl-PL" sz="8000" kern="1200" dirty="0"/>
-            <a:t>?</a:t>
-          </a:r>
-          <a:endParaRPr lang="en-US" sz="8000" kern="1200" dirty="0"/>
-        </a:p>
-      </dsp:txBody>
-      <dsp:txXfrm>
-        <a:off x="1154829" y="332153"/>
-        <a:ext cx="1603696" cy="1603778"/>
-      </dsp:txXfrm>
-    </dsp:sp>
-    <dsp:sp modelId="{32D7E4C2-0E78-44F9-8058-3D6D2ABC7F48}">
-      <dsp:nvSpPr>
-        <dsp:cNvPr id="0" name=""/>
-        <dsp:cNvSpPr/>
-      </dsp:nvSpPr>
-      <dsp:spPr>
-        <a:xfrm>
-          <a:off x="2000731" y="1461704"/>
-          <a:ext cx="2267970" cy="2268084"/>
-        </a:xfrm>
-        <a:prstGeom prst="ellipse">
-          <a:avLst/>
-        </a:prstGeom>
-        <a:solidFill>
-          <a:schemeClr val="tx1">
-            <a:lumMod val="65000"/>
-            <a:alpha val="50000"/>
-          </a:schemeClr>
-        </a:solidFill>
-        <a:ln w="15875" cap="flat" cmpd="sng" algn="ctr">
-          <a:solidFill>
-            <a:schemeClr val="lt1">
-              <a:hueOff val="0"/>
-              <a:satOff val="0"/>
-              <a:lumOff val="0"/>
-              <a:alphaOff val="0"/>
-            </a:schemeClr>
-          </a:solidFill>
-          <a:prstDash val="solid"/>
-        </a:ln>
-        <a:effectLst/>
-      </dsp:spPr>
-      <dsp:style>
-        <a:lnRef idx="2">
-          <a:scrgbClr r="0" g="0" b="0"/>
-        </a:lnRef>
-        <a:fillRef idx="1">
-          <a:scrgbClr r="0" g="0" b="0"/>
-        </a:fillRef>
-        <a:effectRef idx="0">
-          <a:scrgbClr r="0" g="0" b="0"/>
-        </a:effectRef>
-        <a:fontRef idx="minor">
-          <a:schemeClr val="tx1"/>
-        </a:fontRef>
-      </dsp:style>
-      <dsp:txBody>
-        <a:bodyPr spcFirstLastPara="0" vert="horz" wrap="square" lIns="335280" tIns="335280" rIns="335280" bIns="335280" numCol="1" spcCol="1270" anchor="ctr" anchorCtr="0">
-          <a:noAutofit/>
-        </a:bodyPr>
-        <a:lstStyle/>
-        <a:p>
-          <a:pPr marL="0" lvl="0" indent="0" algn="ctr" defTabSz="3911600">
-            <a:lnSpc>
-              <a:spcPct val="90000"/>
-            </a:lnSpc>
-            <a:spcBef>
-              <a:spcPct val="0"/>
-            </a:spcBef>
-            <a:spcAft>
-              <a:spcPct val="35000"/>
-            </a:spcAft>
-            <a:buNone/>
-          </a:pPr>
-          <a:r>
-            <a:rPr lang="pl-PL" sz="8800" kern="1200" dirty="0"/>
-            <a:t>?</a:t>
-          </a:r>
-          <a:endParaRPr lang="en-US" sz="8800" kern="1200" dirty="0"/>
-        </a:p>
-      </dsp:txBody>
-      <dsp:txXfrm>
-        <a:off x="2332868" y="1793857"/>
-        <a:ext cx="1603696" cy="1603778"/>
-      </dsp:txXfrm>
-    </dsp:sp>
-    <dsp:sp modelId="{4C4BE6E2-2D74-44AA-8B57-3A1D764E7818}">
-      <dsp:nvSpPr>
-        <dsp:cNvPr id="0" name=""/>
-        <dsp:cNvSpPr/>
-      </dsp:nvSpPr>
-      <dsp:spPr>
-        <a:xfrm>
-          <a:off x="3178771" y="0"/>
-          <a:ext cx="2267970" cy="2268084"/>
-        </a:xfrm>
-        <a:prstGeom prst="ellipse">
-          <a:avLst/>
-        </a:prstGeom>
-        <a:solidFill>
-          <a:schemeClr val="tx1">
-            <a:lumMod val="65000"/>
-            <a:alpha val="50000"/>
-          </a:schemeClr>
-        </a:solidFill>
-        <a:ln w="15875" cap="flat" cmpd="sng" algn="ctr">
-          <a:solidFill>
-            <a:schemeClr val="lt1">
-              <a:hueOff val="0"/>
-              <a:satOff val="0"/>
-              <a:lumOff val="0"/>
-              <a:alphaOff val="0"/>
-            </a:schemeClr>
-          </a:solidFill>
-          <a:prstDash val="solid"/>
-        </a:ln>
-        <a:effectLst/>
-      </dsp:spPr>
-      <dsp:style>
-        <a:lnRef idx="2">
-          <a:scrgbClr r="0" g="0" b="0"/>
-        </a:lnRef>
-        <a:fillRef idx="1">
-          <a:scrgbClr r="0" g="0" b="0"/>
-        </a:fillRef>
-        <a:effectRef idx="0">
-          <a:scrgbClr r="0" g="0" b="0"/>
-        </a:effectRef>
-        <a:fontRef idx="minor">
-          <a:schemeClr val="tx1"/>
-        </a:fontRef>
-      </dsp:style>
-      <dsp:txBody>
-        <a:bodyPr spcFirstLastPara="0" vert="horz" wrap="square" lIns="335280" tIns="335280" rIns="335280" bIns="335280" numCol="1" spcCol="1270" anchor="ctr" anchorCtr="0">
-          <a:noAutofit/>
-        </a:bodyPr>
-        <a:lstStyle/>
-        <a:p>
-          <a:pPr marL="0" lvl="0" indent="0" algn="ctr" defTabSz="3911600">
-            <a:lnSpc>
-              <a:spcPct val="90000"/>
-            </a:lnSpc>
-            <a:spcBef>
-              <a:spcPct val="0"/>
-            </a:spcBef>
-            <a:spcAft>
-              <a:spcPct val="35000"/>
-            </a:spcAft>
-            <a:buNone/>
-          </a:pPr>
-          <a:r>
-            <a:rPr lang="pl-PL" sz="8800" kern="1200" dirty="0"/>
-            <a:t>?</a:t>
-          </a:r>
-          <a:endParaRPr lang="en-US" sz="8800" kern="1200" dirty="0"/>
-        </a:p>
-      </dsp:txBody>
-      <dsp:txXfrm>
-        <a:off x="3510908" y="332153"/>
-        <a:ext cx="1603696" cy="1603778"/>
-      </dsp:txXfrm>
-    </dsp:sp>
-    <dsp:sp modelId="{534B4557-FD21-4A41-A905-7AABB0D4A5FC}">
-      <dsp:nvSpPr>
-        <dsp:cNvPr id="0" name=""/>
-        <dsp:cNvSpPr/>
-      </dsp:nvSpPr>
-      <dsp:spPr>
-        <a:xfrm>
-          <a:off x="4356810" y="1461704"/>
-          <a:ext cx="2267970" cy="2268084"/>
-        </a:xfrm>
-        <a:prstGeom prst="ellipse">
-          <a:avLst/>
-        </a:prstGeom>
-        <a:solidFill>
-          <a:schemeClr val="tx1">
-            <a:lumMod val="65000"/>
-            <a:alpha val="50000"/>
-          </a:schemeClr>
-        </a:solidFill>
-        <a:ln w="15875" cap="flat" cmpd="sng" algn="ctr">
-          <a:solidFill>
-            <a:schemeClr val="lt1">
-              <a:hueOff val="0"/>
-              <a:satOff val="0"/>
-              <a:lumOff val="0"/>
-              <a:alphaOff val="0"/>
-            </a:schemeClr>
-          </a:solidFill>
-          <a:prstDash val="solid"/>
-        </a:ln>
-        <a:effectLst/>
-      </dsp:spPr>
-      <dsp:style>
-        <a:lnRef idx="2">
-          <a:scrgbClr r="0" g="0" b="0"/>
-        </a:lnRef>
-        <a:fillRef idx="1">
-          <a:scrgbClr r="0" g="0" b="0"/>
-        </a:fillRef>
-        <a:effectRef idx="0">
-          <a:scrgbClr r="0" g="0" b="0"/>
-        </a:effectRef>
-        <a:fontRef idx="minor">
-          <a:schemeClr val="tx1"/>
-        </a:fontRef>
-      </dsp:style>
-      <dsp:txBody>
-        <a:bodyPr spcFirstLastPara="0" vert="horz" wrap="square" lIns="335280" tIns="335280" rIns="335280" bIns="335280" numCol="1" spcCol="1270" anchor="ctr" anchorCtr="0">
-          <a:noAutofit/>
-        </a:bodyPr>
-        <a:lstStyle/>
-        <a:p>
-          <a:pPr marL="0" lvl="0" indent="0" algn="ctr" defTabSz="3911600">
-            <a:lnSpc>
-              <a:spcPct val="90000"/>
-            </a:lnSpc>
-            <a:spcBef>
-              <a:spcPct val="0"/>
-            </a:spcBef>
-            <a:spcAft>
-              <a:spcPct val="35000"/>
-            </a:spcAft>
-            <a:buNone/>
-          </a:pPr>
-          <a:r>
-            <a:rPr lang="pl-PL" sz="8800" kern="1200" dirty="0"/>
-            <a:t>?</a:t>
-          </a:r>
-          <a:endParaRPr lang="en-US" sz="8800" kern="1200" dirty="0"/>
-        </a:p>
-      </dsp:txBody>
-      <dsp:txXfrm>
-        <a:off x="4688947" y="1793857"/>
-        <a:ext cx="1603696" cy="1603778"/>
-      </dsp:txXfrm>
-    </dsp:sp>
-    <dsp:sp modelId="{9C975803-9A6E-4467-828B-D5AB4CC5B1A1}">
-      <dsp:nvSpPr>
-        <dsp:cNvPr id="0" name=""/>
-        <dsp:cNvSpPr/>
-      </dsp:nvSpPr>
-      <dsp:spPr>
-        <a:xfrm>
-          <a:off x="5534849" y="0"/>
-          <a:ext cx="2267970" cy="2268084"/>
-        </a:xfrm>
-        <a:prstGeom prst="ellipse">
-          <a:avLst/>
-        </a:prstGeom>
-        <a:solidFill>
-          <a:schemeClr val="tx1">
-            <a:lumMod val="65000"/>
-            <a:alpha val="50000"/>
-          </a:schemeClr>
-        </a:solidFill>
-        <a:ln w="15875" cap="flat" cmpd="sng" algn="ctr">
-          <a:solidFill>
-            <a:schemeClr val="lt1">
-              <a:hueOff val="0"/>
-              <a:satOff val="0"/>
-              <a:lumOff val="0"/>
-              <a:alphaOff val="0"/>
-            </a:schemeClr>
-          </a:solidFill>
-          <a:prstDash val="solid"/>
-        </a:ln>
-        <a:effectLst/>
-      </dsp:spPr>
-      <dsp:style>
-        <a:lnRef idx="2">
-          <a:scrgbClr r="0" g="0" b="0"/>
-        </a:lnRef>
-        <a:fillRef idx="1">
-          <a:scrgbClr r="0" g="0" b="0"/>
-        </a:fillRef>
-        <a:effectRef idx="0">
-          <a:scrgbClr r="0" g="0" b="0"/>
-        </a:effectRef>
-        <a:fontRef idx="minor">
-          <a:schemeClr val="tx1"/>
-        </a:fontRef>
-      </dsp:style>
-      <dsp:txBody>
-        <a:bodyPr spcFirstLastPara="0" vert="horz" wrap="square" lIns="335280" tIns="335280" rIns="335280" bIns="335280" numCol="1" spcCol="1270" anchor="ctr" anchorCtr="0">
-          <a:noAutofit/>
-        </a:bodyPr>
-        <a:lstStyle/>
-        <a:p>
-          <a:pPr marL="0" lvl="0" indent="0" algn="ctr" defTabSz="3911600">
-            <a:lnSpc>
-              <a:spcPct val="90000"/>
-            </a:lnSpc>
-            <a:spcBef>
-              <a:spcPct val="0"/>
-            </a:spcBef>
-            <a:spcAft>
-              <a:spcPct val="35000"/>
-            </a:spcAft>
-            <a:buNone/>
-          </a:pPr>
-          <a:r>
-            <a:rPr lang="pl-PL" sz="8800" kern="1200" dirty="0"/>
-            <a:t>?</a:t>
-          </a:r>
-          <a:endParaRPr lang="en-US" sz="8800" kern="1200" dirty="0"/>
-        </a:p>
-      </dsp:txBody>
-      <dsp:txXfrm>
-        <a:off x="5866986" y="332153"/>
-        <a:ext cx="1603696" cy="1603778"/>
-      </dsp:txXfrm>
-    </dsp:sp>
-    <dsp:sp modelId="{D340DA58-700D-4807-B4CD-C678508BC9E3}">
-      <dsp:nvSpPr>
-        <dsp:cNvPr id="0" name=""/>
-        <dsp:cNvSpPr/>
-      </dsp:nvSpPr>
-      <dsp:spPr>
-        <a:xfrm>
-          <a:off x="6712889" y="1461704"/>
-          <a:ext cx="2267970" cy="2268084"/>
-        </a:xfrm>
-        <a:prstGeom prst="ellipse">
-          <a:avLst/>
-        </a:prstGeom>
-        <a:solidFill>
-          <a:schemeClr val="tx1">
-            <a:lumMod val="65000"/>
-            <a:alpha val="50000"/>
-          </a:schemeClr>
-        </a:solidFill>
-        <a:ln w="15875" cap="flat" cmpd="sng" algn="ctr">
-          <a:solidFill>
-            <a:schemeClr val="lt1">
-              <a:hueOff val="0"/>
-              <a:satOff val="0"/>
-              <a:lumOff val="0"/>
-              <a:alphaOff val="0"/>
-            </a:schemeClr>
-          </a:solidFill>
-          <a:prstDash val="solid"/>
-        </a:ln>
-        <a:effectLst/>
-      </dsp:spPr>
-      <dsp:style>
-        <a:lnRef idx="2">
-          <a:scrgbClr r="0" g="0" b="0"/>
-        </a:lnRef>
-        <a:fillRef idx="1">
-          <a:scrgbClr r="0" g="0" b="0"/>
-        </a:fillRef>
-        <a:effectRef idx="0">
-          <a:scrgbClr r="0" g="0" b="0"/>
-        </a:effectRef>
-        <a:fontRef idx="minor">
-          <a:schemeClr val="tx1"/>
-        </a:fontRef>
-      </dsp:style>
-      <dsp:txBody>
-        <a:bodyPr spcFirstLastPara="0" vert="horz" wrap="square" lIns="335280" tIns="335280" rIns="335280" bIns="335280" numCol="1" spcCol="1270" anchor="ctr" anchorCtr="0">
-          <a:noAutofit/>
-        </a:bodyPr>
-        <a:lstStyle/>
-        <a:p>
-          <a:pPr marL="0" lvl="0" indent="0" algn="ctr" defTabSz="3911600">
-            <a:lnSpc>
-              <a:spcPct val="90000"/>
-            </a:lnSpc>
-            <a:spcBef>
-              <a:spcPct val="0"/>
-            </a:spcBef>
-            <a:spcAft>
-              <a:spcPct val="35000"/>
-            </a:spcAft>
-            <a:buNone/>
-          </a:pPr>
-          <a:r>
-            <a:rPr lang="pl-PL" sz="8800" kern="1200" dirty="0"/>
-            <a:t>?</a:t>
-          </a:r>
-          <a:endParaRPr lang="en-US" sz="8800" kern="1200" dirty="0"/>
-        </a:p>
-      </dsp:txBody>
-      <dsp:txXfrm>
-        <a:off x="7045026" y="1793857"/>
-        <a:ext cx="1603696" cy="1603778"/>
-      </dsp:txXfrm>
-    </dsp:sp>
-  </dsp:spTree>
-</dsp:drawing>
-</file>
-
-<file path=ppt/diagrams/drawing3.xml><?xml version="1.0" encoding="utf-8"?>
-<dsp:drawing xmlns:dgm="http://schemas.openxmlformats.org/drawingml/2006/diagram" xmlns:dsp="http://schemas.microsoft.com/office/drawing/2008/diagram" xmlns:a="http://schemas.openxmlformats.org/drawingml/2006/main">
-  <dsp:spTree>
-    <dsp:nvGrpSpPr>
-      <dsp:cNvPr id="0" name=""/>
-      <dsp:cNvGrpSpPr/>
-    </dsp:nvGrpSpPr>
-    <dsp:grpSpPr/>
-    <dsp:sp modelId="{AB40F5A8-7B1D-4DEE-AA75-FCB2A25C3106}">
-      <dsp:nvSpPr>
-        <dsp:cNvPr id="0" name=""/>
-        <dsp:cNvSpPr/>
-      </dsp:nvSpPr>
-      <dsp:spPr>
-        <a:xfrm>
-          <a:off x="822692" y="0"/>
-          <a:ext cx="2267970" cy="2268084"/>
+          <a:off x="4260494" y="957347"/>
+          <a:ext cx="1282562" cy="1282562"/>
         </a:xfrm>
         <a:prstGeom prst="ellipse">
           <a:avLst/>
@@ -9923,13 +9539,46 @@
           <a:schemeClr val="tx1"/>
         </a:fontRef>
       </dsp:style>
+    </dsp:sp>
+    <dsp:sp modelId="{7C114DA8-F87D-4BB8-9FD2-F861144ECBF8}">
+      <dsp:nvSpPr>
+        <dsp:cNvPr id="0" name=""/>
+        <dsp:cNvSpPr/>
+      </dsp:nvSpPr>
+      <dsp:spPr>
+        <a:xfrm>
+          <a:off x="4100174" y="0"/>
+          <a:ext cx="1603202" cy="873340"/>
+        </a:xfrm>
+        <a:prstGeom prst="rect">
+          <a:avLst/>
+        </a:prstGeom>
+        <a:noFill/>
+        <a:ln>
+          <a:noFill/>
+        </a:ln>
+        <a:effectLst/>
+        <a:sp3d/>
+      </dsp:spPr>
+      <dsp:style>
+        <a:lnRef idx="0">
+          <a:scrgbClr r="0" g="0" b="0"/>
+        </a:lnRef>
+        <a:fillRef idx="0">
+          <a:scrgbClr r="0" g="0" b="0"/>
+        </a:fillRef>
+        <a:effectRef idx="0">
+          <a:scrgbClr r="0" g="0" b="0"/>
+        </a:effectRef>
+        <a:fontRef idx="minor"/>
+      </dsp:style>
       <dsp:txBody>
-        <a:bodyPr spcFirstLastPara="0" vert="horz" wrap="square" lIns="76200" tIns="76200" rIns="76200" bIns="76200" numCol="1" spcCol="1270" anchor="ctr" anchorCtr="0">
+        <a:bodyPr spcFirstLastPara="0" vert="horz" wrap="square" lIns="0" tIns="0" rIns="0" bIns="0" numCol="1" spcCol="1270" anchor="ctr" anchorCtr="0">
           <a:noAutofit/>
         </a:bodyPr>
         <a:lstStyle/>
         <a:p>
-          <a:pPr marL="0" lvl="0" indent="0" algn="ctr" defTabSz="889000">
+          <a:pPr marL="0" lvl="0" indent="0" algn="ctr" defTabSz="2889250">
             <a:lnSpc>
               <a:spcPct val="90000"/>
             </a:lnSpc>
@@ -9942,25 +9591,26 @@
             <a:buNone/>
           </a:pPr>
           <a:r>
-            <a:rPr lang="en-US" sz="2000" kern="1200" dirty="0"/>
-            <a:t>Processing power</a:t>
+            <a:rPr lang="pl-PL" sz="6500" kern="1200" dirty="0"/>
+            <a:t>?</a:t>
           </a:r>
+          <a:endParaRPr lang="en-US" sz="6500" kern="1200" dirty="0"/>
         </a:p>
       </dsp:txBody>
       <dsp:txXfrm>
-        <a:off x="1154829" y="332153"/>
-        <a:ext cx="1603696" cy="1603778"/>
+        <a:off x="4100174" y="0"/>
+        <a:ext cx="1603202" cy="873340"/>
       </dsp:txXfrm>
     </dsp:sp>
-    <dsp:sp modelId="{32D7E4C2-0E78-44F9-8058-3D6D2ABC7F48}">
+    <dsp:sp modelId="{2D9F94F0-D867-4D5C-9DB8-32A4BB29A86E}">
       <dsp:nvSpPr>
         <dsp:cNvPr id="0" name=""/>
         <dsp:cNvSpPr/>
       </dsp:nvSpPr>
       <dsp:spPr>
         <a:xfrm>
-          <a:off x="2000731" y="1461704"/>
-          <a:ext cx="2267970" cy="2268084"/>
+          <a:off x="4676793" y="1197723"/>
+          <a:ext cx="1282562" cy="1282562"/>
         </a:xfrm>
         <a:prstGeom prst="ellipse">
           <a:avLst/>
@@ -9998,13 +9648,46 @@
           <a:schemeClr val="tx1"/>
         </a:fontRef>
       </dsp:style>
+    </dsp:sp>
+    <dsp:sp modelId="{5806DEF0-51FC-46B4-8654-976106031F3B}">
+      <dsp:nvSpPr>
+        <dsp:cNvPr id="0" name=""/>
+        <dsp:cNvSpPr/>
+      </dsp:nvSpPr>
+      <dsp:spPr>
+        <a:xfrm>
+          <a:off x="6054478" y="831752"/>
+          <a:ext cx="1519301" cy="956515"/>
+        </a:xfrm>
+        <a:prstGeom prst="rect">
+          <a:avLst/>
+        </a:prstGeom>
+        <a:noFill/>
+        <a:ln>
+          <a:noFill/>
+        </a:ln>
+        <a:effectLst/>
+        <a:sp3d/>
+      </dsp:spPr>
+      <dsp:style>
+        <a:lnRef idx="0">
+          <a:scrgbClr r="0" g="0" b="0"/>
+        </a:lnRef>
+        <a:fillRef idx="0">
+          <a:scrgbClr r="0" g="0" b="0"/>
+        </a:fillRef>
+        <a:effectRef idx="0">
+          <a:scrgbClr r="0" g="0" b="0"/>
+        </a:effectRef>
+        <a:fontRef idx="minor"/>
+      </dsp:style>
       <dsp:txBody>
-        <a:bodyPr spcFirstLastPara="0" vert="horz" wrap="square" lIns="76200" tIns="76200" rIns="76200" bIns="76200" numCol="1" spcCol="1270" anchor="ctr" anchorCtr="0">
+        <a:bodyPr spcFirstLastPara="0" vert="horz" wrap="square" lIns="0" tIns="0" rIns="0" bIns="0" numCol="1" spcCol="1270" anchor="ctr" anchorCtr="0">
           <a:noAutofit/>
         </a:bodyPr>
         <a:lstStyle/>
         <a:p>
-          <a:pPr marL="0" lvl="0" indent="0" algn="ctr" defTabSz="889000">
+          <a:pPr marL="0" lvl="0" indent="0" algn="ctr" defTabSz="2889250">
             <a:lnSpc>
               <a:spcPct val="90000"/>
             </a:lnSpc>
@@ -10017,26 +9700,26 @@
             <a:buNone/>
           </a:pPr>
           <a:r>
-            <a:rPr lang="pl-PL" sz="2000" kern="1200" dirty="0"/>
-            <a:t>Built-in governance</a:t>
+            <a:rPr lang="pl-PL" sz="6500" kern="1200" dirty="0"/>
+            <a:t>?</a:t>
           </a:r>
-          <a:endParaRPr lang="en-US" sz="2000" kern="1200" dirty="0"/>
+          <a:endParaRPr lang="en-US" sz="6500" kern="1200" dirty="0"/>
         </a:p>
       </dsp:txBody>
       <dsp:txXfrm>
-        <a:off x="2332868" y="1793857"/>
-        <a:ext cx="1603696" cy="1603778"/>
+        <a:off x="6054478" y="831752"/>
+        <a:ext cx="1519301" cy="956515"/>
       </dsp:txXfrm>
     </dsp:sp>
-    <dsp:sp modelId="{4C4BE6E2-2D74-44AA-8B57-3A1D764E7818}">
+    <dsp:sp modelId="{A4AE2781-C847-405D-9457-C8C7C0A2115A}">
       <dsp:nvSpPr>
         <dsp:cNvPr id="0" name=""/>
         <dsp:cNvSpPr/>
       </dsp:nvSpPr>
       <dsp:spPr>
         <a:xfrm>
-          <a:off x="3178771" y="0"/>
-          <a:ext cx="2267970" cy="2268084"/>
+          <a:off x="4676793" y="1678476"/>
+          <a:ext cx="1282562" cy="1282562"/>
         </a:xfrm>
         <a:prstGeom prst="ellipse">
           <a:avLst/>
@@ -10074,13 +9757,46 @@
           <a:schemeClr val="tx1"/>
         </a:fontRef>
       </dsp:style>
+    </dsp:sp>
+    <dsp:sp modelId="{89F167A0-43D6-4CE2-BA62-987099A42E9D}">
+      <dsp:nvSpPr>
+        <dsp:cNvPr id="0" name=""/>
+        <dsp:cNvSpPr/>
+      </dsp:nvSpPr>
+      <dsp:spPr>
+        <a:xfrm>
+          <a:off x="6054478" y="2258207"/>
+          <a:ext cx="1519301" cy="1068801"/>
+        </a:xfrm>
+        <a:prstGeom prst="rect">
+          <a:avLst/>
+        </a:prstGeom>
+        <a:noFill/>
+        <a:ln>
+          <a:noFill/>
+        </a:ln>
+        <a:effectLst/>
+        <a:sp3d/>
+      </dsp:spPr>
+      <dsp:style>
+        <a:lnRef idx="0">
+          <a:scrgbClr r="0" g="0" b="0"/>
+        </a:lnRef>
+        <a:fillRef idx="0">
+          <a:scrgbClr r="0" g="0" b="0"/>
+        </a:fillRef>
+        <a:effectRef idx="0">
+          <a:scrgbClr r="0" g="0" b="0"/>
+        </a:effectRef>
+        <a:fontRef idx="minor"/>
+      </dsp:style>
       <dsp:txBody>
-        <a:bodyPr spcFirstLastPara="0" vert="horz" wrap="square" lIns="76200" tIns="76200" rIns="76200" bIns="76200" numCol="1" spcCol="1270" anchor="ctr" anchorCtr="0">
+        <a:bodyPr spcFirstLastPara="0" vert="horz" wrap="square" lIns="0" tIns="0" rIns="0" bIns="0" numCol="1" spcCol="1270" anchor="ctr" anchorCtr="0">
           <a:noAutofit/>
         </a:bodyPr>
         <a:lstStyle/>
         <a:p>
-          <a:pPr marL="0" lvl="0" indent="0" algn="ctr" defTabSz="889000">
+          <a:pPr marL="0" lvl="0" indent="0" algn="ctr" defTabSz="2889250">
             <a:lnSpc>
               <a:spcPct val="90000"/>
             </a:lnSpc>
@@ -10093,26 +9809,26 @@
             <a:buNone/>
           </a:pPr>
           <a:r>
-            <a:rPr lang="pl-PL" sz="2000" kern="1200" dirty="0"/>
-            <a:t>Infrastructure for apps</a:t>
+            <a:rPr lang="pl-PL" sz="6500" kern="1200" dirty="0"/>
+            <a:t>?</a:t>
           </a:r>
-          <a:endParaRPr lang="en-US" sz="2000" kern="1200" dirty="0"/>
+          <a:endParaRPr lang="en-US" sz="6500" kern="1200" dirty="0"/>
         </a:p>
       </dsp:txBody>
       <dsp:txXfrm>
-        <a:off x="3510908" y="332153"/>
-        <a:ext cx="1603696" cy="1603778"/>
+        <a:off x="6054478" y="2258207"/>
+        <a:ext cx="1519301" cy="1068801"/>
       </dsp:txXfrm>
     </dsp:sp>
-    <dsp:sp modelId="{534B4557-FD21-4A41-A905-7AABB0D4A5FC}">
+    <dsp:sp modelId="{1985F570-5567-4A4A-9679-04E6BA477D92}">
       <dsp:nvSpPr>
         <dsp:cNvPr id="0" name=""/>
         <dsp:cNvSpPr/>
       </dsp:nvSpPr>
       <dsp:spPr>
         <a:xfrm>
-          <a:off x="4356810" y="1461704"/>
-          <a:ext cx="2267970" cy="2268084"/>
+          <a:off x="4260494" y="1919268"/>
+          <a:ext cx="1282562" cy="1282562"/>
         </a:xfrm>
         <a:prstGeom prst="ellipse">
           <a:avLst/>
@@ -10150,13 +9866,46 @@
           <a:schemeClr val="tx1"/>
         </a:fontRef>
       </dsp:style>
+    </dsp:sp>
+    <dsp:sp modelId="{C382CE2B-5E35-42F7-9956-F2E635268BFB}">
+      <dsp:nvSpPr>
+        <dsp:cNvPr id="0" name=""/>
+        <dsp:cNvSpPr/>
+      </dsp:nvSpPr>
+      <dsp:spPr>
+        <a:xfrm>
+          <a:off x="4100174" y="3285421"/>
+          <a:ext cx="1603202" cy="873340"/>
+        </a:xfrm>
+        <a:prstGeom prst="rect">
+          <a:avLst/>
+        </a:prstGeom>
+        <a:noFill/>
+        <a:ln>
+          <a:noFill/>
+        </a:ln>
+        <a:effectLst/>
+        <a:sp3d/>
+      </dsp:spPr>
+      <dsp:style>
+        <a:lnRef idx="0">
+          <a:scrgbClr r="0" g="0" b="0"/>
+        </a:lnRef>
+        <a:fillRef idx="0">
+          <a:scrgbClr r="0" g="0" b="0"/>
+        </a:fillRef>
+        <a:effectRef idx="0">
+          <a:scrgbClr r="0" g="0" b="0"/>
+        </a:effectRef>
+        <a:fontRef idx="minor"/>
+      </dsp:style>
       <dsp:txBody>
-        <a:bodyPr spcFirstLastPara="0" vert="horz" wrap="square" lIns="76200" tIns="76200" rIns="76200" bIns="76200" numCol="1" spcCol="1270" anchor="ctr" anchorCtr="0">
+        <a:bodyPr spcFirstLastPara="0" vert="horz" wrap="square" lIns="0" tIns="0" rIns="0" bIns="0" numCol="1" spcCol="1270" anchor="ctr" anchorCtr="0">
           <a:noAutofit/>
         </a:bodyPr>
         <a:lstStyle/>
         <a:p>
-          <a:pPr marL="0" lvl="0" indent="0" algn="ctr" defTabSz="889000">
+          <a:pPr marL="0" lvl="0" indent="0" algn="ctr" defTabSz="2889250">
             <a:lnSpc>
               <a:spcPct val="90000"/>
             </a:lnSpc>
@@ -10169,25 +9918,26 @@
             <a:buNone/>
           </a:pPr>
           <a:r>
-            <a:rPr lang="en-US" sz="2000" kern="1200" dirty="0"/>
-            <a:t>No transaction fees</a:t>
+            <a:rPr lang="pl-PL" sz="6500" kern="1200" dirty="0"/>
+            <a:t>?</a:t>
           </a:r>
+          <a:endParaRPr lang="en-US" sz="6500" kern="1200" dirty="0"/>
         </a:p>
       </dsp:txBody>
       <dsp:txXfrm>
-        <a:off x="4688947" y="1793857"/>
-        <a:ext cx="1603696" cy="1603778"/>
+        <a:off x="4100174" y="3285421"/>
+        <a:ext cx="1603202" cy="873340"/>
       </dsp:txXfrm>
     </dsp:sp>
-    <dsp:sp modelId="{9C975803-9A6E-4467-828B-D5AB4CC5B1A1}">
+    <dsp:sp modelId="{E3637D48-BB19-4A05-9D9E-F5B61541AE5D}">
       <dsp:nvSpPr>
         <dsp:cNvPr id="0" name=""/>
         <dsp:cNvSpPr/>
       </dsp:nvSpPr>
       <dsp:spPr>
         <a:xfrm>
-          <a:off x="5534849" y="0"/>
-          <a:ext cx="2267970" cy="2268084"/>
+          <a:off x="3844196" y="1678476"/>
+          <a:ext cx="1282562" cy="1282562"/>
         </a:xfrm>
         <a:prstGeom prst="ellipse">
           <a:avLst/>
@@ -10225,13 +9975,46 @@
           <a:schemeClr val="tx1"/>
         </a:fontRef>
       </dsp:style>
+    </dsp:sp>
+    <dsp:sp modelId="{D2D8A173-5DA7-487E-8ED3-0AAE949B2A77}">
+      <dsp:nvSpPr>
+        <dsp:cNvPr id="0" name=""/>
+        <dsp:cNvSpPr/>
+      </dsp:nvSpPr>
+      <dsp:spPr>
+        <a:xfrm>
+          <a:off x="2229771" y="2258207"/>
+          <a:ext cx="1519301" cy="1068801"/>
+        </a:xfrm>
+        <a:prstGeom prst="rect">
+          <a:avLst/>
+        </a:prstGeom>
+        <a:noFill/>
+        <a:ln>
+          <a:noFill/>
+        </a:ln>
+        <a:effectLst/>
+        <a:sp3d/>
+      </dsp:spPr>
+      <dsp:style>
+        <a:lnRef idx="0">
+          <a:scrgbClr r="0" g="0" b="0"/>
+        </a:lnRef>
+        <a:fillRef idx="0">
+          <a:scrgbClr r="0" g="0" b="0"/>
+        </a:fillRef>
+        <a:effectRef idx="0">
+          <a:scrgbClr r="0" g="0" b="0"/>
+        </a:effectRef>
+        <a:fontRef idx="minor"/>
+      </dsp:style>
       <dsp:txBody>
-        <a:bodyPr spcFirstLastPara="0" vert="horz" wrap="square" lIns="76200" tIns="76200" rIns="76200" bIns="76200" numCol="1" spcCol="1270" anchor="ctr" anchorCtr="0">
+        <a:bodyPr spcFirstLastPara="0" vert="horz" wrap="square" lIns="0" tIns="0" rIns="0" bIns="0" numCol="1" spcCol="1270" anchor="ctr" anchorCtr="0">
           <a:noAutofit/>
         </a:bodyPr>
         <a:lstStyle/>
         <a:p>
-          <a:pPr marL="0" lvl="0" indent="0" algn="ctr" defTabSz="889000">
+          <a:pPr marL="0" lvl="0" indent="0" algn="ctr" defTabSz="2889250">
             <a:lnSpc>
               <a:spcPct val="90000"/>
             </a:lnSpc>
@@ -10244,25 +10027,26 @@
             <a:buNone/>
           </a:pPr>
           <a:r>
-            <a:rPr lang="en-US" sz="2000" kern="1200" dirty="0"/>
-            <a:t>Publish source code, not assembly</a:t>
+            <a:rPr lang="pl-PL" sz="6500" kern="1200" dirty="0"/>
+            <a:t>?</a:t>
           </a:r>
+          <a:endParaRPr lang="en-US" sz="6500" kern="1200" dirty="0"/>
         </a:p>
       </dsp:txBody>
       <dsp:txXfrm>
-        <a:off x="5866986" y="332153"/>
-        <a:ext cx="1603696" cy="1603778"/>
+        <a:off x="2229771" y="2258207"/>
+        <a:ext cx="1519301" cy="1068801"/>
       </dsp:txXfrm>
     </dsp:sp>
-    <dsp:sp modelId="{D340DA58-700D-4807-B4CD-C678508BC9E3}">
+    <dsp:sp modelId="{92FB55F1-F2B3-4C04-9C60-549D2DB7BD5C}">
       <dsp:nvSpPr>
         <dsp:cNvPr id="0" name=""/>
         <dsp:cNvSpPr/>
       </dsp:nvSpPr>
       <dsp:spPr>
         <a:xfrm>
-          <a:off x="6712889" y="1461704"/>
-          <a:ext cx="2267970" cy="2268084"/>
+          <a:off x="3844196" y="1197723"/>
+          <a:ext cx="1282562" cy="1282562"/>
         </a:xfrm>
         <a:prstGeom prst="ellipse">
           <a:avLst/>
@@ -10300,8 +10084,704 @@
           <a:schemeClr val="tx1"/>
         </a:fontRef>
       </dsp:style>
+    </dsp:sp>
+    <dsp:sp modelId="{2D31233E-D601-4846-AFBE-9EFB4F4CB88D}">
+      <dsp:nvSpPr>
+        <dsp:cNvPr id="0" name=""/>
+        <dsp:cNvSpPr/>
+      </dsp:nvSpPr>
+      <dsp:spPr>
+        <a:xfrm>
+          <a:off x="2229771" y="831752"/>
+          <a:ext cx="1519301" cy="1068801"/>
+        </a:xfrm>
+        <a:prstGeom prst="rect">
+          <a:avLst/>
+        </a:prstGeom>
+        <a:noFill/>
+        <a:ln>
+          <a:noFill/>
+        </a:ln>
+        <a:effectLst/>
+        <a:sp3d/>
+      </dsp:spPr>
+      <dsp:style>
+        <a:lnRef idx="0">
+          <a:scrgbClr r="0" g="0" b="0"/>
+        </a:lnRef>
+        <a:fillRef idx="0">
+          <a:scrgbClr r="0" g="0" b="0"/>
+        </a:fillRef>
+        <a:effectRef idx="0">
+          <a:scrgbClr r="0" g="0" b="0"/>
+        </a:effectRef>
+        <a:fontRef idx="minor"/>
+      </dsp:style>
       <dsp:txBody>
-        <a:bodyPr spcFirstLastPara="0" vert="horz" wrap="square" lIns="76200" tIns="76200" rIns="76200" bIns="76200" numCol="1" spcCol="1270" anchor="ctr" anchorCtr="0">
+        <a:bodyPr spcFirstLastPara="0" vert="horz" wrap="square" lIns="0" tIns="0" rIns="0" bIns="0" numCol="1" spcCol="1270" anchor="ctr" anchorCtr="0">
+          <a:noAutofit/>
+        </a:bodyPr>
+        <a:lstStyle/>
+        <a:p>
+          <a:pPr marL="0" lvl="0" indent="0" algn="ctr" defTabSz="2889250">
+            <a:lnSpc>
+              <a:spcPct val="90000"/>
+            </a:lnSpc>
+            <a:spcBef>
+              <a:spcPct val="0"/>
+            </a:spcBef>
+            <a:spcAft>
+              <a:spcPct val="35000"/>
+            </a:spcAft>
+            <a:buNone/>
+          </a:pPr>
+          <a:r>
+            <a:rPr lang="pl-PL" sz="6500" kern="1200" dirty="0"/>
+            <a:t>?</a:t>
+          </a:r>
+          <a:endParaRPr lang="en-US" sz="6500" kern="1200" dirty="0"/>
+        </a:p>
+      </dsp:txBody>
+      <dsp:txXfrm>
+        <a:off x="2229771" y="831752"/>
+        <a:ext cx="1519301" cy="1068801"/>
+      </dsp:txXfrm>
+    </dsp:sp>
+  </dsp:spTree>
+</dsp:drawing>
+</file>
+
+<file path=ppt/diagrams/drawing3.xml><?xml version="1.0" encoding="utf-8"?>
+<dsp:drawing xmlns:dgm="http://schemas.openxmlformats.org/drawingml/2006/diagram" xmlns:dsp="http://schemas.microsoft.com/office/drawing/2008/diagram" xmlns:a="http://schemas.openxmlformats.org/drawingml/2006/main">
+  <dsp:spTree>
+    <dsp:nvGrpSpPr>
+      <dsp:cNvPr id="0" name=""/>
+      <dsp:cNvGrpSpPr/>
+    </dsp:nvGrpSpPr>
+    <dsp:grpSpPr/>
+    <dsp:sp modelId="{309B67DA-2D1C-4FA0-A057-AAA502257B1F}">
+      <dsp:nvSpPr>
+        <dsp:cNvPr id="0" name=""/>
+        <dsp:cNvSpPr/>
+      </dsp:nvSpPr>
+      <dsp:spPr>
+        <a:xfrm>
+          <a:off x="4260494" y="957347"/>
+          <a:ext cx="1282562" cy="1282562"/>
+        </a:xfrm>
+        <a:prstGeom prst="ellipse">
+          <a:avLst/>
+        </a:prstGeom>
+        <a:solidFill>
+          <a:schemeClr val="tx2">
+            <a:lumMod val="50000"/>
+            <a:alpha val="50000"/>
+          </a:schemeClr>
+        </a:solidFill>
+        <a:ln w="15875" cap="flat" cmpd="sng" algn="ctr">
+          <a:solidFill>
+            <a:schemeClr val="lt1">
+              <a:hueOff val="0"/>
+              <a:satOff val="0"/>
+              <a:lumOff val="0"/>
+              <a:alphaOff val="0"/>
+            </a:schemeClr>
+          </a:solidFill>
+          <a:prstDash val="solid"/>
+        </a:ln>
+        <a:effectLst/>
+      </dsp:spPr>
+      <dsp:style>
+        <a:lnRef idx="2">
+          <a:scrgbClr r="0" g="0" b="0"/>
+        </a:lnRef>
+        <a:fillRef idx="1">
+          <a:scrgbClr r="0" g="0" b="0"/>
+        </a:fillRef>
+        <a:effectRef idx="0">
+          <a:scrgbClr r="0" g="0" b="0"/>
+        </a:effectRef>
+        <a:fontRef idx="minor">
+          <a:schemeClr val="tx1"/>
+        </a:fontRef>
+      </dsp:style>
+    </dsp:sp>
+    <dsp:sp modelId="{7C114DA8-F87D-4BB8-9FD2-F861144ECBF8}">
+      <dsp:nvSpPr>
+        <dsp:cNvPr id="0" name=""/>
+        <dsp:cNvSpPr/>
+      </dsp:nvSpPr>
+      <dsp:spPr>
+        <a:xfrm>
+          <a:off x="4100174" y="0"/>
+          <a:ext cx="1603202" cy="873340"/>
+        </a:xfrm>
+        <a:prstGeom prst="rect">
+          <a:avLst/>
+        </a:prstGeom>
+        <a:noFill/>
+        <a:ln>
+          <a:noFill/>
+        </a:ln>
+        <a:effectLst/>
+        <a:sp3d/>
+      </dsp:spPr>
+      <dsp:style>
+        <a:lnRef idx="0">
+          <a:scrgbClr r="0" g="0" b="0"/>
+        </a:lnRef>
+        <a:fillRef idx="0">
+          <a:scrgbClr r="0" g="0" b="0"/>
+        </a:fillRef>
+        <a:effectRef idx="0">
+          <a:scrgbClr r="0" g="0" b="0"/>
+        </a:effectRef>
+        <a:fontRef idx="minor"/>
+      </dsp:style>
+      <dsp:txBody>
+        <a:bodyPr spcFirstLastPara="0" vert="horz" wrap="square" lIns="0" tIns="0" rIns="0" bIns="0" numCol="1" spcCol="1270" anchor="ctr" anchorCtr="0">
+          <a:noAutofit/>
+        </a:bodyPr>
+        <a:lstStyle/>
+        <a:p>
+          <a:pPr marL="0" lvl="0" indent="0" algn="ctr" defTabSz="889000">
+            <a:lnSpc>
+              <a:spcPct val="90000"/>
+            </a:lnSpc>
+            <a:spcBef>
+              <a:spcPct val="0"/>
+            </a:spcBef>
+            <a:spcAft>
+              <a:spcPct val="35000"/>
+            </a:spcAft>
+            <a:buNone/>
+          </a:pPr>
+          <a:r>
+            <a:rPr lang="en-US" sz="2000" kern="1200" dirty="0"/>
+            <a:t>Processing power</a:t>
+          </a:r>
+        </a:p>
+      </dsp:txBody>
+      <dsp:txXfrm>
+        <a:off x="4100174" y="0"/>
+        <a:ext cx="1603202" cy="873340"/>
+      </dsp:txXfrm>
+    </dsp:sp>
+    <dsp:sp modelId="{2D9F94F0-D867-4D5C-9DB8-32A4BB29A86E}">
+      <dsp:nvSpPr>
+        <dsp:cNvPr id="0" name=""/>
+        <dsp:cNvSpPr/>
+      </dsp:nvSpPr>
+      <dsp:spPr>
+        <a:xfrm>
+          <a:off x="4676793" y="1197723"/>
+          <a:ext cx="1282562" cy="1282562"/>
+        </a:xfrm>
+        <a:prstGeom prst="ellipse">
+          <a:avLst/>
+        </a:prstGeom>
+        <a:solidFill>
+          <a:schemeClr val="tx2">
+            <a:lumMod val="50000"/>
+            <a:alpha val="50000"/>
+          </a:schemeClr>
+        </a:solidFill>
+        <a:ln w="15875" cap="flat" cmpd="sng" algn="ctr">
+          <a:solidFill>
+            <a:schemeClr val="lt1">
+              <a:hueOff val="0"/>
+              <a:satOff val="0"/>
+              <a:lumOff val="0"/>
+              <a:alphaOff val="0"/>
+            </a:schemeClr>
+          </a:solidFill>
+          <a:prstDash val="solid"/>
+        </a:ln>
+        <a:effectLst/>
+      </dsp:spPr>
+      <dsp:style>
+        <a:lnRef idx="2">
+          <a:scrgbClr r="0" g="0" b="0"/>
+        </a:lnRef>
+        <a:fillRef idx="1">
+          <a:scrgbClr r="0" g="0" b="0"/>
+        </a:fillRef>
+        <a:effectRef idx="0">
+          <a:scrgbClr r="0" g="0" b="0"/>
+        </a:effectRef>
+        <a:fontRef idx="minor">
+          <a:schemeClr val="tx1"/>
+        </a:fontRef>
+      </dsp:style>
+    </dsp:sp>
+    <dsp:sp modelId="{5806DEF0-51FC-46B4-8654-976106031F3B}">
+      <dsp:nvSpPr>
+        <dsp:cNvPr id="0" name=""/>
+        <dsp:cNvSpPr/>
+      </dsp:nvSpPr>
+      <dsp:spPr>
+        <a:xfrm>
+          <a:off x="6054478" y="831752"/>
+          <a:ext cx="1519301" cy="956515"/>
+        </a:xfrm>
+        <a:prstGeom prst="rect">
+          <a:avLst/>
+        </a:prstGeom>
+        <a:noFill/>
+        <a:ln>
+          <a:noFill/>
+        </a:ln>
+        <a:effectLst/>
+        <a:sp3d/>
+      </dsp:spPr>
+      <dsp:style>
+        <a:lnRef idx="0">
+          <a:scrgbClr r="0" g="0" b="0"/>
+        </a:lnRef>
+        <a:fillRef idx="0">
+          <a:scrgbClr r="0" g="0" b="0"/>
+        </a:fillRef>
+        <a:effectRef idx="0">
+          <a:scrgbClr r="0" g="0" b="0"/>
+        </a:effectRef>
+        <a:fontRef idx="minor"/>
+      </dsp:style>
+      <dsp:txBody>
+        <a:bodyPr spcFirstLastPara="0" vert="horz" wrap="square" lIns="0" tIns="0" rIns="0" bIns="0" numCol="1" spcCol="1270" anchor="ctr" anchorCtr="0">
+          <a:noAutofit/>
+        </a:bodyPr>
+        <a:lstStyle/>
+        <a:p>
+          <a:pPr marL="0" lvl="0" indent="0" algn="ctr" defTabSz="889000">
+            <a:lnSpc>
+              <a:spcPct val="90000"/>
+            </a:lnSpc>
+            <a:spcBef>
+              <a:spcPct val="0"/>
+            </a:spcBef>
+            <a:spcAft>
+              <a:spcPct val="35000"/>
+            </a:spcAft>
+            <a:buNone/>
+          </a:pPr>
+          <a:r>
+            <a:rPr lang="pl-PL" sz="2000" kern="1200" dirty="0"/>
+            <a:t>Built-in governance</a:t>
+          </a:r>
+          <a:endParaRPr lang="en-US" sz="2000" kern="1200" dirty="0"/>
+        </a:p>
+      </dsp:txBody>
+      <dsp:txXfrm>
+        <a:off x="6054478" y="831752"/>
+        <a:ext cx="1519301" cy="956515"/>
+      </dsp:txXfrm>
+    </dsp:sp>
+    <dsp:sp modelId="{A4AE2781-C847-405D-9457-C8C7C0A2115A}">
+      <dsp:nvSpPr>
+        <dsp:cNvPr id="0" name=""/>
+        <dsp:cNvSpPr/>
+      </dsp:nvSpPr>
+      <dsp:spPr>
+        <a:xfrm>
+          <a:off x="4676793" y="1678476"/>
+          <a:ext cx="1282562" cy="1282562"/>
+        </a:xfrm>
+        <a:prstGeom prst="ellipse">
+          <a:avLst/>
+        </a:prstGeom>
+        <a:solidFill>
+          <a:schemeClr val="tx2">
+            <a:lumMod val="50000"/>
+            <a:alpha val="50000"/>
+          </a:schemeClr>
+        </a:solidFill>
+        <a:ln w="15875" cap="flat" cmpd="sng" algn="ctr">
+          <a:solidFill>
+            <a:schemeClr val="lt1">
+              <a:hueOff val="0"/>
+              <a:satOff val="0"/>
+              <a:lumOff val="0"/>
+              <a:alphaOff val="0"/>
+            </a:schemeClr>
+          </a:solidFill>
+          <a:prstDash val="solid"/>
+        </a:ln>
+        <a:effectLst/>
+      </dsp:spPr>
+      <dsp:style>
+        <a:lnRef idx="2">
+          <a:scrgbClr r="0" g="0" b="0"/>
+        </a:lnRef>
+        <a:fillRef idx="1">
+          <a:scrgbClr r="0" g="0" b="0"/>
+        </a:fillRef>
+        <a:effectRef idx="0">
+          <a:scrgbClr r="0" g="0" b="0"/>
+        </a:effectRef>
+        <a:fontRef idx="minor">
+          <a:schemeClr val="tx1"/>
+        </a:fontRef>
+      </dsp:style>
+    </dsp:sp>
+    <dsp:sp modelId="{89F167A0-43D6-4CE2-BA62-987099A42E9D}">
+      <dsp:nvSpPr>
+        <dsp:cNvPr id="0" name=""/>
+        <dsp:cNvSpPr/>
+      </dsp:nvSpPr>
+      <dsp:spPr>
+        <a:xfrm>
+          <a:off x="6054478" y="2258207"/>
+          <a:ext cx="1519301" cy="1068801"/>
+        </a:xfrm>
+        <a:prstGeom prst="rect">
+          <a:avLst/>
+        </a:prstGeom>
+        <a:noFill/>
+        <a:ln>
+          <a:noFill/>
+        </a:ln>
+        <a:effectLst/>
+        <a:sp3d/>
+      </dsp:spPr>
+      <dsp:style>
+        <a:lnRef idx="0">
+          <a:scrgbClr r="0" g="0" b="0"/>
+        </a:lnRef>
+        <a:fillRef idx="0">
+          <a:scrgbClr r="0" g="0" b="0"/>
+        </a:fillRef>
+        <a:effectRef idx="0">
+          <a:scrgbClr r="0" g="0" b="0"/>
+        </a:effectRef>
+        <a:fontRef idx="minor"/>
+      </dsp:style>
+      <dsp:txBody>
+        <a:bodyPr spcFirstLastPara="0" vert="horz" wrap="square" lIns="0" tIns="0" rIns="0" bIns="0" numCol="1" spcCol="1270" anchor="ctr" anchorCtr="0">
+          <a:noAutofit/>
+        </a:bodyPr>
+        <a:lstStyle/>
+        <a:p>
+          <a:pPr marL="0" lvl="0" indent="0" algn="ctr" defTabSz="889000">
+            <a:lnSpc>
+              <a:spcPct val="90000"/>
+            </a:lnSpc>
+            <a:spcBef>
+              <a:spcPct val="0"/>
+            </a:spcBef>
+            <a:spcAft>
+              <a:spcPct val="35000"/>
+            </a:spcAft>
+            <a:buNone/>
+          </a:pPr>
+          <a:r>
+            <a:rPr lang="pl-PL" sz="2000" kern="1200" dirty="0"/>
+            <a:t>Infrastructure for apps</a:t>
+          </a:r>
+          <a:endParaRPr lang="en-US" sz="2000" kern="1200" dirty="0"/>
+        </a:p>
+      </dsp:txBody>
+      <dsp:txXfrm>
+        <a:off x="6054478" y="2258207"/>
+        <a:ext cx="1519301" cy="1068801"/>
+      </dsp:txXfrm>
+    </dsp:sp>
+    <dsp:sp modelId="{1985F570-5567-4A4A-9679-04E6BA477D92}">
+      <dsp:nvSpPr>
+        <dsp:cNvPr id="0" name=""/>
+        <dsp:cNvSpPr/>
+      </dsp:nvSpPr>
+      <dsp:spPr>
+        <a:xfrm>
+          <a:off x="4260494" y="1919268"/>
+          <a:ext cx="1282562" cy="1282562"/>
+        </a:xfrm>
+        <a:prstGeom prst="ellipse">
+          <a:avLst/>
+        </a:prstGeom>
+        <a:solidFill>
+          <a:schemeClr val="tx2">
+            <a:lumMod val="50000"/>
+            <a:alpha val="50000"/>
+          </a:schemeClr>
+        </a:solidFill>
+        <a:ln w="15875" cap="flat" cmpd="sng" algn="ctr">
+          <a:solidFill>
+            <a:schemeClr val="lt1">
+              <a:hueOff val="0"/>
+              <a:satOff val="0"/>
+              <a:lumOff val="0"/>
+              <a:alphaOff val="0"/>
+            </a:schemeClr>
+          </a:solidFill>
+          <a:prstDash val="solid"/>
+        </a:ln>
+        <a:effectLst/>
+      </dsp:spPr>
+      <dsp:style>
+        <a:lnRef idx="2">
+          <a:scrgbClr r="0" g="0" b="0"/>
+        </a:lnRef>
+        <a:fillRef idx="1">
+          <a:scrgbClr r="0" g="0" b="0"/>
+        </a:fillRef>
+        <a:effectRef idx="0">
+          <a:scrgbClr r="0" g="0" b="0"/>
+        </a:effectRef>
+        <a:fontRef idx="minor">
+          <a:schemeClr val="tx1"/>
+        </a:fontRef>
+      </dsp:style>
+    </dsp:sp>
+    <dsp:sp modelId="{C382CE2B-5E35-42F7-9956-F2E635268BFB}">
+      <dsp:nvSpPr>
+        <dsp:cNvPr id="0" name=""/>
+        <dsp:cNvSpPr/>
+      </dsp:nvSpPr>
+      <dsp:spPr>
+        <a:xfrm>
+          <a:off x="4100174" y="3285421"/>
+          <a:ext cx="1603202" cy="873340"/>
+        </a:xfrm>
+        <a:prstGeom prst="rect">
+          <a:avLst/>
+        </a:prstGeom>
+        <a:noFill/>
+        <a:ln>
+          <a:noFill/>
+        </a:ln>
+        <a:effectLst/>
+        <a:sp3d/>
+      </dsp:spPr>
+      <dsp:style>
+        <a:lnRef idx="0">
+          <a:scrgbClr r="0" g="0" b="0"/>
+        </a:lnRef>
+        <a:fillRef idx="0">
+          <a:scrgbClr r="0" g="0" b="0"/>
+        </a:fillRef>
+        <a:effectRef idx="0">
+          <a:scrgbClr r="0" g="0" b="0"/>
+        </a:effectRef>
+        <a:fontRef idx="minor"/>
+      </dsp:style>
+      <dsp:txBody>
+        <a:bodyPr spcFirstLastPara="0" vert="horz" wrap="square" lIns="0" tIns="0" rIns="0" bIns="0" numCol="1" spcCol="1270" anchor="ctr" anchorCtr="0">
+          <a:noAutofit/>
+        </a:bodyPr>
+        <a:lstStyle/>
+        <a:p>
+          <a:pPr marL="0" lvl="0" indent="0" algn="ctr" defTabSz="889000">
+            <a:lnSpc>
+              <a:spcPct val="90000"/>
+            </a:lnSpc>
+            <a:spcBef>
+              <a:spcPct val="0"/>
+            </a:spcBef>
+            <a:spcAft>
+              <a:spcPct val="35000"/>
+            </a:spcAft>
+            <a:buNone/>
+          </a:pPr>
+          <a:r>
+            <a:rPr lang="en-US" sz="2000" kern="1200" dirty="0"/>
+            <a:t>No transaction fees</a:t>
+          </a:r>
+        </a:p>
+      </dsp:txBody>
+      <dsp:txXfrm>
+        <a:off x="4100174" y="3285421"/>
+        <a:ext cx="1603202" cy="873340"/>
+      </dsp:txXfrm>
+    </dsp:sp>
+    <dsp:sp modelId="{E3637D48-BB19-4A05-9D9E-F5B61541AE5D}">
+      <dsp:nvSpPr>
+        <dsp:cNvPr id="0" name=""/>
+        <dsp:cNvSpPr/>
+      </dsp:nvSpPr>
+      <dsp:spPr>
+        <a:xfrm>
+          <a:off x="3844196" y="1678476"/>
+          <a:ext cx="1282562" cy="1282562"/>
+        </a:xfrm>
+        <a:prstGeom prst="ellipse">
+          <a:avLst/>
+        </a:prstGeom>
+        <a:solidFill>
+          <a:schemeClr val="tx2">
+            <a:lumMod val="50000"/>
+            <a:alpha val="50000"/>
+          </a:schemeClr>
+        </a:solidFill>
+        <a:ln w="15875" cap="flat" cmpd="sng" algn="ctr">
+          <a:solidFill>
+            <a:schemeClr val="lt1">
+              <a:hueOff val="0"/>
+              <a:satOff val="0"/>
+              <a:lumOff val="0"/>
+              <a:alphaOff val="0"/>
+            </a:schemeClr>
+          </a:solidFill>
+          <a:prstDash val="solid"/>
+        </a:ln>
+        <a:effectLst/>
+      </dsp:spPr>
+      <dsp:style>
+        <a:lnRef idx="2">
+          <a:scrgbClr r="0" g="0" b="0"/>
+        </a:lnRef>
+        <a:fillRef idx="1">
+          <a:scrgbClr r="0" g="0" b="0"/>
+        </a:fillRef>
+        <a:effectRef idx="0">
+          <a:scrgbClr r="0" g="0" b="0"/>
+        </a:effectRef>
+        <a:fontRef idx="minor">
+          <a:schemeClr val="tx1"/>
+        </a:fontRef>
+      </dsp:style>
+    </dsp:sp>
+    <dsp:sp modelId="{D2D8A173-5DA7-487E-8ED3-0AAE949B2A77}">
+      <dsp:nvSpPr>
+        <dsp:cNvPr id="0" name=""/>
+        <dsp:cNvSpPr/>
+      </dsp:nvSpPr>
+      <dsp:spPr>
+        <a:xfrm>
+          <a:off x="2229771" y="2258207"/>
+          <a:ext cx="1519301" cy="1068801"/>
+        </a:xfrm>
+        <a:prstGeom prst="rect">
+          <a:avLst/>
+        </a:prstGeom>
+        <a:noFill/>
+        <a:ln>
+          <a:noFill/>
+        </a:ln>
+        <a:effectLst/>
+        <a:sp3d/>
+      </dsp:spPr>
+      <dsp:style>
+        <a:lnRef idx="0">
+          <a:scrgbClr r="0" g="0" b="0"/>
+        </a:lnRef>
+        <a:fillRef idx="0">
+          <a:scrgbClr r="0" g="0" b="0"/>
+        </a:fillRef>
+        <a:effectRef idx="0">
+          <a:scrgbClr r="0" g="0" b="0"/>
+        </a:effectRef>
+        <a:fontRef idx="minor"/>
+      </dsp:style>
+      <dsp:txBody>
+        <a:bodyPr spcFirstLastPara="0" vert="horz" wrap="square" lIns="0" tIns="0" rIns="0" bIns="0" numCol="1" spcCol="1270" anchor="ctr" anchorCtr="0">
+          <a:noAutofit/>
+        </a:bodyPr>
+        <a:lstStyle/>
+        <a:p>
+          <a:pPr marL="0" lvl="0" indent="0" algn="ctr" defTabSz="889000">
+            <a:lnSpc>
+              <a:spcPct val="90000"/>
+            </a:lnSpc>
+            <a:spcBef>
+              <a:spcPct val="0"/>
+            </a:spcBef>
+            <a:spcAft>
+              <a:spcPct val="35000"/>
+            </a:spcAft>
+            <a:buNone/>
+          </a:pPr>
+          <a:r>
+            <a:rPr lang="en-US" sz="2000" kern="1200" dirty="0"/>
+            <a:t>Upgradeable apps &amp; multiple VMs</a:t>
+          </a:r>
+        </a:p>
+      </dsp:txBody>
+      <dsp:txXfrm>
+        <a:off x="2229771" y="2258207"/>
+        <a:ext cx="1519301" cy="1068801"/>
+      </dsp:txXfrm>
+    </dsp:sp>
+    <dsp:sp modelId="{92FB55F1-F2B3-4C04-9C60-549D2DB7BD5C}">
+      <dsp:nvSpPr>
+        <dsp:cNvPr id="0" name=""/>
+        <dsp:cNvSpPr/>
+      </dsp:nvSpPr>
+      <dsp:spPr>
+        <a:xfrm>
+          <a:off x="3844196" y="1197723"/>
+          <a:ext cx="1282562" cy="1282562"/>
+        </a:xfrm>
+        <a:prstGeom prst="ellipse">
+          <a:avLst/>
+        </a:prstGeom>
+        <a:solidFill>
+          <a:schemeClr val="tx2">
+            <a:lumMod val="50000"/>
+            <a:alpha val="50000"/>
+          </a:schemeClr>
+        </a:solidFill>
+        <a:ln w="15875" cap="flat" cmpd="sng" algn="ctr">
+          <a:solidFill>
+            <a:schemeClr val="lt1">
+              <a:hueOff val="0"/>
+              <a:satOff val="0"/>
+              <a:lumOff val="0"/>
+              <a:alphaOff val="0"/>
+            </a:schemeClr>
+          </a:solidFill>
+          <a:prstDash val="solid"/>
+        </a:ln>
+        <a:effectLst/>
+      </dsp:spPr>
+      <dsp:style>
+        <a:lnRef idx="2">
+          <a:scrgbClr r="0" g="0" b="0"/>
+        </a:lnRef>
+        <a:fillRef idx="1">
+          <a:scrgbClr r="0" g="0" b="0"/>
+        </a:fillRef>
+        <a:effectRef idx="0">
+          <a:scrgbClr r="0" g="0" b="0"/>
+        </a:effectRef>
+        <a:fontRef idx="minor">
+          <a:schemeClr val="tx1"/>
+        </a:fontRef>
+      </dsp:style>
+    </dsp:sp>
+    <dsp:sp modelId="{2D31233E-D601-4846-AFBE-9EFB4F4CB88D}">
+      <dsp:nvSpPr>
+        <dsp:cNvPr id="0" name=""/>
+        <dsp:cNvSpPr/>
+      </dsp:nvSpPr>
+      <dsp:spPr>
+        <a:xfrm>
+          <a:off x="2229771" y="831752"/>
+          <a:ext cx="1519301" cy="1068801"/>
+        </a:xfrm>
+        <a:prstGeom prst="rect">
+          <a:avLst/>
+        </a:prstGeom>
+        <a:noFill/>
+        <a:ln>
+          <a:noFill/>
+        </a:ln>
+        <a:effectLst/>
+        <a:sp3d/>
+      </dsp:spPr>
+      <dsp:style>
+        <a:lnRef idx="0">
+          <a:scrgbClr r="0" g="0" b="0"/>
+        </a:lnRef>
+        <a:fillRef idx="0">
+          <a:scrgbClr r="0" g="0" b="0"/>
+        </a:fillRef>
+        <a:effectRef idx="0">
+          <a:scrgbClr r="0" g="0" b="0"/>
+        </a:effectRef>
+        <a:fontRef idx="minor"/>
+      </dsp:style>
+      <dsp:txBody>
+        <a:bodyPr spcFirstLastPara="0" vert="horz" wrap="square" lIns="0" tIns="0" rIns="0" bIns="0" numCol="1" spcCol="1270" anchor="ctr" anchorCtr="0">
           <a:noAutofit/>
         </a:bodyPr>
         <a:lstStyle/>
@@ -10325,8 +10805,8 @@
         </a:p>
       </dsp:txBody>
       <dsp:txXfrm>
-        <a:off x="7045026" y="1793857"/>
-        <a:ext cx="1603696" cy="1603778"/>
+        <a:off x="2229771" y="831752"/>
+        <a:ext cx="1519301" cy="1068801"/>
       </dsp:txXfrm>
     </dsp:sp>
   </dsp:spTree>
@@ -11601,12 +12081,12 @@
 </file>
 
 <file path=ppt/diagrams/layout2.xml><?xml version="1.0" encoding="utf-8"?>
-<dgm:layoutDef xmlns:dgm="http://schemas.openxmlformats.org/drawingml/2006/diagram" xmlns:a="http://schemas.openxmlformats.org/drawingml/2006/main" uniqueId="urn:microsoft.com/office/officeart/2005/8/layout/rings+Icon">
-  <dgm:title val="Interconnected Rings"/>
-  <dgm:desc val="Use to show overlapping or interconnected ideas or concepts. The first seven lines of Level 1 text correspond with a circle. Unused text does not appear, but remains available if you switch layouts.  "/>
+<dgm:layoutDef xmlns:dgm="http://schemas.openxmlformats.org/drawingml/2006/diagram" xmlns:a="http://schemas.openxmlformats.org/drawingml/2006/main" uniqueId="urn:microsoft.com/office/officeart/2005/8/layout/venn1">
+  <dgm:title val=""/>
+  <dgm:desc val=""/>
   <dgm:catLst>
-    <dgm:cat type="relationship" pri="32000"/>
-    <dgm:cat type="officeonline" pri="6000"/>
+    <dgm:cat type="relationship" pri="28000"/>
+    <dgm:cat type="convert" pri="19000"/>
   </dgm:catLst>
   <dgm:sampData useDef="1">
     <dgm:dataModel>
@@ -11615,17 +12095,9 @@
       <dgm:whole/>
     </dgm:dataModel>
   </dgm:sampData>
-  <dgm:styleData>
+  <dgm:styleData useDef="1">
     <dgm:dataModel>
-      <dgm:ptLst>
-        <dgm:pt modelId="0" type="doc"/>
-        <dgm:pt modelId="10"/>
-        <dgm:pt modelId="20"/>
-      </dgm:ptLst>
-      <dgm:cxnLst>
-        <dgm:cxn modelId="30" srcId="0" destId="10" srcOrd="0" destOrd="0"/>
-        <dgm:cxn modelId="40" srcId="0" destId="20" srcOrd="1" destOrd="0"/>
-      </dgm:cxnLst>
+      <dgm:ptLst/>
       <dgm:bg/>
       <dgm:whole/>
     </dgm:dataModel>
@@ -11634,576 +12106,862 @@
     <dgm:dataModel>
       <dgm:ptLst>
         <dgm:pt modelId="0" type="doc"/>
-        <dgm:pt modelId="10"/>
-        <dgm:pt modelId="20"/>
-        <dgm:pt modelId="30"/>
-        <dgm:pt modelId="40"/>
+        <dgm:pt modelId="1"/>
+        <dgm:pt modelId="2"/>
+        <dgm:pt modelId="3"/>
+        <dgm:pt modelId="4"/>
       </dgm:ptLst>
       <dgm:cxnLst>
-        <dgm:cxn modelId="50" srcId="0" destId="10" srcOrd="0" destOrd="0"/>
-        <dgm:cxn modelId="60" srcId="0" destId="20" srcOrd="1" destOrd="0"/>
-        <dgm:cxn modelId="70" srcId="0" destId="30" srcOrd="2" destOrd="0"/>
-        <dgm:cxn modelId="80" srcId="0" destId="40" srcOrd="2" destOrd="0"/>
+        <dgm:cxn modelId="7" srcId="0" destId="1" srcOrd="0" destOrd="0"/>
+        <dgm:cxn modelId="8" srcId="0" destId="2" srcOrd="1" destOrd="0"/>
+        <dgm:cxn modelId="9" srcId="0" destId="3" srcOrd="2" destOrd="0"/>
+        <dgm:cxn modelId="10" srcId="0" destId="4" srcOrd="3" destOrd="0"/>
       </dgm:cxnLst>
       <dgm:bg/>
       <dgm:whole/>
     </dgm:dataModel>
   </dgm:clrData>
-  <dgm:layoutNode name="Name0">
+  <dgm:layoutNode name="compositeShape">
     <dgm:varLst>
       <dgm:chMax val="7"/>
       <dgm:dir/>
       <dgm:resizeHandles val="exact"/>
     </dgm:varLst>
-    <dgm:choose name="Name1">
-      <dgm:if name="Name2" axis="ch" ptType="node" func="cnt" op="lt" val="1">
-        <dgm:alg type="composite"/>
-        <dgm:shape xmlns:r="http://schemas.openxmlformats.org/officeDocument/2006/relationships" r:blip="">
+    <dgm:choose name="Name0">
+      <dgm:if name="Name1" axis="ch" ptType="node" func="cnt" op="equ" val="1">
+        <dgm:alg type="composite">
+          <dgm:param type="ar" val="1"/>
+        </dgm:alg>
+      </dgm:if>
+      <dgm:if name="Name2" axis="ch" ptType="node" func="cnt" op="equ" val="2">
+        <dgm:alg type="composite">
+          <dgm:param type="ar" val="1.792"/>
+        </dgm:alg>
+      </dgm:if>
+      <dgm:if name="Name3" axis="ch" ptType="node" func="cnt" op="equ" val="3">
+        <dgm:alg type="composite">
+          <dgm:param type="ar" val="1"/>
+        </dgm:alg>
+      </dgm:if>
+      <dgm:if name="Name4" axis="ch" ptType="node" func="cnt" op="equ" val="4">
+        <dgm:alg type="composite">
+          <dgm:param type="ar" val="1"/>
+        </dgm:alg>
+      </dgm:if>
+      <dgm:if name="Name5" axis="ch" ptType="node" func="cnt" op="equ" val="5">
+        <dgm:alg type="composite">
+          <dgm:param type="ar" val="1.4"/>
+        </dgm:alg>
+      </dgm:if>
+      <dgm:if name="Name6" axis="ch" ptType="node" func="cnt" op="equ" val="6">
+        <dgm:alg type="composite">
+          <dgm:param type="ar" val="1.285"/>
+        </dgm:alg>
+      </dgm:if>
+      <dgm:if name="Name7" axis="ch" ptType="node" func="cnt" op="equ" val="7">
+        <dgm:alg type="composite">
+          <dgm:param type="ar" val="1.359"/>
+        </dgm:alg>
+      </dgm:if>
+      <dgm:else name="Name8">
+        <dgm:alg type="composite">
+          <dgm:param type="ar" val="1.359"/>
+        </dgm:alg>
+      </dgm:else>
+    </dgm:choose>
+    <dgm:shape xmlns:r="http://schemas.openxmlformats.org/officeDocument/2006/relationships" r:blip="">
+      <dgm:adjLst/>
+    </dgm:shape>
+    <dgm:presOf/>
+    <dgm:choose name="Name9">
+      <dgm:if name="Name10" axis="ch" ptType="node" func="cnt" op="equ" val="1">
+        <dgm:constrLst>
+          <dgm:constr type="ctrX" for="ch" forName="circ1TxSh" refType="w" fact="0.5"/>
+          <dgm:constr type="ctrY" for="ch" forName="circ1TxSh" refType="h" fact="0.5"/>
+          <dgm:constr type="w" for="ch" forName="circ1TxSh" refType="w"/>
+          <dgm:constr type="h" for="ch" forName="circ1TxSh" refType="h"/>
+          <dgm:constr type="primFontSz" for="ch" ptType="node" op="equ"/>
+        </dgm:constrLst>
+      </dgm:if>
+      <dgm:if name="Name11" axis="ch" ptType="node" func="cnt" op="equ" val="2">
+        <dgm:constrLst>
+          <dgm:constr type="ctrX" for="ch" forName="circ1" refType="w" fact="0.3"/>
+          <dgm:constr type="ctrY" for="ch" forName="circ1" refType="h" fact="0.5"/>
+          <dgm:constr type="w" for="ch" forName="circ1" refType="w" fact="0.555"/>
+          <dgm:constr type="h" for="ch" forName="circ1" refType="h" fact="0.99456"/>
+          <dgm:constr type="l" for="ch" forName="circ1Tx" refType="w" fact="0.1"/>
+          <dgm:constr type="t" for="ch" forName="circ1Tx" refType="h" fact="0.12"/>
+          <dgm:constr type="w" for="ch" forName="circ1Tx" refType="w" fact="0.32"/>
+          <dgm:constr type="h" for="ch" forName="circ1Tx" refType="h" fact="0.76"/>
+          <dgm:constr type="ctrX" for="ch" forName="circ2" refType="w" fact="0.7"/>
+          <dgm:constr type="ctrY" for="ch" forName="circ2" refType="h" fact="0.5"/>
+          <dgm:constr type="w" for="ch" forName="circ2" refType="w" fact="0.555"/>
+          <dgm:constr type="h" for="ch" forName="circ2" refType="h" fact="0.99456"/>
+          <dgm:constr type="l" for="ch" forName="circ2Tx" refType="w" fact="0.58"/>
+          <dgm:constr type="t" for="ch" forName="circ2Tx" refType="h" fact="0.12"/>
+          <dgm:constr type="w" for="ch" forName="circ2Tx" refType="w" fact="0.32"/>
+          <dgm:constr type="h" for="ch" forName="circ2Tx" refType="h" fact="0.76"/>
+          <dgm:constr type="primFontSz" for="ch" ptType="node" op="equ"/>
+        </dgm:constrLst>
+      </dgm:if>
+      <dgm:if name="Name12" axis="ch" ptType="node" func="cnt" op="equ" val="3">
+        <dgm:constrLst>
+          <dgm:constr type="ctrX" for="ch" forName="circ1" refType="w" fact="0.5"/>
+          <dgm:constr type="ctrY" for="ch" forName="circ1" refType="w" fact="0.25"/>
+          <dgm:constr type="w" for="ch" forName="circ1" refType="w" fact="0.6"/>
+          <dgm:constr type="h" for="ch" forName="circ1" refType="h" fact="0.6"/>
+          <dgm:constr type="l" for="ch" forName="circ1Tx" refType="w" fact="0.28"/>
+          <dgm:constr type="t" for="ch" forName="circ1Tx" refType="h" fact="0.055"/>
+          <dgm:constr type="w" for="ch" forName="circ1Tx" refType="w" fact="0.44"/>
+          <dgm:constr type="h" for="ch" forName="circ1Tx" refType="h" fact="0.27"/>
+          <dgm:constr type="ctrX" for="ch" forName="circ2" refType="w" fact="0.7165"/>
+          <dgm:constr type="ctrY" for="ch" forName="circ2" refType="w" fact="0.625"/>
+          <dgm:constr type="w" for="ch" forName="circ2" refType="w" fact="0.6"/>
+          <dgm:constr type="h" for="ch" forName="circ2" refType="h" fact="0.6"/>
+          <dgm:constr type="l" for="ch" forName="circ2Tx" refType="w" fact="0.6"/>
+          <dgm:constr type="t" for="ch" forName="circ2Tx" refType="h" fact="0.48"/>
+          <dgm:constr type="w" for="ch" forName="circ2Tx" refType="w" fact="0.36"/>
+          <dgm:constr type="h" for="ch" forName="circ2Tx" refType="h" fact="0.33"/>
+          <dgm:constr type="ctrX" for="ch" forName="circ3" refType="w" fact="0.2835"/>
+          <dgm:constr type="ctrY" for="ch" forName="circ3" refType="w" fact="0.625"/>
+          <dgm:constr type="w" for="ch" forName="circ3" refType="w" fact="0.6"/>
+          <dgm:constr type="h" for="ch" forName="circ3" refType="h" fact="0.6"/>
+          <dgm:constr type="l" for="ch" forName="circ3Tx" refType="w" fact="0.04"/>
+          <dgm:constr type="t" for="ch" forName="circ3Tx" refType="h" fact="0.48"/>
+          <dgm:constr type="w" for="ch" forName="circ3Tx" refType="w" fact="0.36"/>
+          <dgm:constr type="h" for="ch" forName="circ3Tx" refType="h" fact="0.33"/>
+          <dgm:constr type="primFontSz" for="ch" ptType="node" op="equ"/>
+        </dgm:constrLst>
+      </dgm:if>
+      <dgm:if name="Name13" axis="ch" ptType="node" func="cnt" op="equ" val="4">
+        <dgm:constrLst>
+          <dgm:constr type="ctrX" for="ch" forName="circ1" refType="w" fact="0.5"/>
+          <dgm:constr type="ctrY" for="ch" forName="circ1" refType="w" fact="0.27"/>
+          <dgm:constr type="w" for="ch" forName="circ1" refType="w" fact="0.52"/>
+          <dgm:constr type="h" for="ch" forName="circ1" refType="h" fact="0.52"/>
+          <dgm:constr type="l" for="ch" forName="circ1Tx" refType="w" fact="0.3"/>
+          <dgm:constr type="t" for="ch" forName="circ1Tx" refType="h" fact="0.08"/>
+          <dgm:constr type="w" for="ch" forName="circ1Tx" refType="w" fact="0.4"/>
+          <dgm:constr type="h" for="ch" forName="circ1Tx" refType="h" fact="0.165"/>
+          <dgm:constr type="ctrX" for="ch" forName="circ2" refType="w" fact="0.73"/>
+          <dgm:constr type="ctrY" for="ch" forName="circ2" refType="w" fact="0.5"/>
+          <dgm:constr type="w" for="ch" forName="circ2" refType="w" fact="0.52"/>
+          <dgm:constr type="h" for="ch" forName="circ2" refType="h" fact="0.52"/>
+          <dgm:constr type="r" for="ch" forName="circ2Tx" refType="w" fact="0.95"/>
+          <dgm:constr type="t" for="ch" forName="circ2Tx" refType="h" fact="0.3"/>
+          <dgm:constr type="w" for="ch" forName="circ2Tx" refType="w" fact="0.2"/>
+          <dgm:constr type="h" for="ch" forName="circ2Tx" refType="h" fact="0.4"/>
+          <dgm:constr type="ctrX" for="ch" forName="circ3" refType="w" fact="0.5"/>
+          <dgm:constr type="ctrY" for="ch" forName="circ3" refType="w" fact="0.73"/>
+          <dgm:constr type="w" for="ch" forName="circ3" refType="w" fact="0.52"/>
+          <dgm:constr type="h" for="ch" forName="circ3" refType="h" fact="0.52"/>
+          <dgm:constr type="l" for="ch" forName="circ3Tx" refType="w" fact="0.3"/>
+          <dgm:constr type="b" for="ch" forName="circ3Tx" refType="h" fact="0.92"/>
+          <dgm:constr type="w" for="ch" forName="circ3Tx" refType="w" fact="0.4"/>
+          <dgm:constr type="h" for="ch" forName="circ3Tx" refType="h" fact="0.165"/>
+          <dgm:constr type="ctrX" for="ch" forName="circ4" refType="w" fact="0.27"/>
+          <dgm:constr type="ctrY" for="ch" forName="circ4" refType="h" fact="0.5"/>
+          <dgm:constr type="w" for="ch" forName="circ4" refType="w" fact="0.52"/>
+          <dgm:constr type="h" for="ch" forName="circ4" refType="h" fact="0.52"/>
+          <dgm:constr type="l" for="ch" forName="circ4Tx" refType="w" fact="0.05"/>
+          <dgm:constr type="t" for="ch" forName="circ4Tx" refType="h" fact="0.3"/>
+          <dgm:constr type="w" for="ch" forName="circ4Tx" refType="w" fact="0.2"/>
+          <dgm:constr type="h" for="ch" forName="circ4Tx" refType="h" fact="0.4"/>
+          <dgm:constr type="primFontSz" for="ch" ptType="node" op="equ"/>
+        </dgm:constrLst>
+      </dgm:if>
+      <dgm:if name="Name14" axis="ch" ptType="node" func="cnt" op="equ" val="5">
+        <dgm:constrLst>
+          <dgm:constr type="ctrX" for="ch" forName="circ1" refType="w" fact="0.5"/>
+          <dgm:constr type="ctrY" for="ch" forName="circ1" refType="h" fact="0.46"/>
+          <dgm:constr type="w" for="ch" forName="circ1" refType="w" fact="0.25"/>
+          <dgm:constr type="h" for="ch" forName="circ1" refType="h" fact="0.35"/>
+          <dgm:constr type="l" for="ch" forName="circ1Tx" refType="w" fact="0.355"/>
+          <dgm:constr type="t" for="ch" forName="circ1Tx"/>
+          <dgm:constr type="w" for="ch" forName="circ1Tx" refType="w" fact="0.29"/>
+          <dgm:constr type="h" for="ch" forName="circ1Tx" refType="h" fact="0.235"/>
+          <dgm:constr type="ctrX" for="ch" forName="circ2" refType="w" fact="0.5951"/>
+          <dgm:constr type="ctrY" for="ch" forName="circ2" refType="h" fact="0.5567"/>
+          <dgm:constr type="w" for="ch" forName="circ2" refType="w" fact="0.25"/>
+          <dgm:constr type="h" for="ch" forName="circ2" refType="h" fact="0.35"/>
+          <dgm:constr type="l" for="ch" forName="circ2Tx" refType="w" fact="0.74"/>
+          <dgm:constr type="t" for="ch" forName="circ2Tx" refType="h" fact="0.31"/>
+          <dgm:constr type="w" for="ch" forName="circ2Tx" refType="w" fact="0.26"/>
+          <dgm:constr type="h" for="ch" forName="circ2Tx" refType="h" fact="0.255"/>
+          <dgm:constr type="ctrX" for="ch" forName="circ3" refType="w" fact="0.5588"/>
+          <dgm:constr type="ctrY" for="ch" forName="circ3" refType="h" fact="0.7133"/>
+          <dgm:constr type="w" for="ch" forName="circ3" refType="w" fact="0.25"/>
+          <dgm:constr type="h" for="ch" forName="circ3" refType="h" fact="0.35"/>
+          <dgm:constr type="l" for="ch" forName="circ3Tx" refType="w" fact="0.7"/>
+          <dgm:constr type="t" for="ch" forName="circ3Tx" refType="h" fact="0.745"/>
+          <dgm:constr type="w" for="ch" forName="circ3Tx" refType="w" fact="0.26"/>
+          <dgm:constr type="h" for="ch" forName="circ3Tx" refType="h" fact="0.255"/>
+          <dgm:constr type="ctrX" for="ch" forName="circ4" refType="w" fact="0.4412"/>
+          <dgm:constr type="ctrY" for="ch" forName="circ4" refType="h" fact="0.7133"/>
+          <dgm:constr type="w" for="ch" forName="circ4" refType="w" fact="0.25"/>
+          <dgm:constr type="h" for="ch" forName="circ4" refType="h" fact="0.35"/>
+          <dgm:constr type="l" for="ch" forName="circ4Tx" refType="w" fact="0.04"/>
+          <dgm:constr type="t" for="ch" forName="circ4Tx" refType="h" fact="0.745"/>
+          <dgm:constr type="w" for="ch" forName="circ4Tx" refType="w" fact="0.26"/>
+          <dgm:constr type="h" for="ch" forName="circ4Tx" refType="h" fact="0.255"/>
+          <dgm:constr type="ctrX" for="ch" forName="circ5" refType="w" fact="0.4049"/>
+          <dgm:constr type="ctrY" for="ch" forName="circ5" refType="h" fact="0.5567"/>
+          <dgm:constr type="w" for="ch" forName="circ5" refType="w" fact="0.25"/>
+          <dgm:constr type="h" for="ch" forName="circ5" refType="h" fact="0.35"/>
+          <dgm:constr type="l" for="ch" forName="circ5Tx"/>
+          <dgm:constr type="t" for="ch" forName="circ5Tx" refType="h" fact="0.31"/>
+          <dgm:constr type="w" for="ch" forName="circ5Tx" refType="w" fact="0.26"/>
+          <dgm:constr type="h" for="ch" forName="circ5Tx" refType="h" fact="0.255"/>
+          <dgm:constr type="primFontSz" for="ch" ptType="node" op="equ"/>
+        </dgm:constrLst>
+      </dgm:if>
+      <dgm:if name="Name15" axis="ch" ptType="node" func="cnt" op="equ" val="6">
+        <dgm:constrLst>
+          <dgm:constr type="ctrX" for="ch" forName="circ1" refType="w" fact="0.5"/>
+          <dgm:constr type="ctrY" for="ch" forName="circ1" refType="h" fact="0.3844"/>
+          <dgm:constr type="w" for="ch" forName="circ1" refType="w" fact="0.24"/>
+          <dgm:constr type="h" for="ch" forName="circ1" refType="h" fact="0.3084"/>
+          <dgm:constr type="l" for="ch" forName="circ1Tx" refType="w" fact="0.35"/>
+          <dgm:constr type="t" for="ch" forName="circ1Tx"/>
+          <dgm:constr type="w" for="ch" forName="circ1Tx" refType="w" fact="0.3"/>
+          <dgm:constr type="h" for="ch" forName="circ1Tx" refType="h" fact="0.21"/>
+          <dgm:constr type="ctrX" for="ch" forName="circ2" refType="w" fact="0.5779"/>
+          <dgm:constr type="ctrY" for="ch" forName="circ2" refType="h" fact="0.4422"/>
+          <dgm:constr type="w" for="ch" forName="circ2" refType="w" fact="0.24"/>
+          <dgm:constr type="h" for="ch" forName="circ2" refType="h" fact="0.3084"/>
+          <dgm:constr type="l" for="ch" forName="circ2Tx" refType="w" fact="0.7157"/>
+          <dgm:constr type="t" for="ch" forName="circ2Tx" refType="h" fact="0.2"/>
+          <dgm:constr type="w" for="ch" forName="circ2Tx" refType="w" fact="0.2843"/>
+          <dgm:constr type="h" for="ch" forName="circ2Tx" refType="h" fact="0.23"/>
+          <dgm:constr type="ctrX" for="ch" forName="circ3" refType="w" fact="0.5779"/>
+          <dgm:constr type="ctrY" for="ch" forName="circ3" refType="h" fact="0.5578"/>
+          <dgm:constr type="w" for="ch" forName="circ3" refType="w" fact="0.24"/>
+          <dgm:constr type="h" for="ch" forName="circ3" refType="h" fact="0.3084"/>
+          <dgm:constr type="l" for="ch" forName="circ3Tx" refType="w" fact="0.7157"/>
+          <dgm:constr type="t" for="ch" forName="circ3Tx" refType="h" fact="0.543"/>
+          <dgm:constr type="w" for="ch" forName="circ3Tx" refType="w" fact="0.2843"/>
+          <dgm:constr type="h" for="ch" forName="circ3Tx" refType="h" fact="0.257"/>
+          <dgm:constr type="ctrX" for="ch" forName="circ4" refType="w" fact="0.5"/>
+          <dgm:constr type="ctrY" for="ch" forName="circ4" refType="h" fact="0.6157"/>
+          <dgm:constr type="w" for="ch" forName="circ4" refType="w" fact="0.24"/>
+          <dgm:constr type="h" for="ch" forName="circ4" refType="h" fact="0.3084"/>
+          <dgm:constr type="l" for="ch" forName="circ4Tx" refType="w" fact="0.35"/>
+          <dgm:constr type="t" for="ch" forName="circ4Tx" refType="h" fact="0.79"/>
+          <dgm:constr type="w" for="ch" forName="circ4Tx" refType="w" fact="0.3"/>
+          <dgm:constr type="h" for="ch" forName="circ4Tx" refType="h" fact="0.21"/>
+          <dgm:constr type="ctrX" for="ch" forName="circ5" refType="w" fact="0.4221"/>
+          <dgm:constr type="ctrY" for="ch" forName="circ5" refType="h" fact="0.5578"/>
+          <dgm:constr type="w" for="ch" forName="circ5" refType="w" fact="0.24"/>
+          <dgm:constr type="h" for="ch" forName="circ5" refType="h" fact="0.3084"/>
+          <dgm:constr type="l" for="ch" forName="circ5Tx" refType="w" fact="0"/>
+          <dgm:constr type="t" for="ch" forName="circ5Tx" refType="h" fact="0.543"/>
+          <dgm:constr type="w" for="ch" forName="circ5Tx" refType="w" fact="0.2843"/>
+          <dgm:constr type="h" for="ch" forName="circ5Tx" refType="h" fact="0.257"/>
+          <dgm:constr type="ctrX" for="ch" forName="circ6" refType="w" fact="0.4221"/>
+          <dgm:constr type="ctrY" for="ch" forName="circ6" refType="h" fact="0.4422"/>
+          <dgm:constr type="w" for="ch" forName="circ6" refType="w" fact="0.24"/>
+          <dgm:constr type="h" for="ch" forName="circ6" refType="h" fact="0.3084"/>
+          <dgm:constr type="l" for="ch" forName="circ6Tx" refType="w" fact="0"/>
+          <dgm:constr type="t" for="ch" forName="circ6Tx" refType="h" fact="0.2"/>
+          <dgm:constr type="w" for="ch" forName="circ6Tx" refType="w" fact="0.2843"/>
+          <dgm:constr type="h" for="ch" forName="circ6Tx" refType="h" fact="0.257"/>
+          <dgm:constr type="primFontSz" for="ch" ptType="node" op="equ"/>
+        </dgm:constrLst>
+      </dgm:if>
+      <dgm:else name="Name16">
+        <dgm:constrLst>
+          <dgm:constr type="ctrX" for="ch" forName="circ1" refType="w" fact="0.5"/>
+          <dgm:constr type="ctrY" for="ch" forName="circ1" refType="h" fact="0.4177"/>
+          <dgm:constr type="w" for="ch" forName="circ1" refType="w" fact="0.24"/>
+          <dgm:constr type="h" for="ch" forName="circ1" refType="h" fact="0.3262"/>
+          <dgm:constr type="l" for="ch" forName="circ1Tx" refType="w" fact="0.3625"/>
+          <dgm:constr type="t" for="ch" forName="circ1Tx"/>
+          <dgm:constr type="w" for="ch" forName="circ1Tx" refType="w" fact="0.275"/>
+          <dgm:constr type="h" for="ch" forName="circ1Tx" refType="h" fact="0.2"/>
+          <dgm:constr type="ctrX" for="ch" forName="circ2" refType="w" fact="0.5704"/>
+          <dgm:constr type="ctrY" for="ch" forName="circ2" refType="h" fact="0.4637"/>
+          <dgm:constr type="w" for="ch" forName="circ2" refType="w" fact="0.24"/>
+          <dgm:constr type="h" for="ch" forName="circ2" refType="h" fact="0.3262"/>
+          <dgm:constr type="l" for="ch" forName="circ2Tx" refType="w" fact="0.72"/>
+          <dgm:constr type="t" for="ch" forName="circ2Tx" refType="h" fact="0.19"/>
+          <dgm:constr type="w" for="ch" forName="circ2Tx" refType="w" fact="0.26"/>
+          <dgm:constr type="h" for="ch" forName="circ2Tx" refType="h" fact="0.22"/>
+          <dgm:constr type="ctrX" for="ch" forName="circ3" refType="w" fact="0.5877"/>
+          <dgm:constr type="ctrY" for="ch" forName="circ3" refType="h" fact="0.5672"/>
+          <dgm:constr type="w" for="ch" forName="circ3" refType="w" fact="0.24"/>
+          <dgm:constr type="h" for="ch" forName="circ3" refType="h" fact="0.3262"/>
+          <dgm:constr type="l" for="ch" forName="circ3Tx" refType="w" fact="0.745"/>
+          <dgm:constr type="t" for="ch" forName="circ3Tx" refType="h" fact="0.47"/>
+          <dgm:constr type="w" for="ch" forName="circ3Tx" refType="w" fact="0.255"/>
+          <dgm:constr type="h" for="ch" forName="circ3Tx" refType="h" fact="0.235"/>
+          <dgm:constr type="ctrX" for="ch" forName="circ4" refType="w" fact="0.539"/>
+          <dgm:constr type="ctrY" for="ch" forName="circ4" refType="h" fact="0.6502"/>
+          <dgm:constr type="w" for="ch" forName="circ4" refType="w" fact="0.24"/>
+          <dgm:constr type="h" for="ch" forName="circ4" refType="h" fact="0.3262"/>
+          <dgm:constr type="l" for="ch" forName="circ4Tx" refType="w" fact="0.635"/>
+          <dgm:constr type="t" for="ch" forName="circ4Tx" refType="h" fact="0.785"/>
+          <dgm:constr type="w" for="ch" forName="circ4Tx" refType="w" fact="0.275"/>
+          <dgm:constr type="h" for="ch" forName="circ4Tx" refType="h" fact="0.215"/>
+          <dgm:constr type="ctrX" for="ch" forName="circ5" refType="w" fact="0.461"/>
+          <dgm:constr type="ctrY" for="ch" forName="circ5" refType="h" fact="0.6502"/>
+          <dgm:constr type="w" for="ch" forName="circ5" refType="w" fact="0.24"/>
+          <dgm:constr type="h" for="ch" forName="circ5" refType="h" fact="0.3262"/>
+          <dgm:constr type="l" for="ch" forName="circ5Tx" refType="w" fact="0.09"/>
+          <dgm:constr type="t" for="ch" forName="circ5Tx" refType="h" fact="0.785"/>
+          <dgm:constr type="w" for="ch" forName="circ5Tx" refType="w" fact="0.275"/>
+          <dgm:constr type="h" for="ch" forName="circ5Tx" refType="h" fact="0.215"/>
+          <dgm:constr type="ctrX" for="ch" forName="circ6" refType="w" fact="0.4123"/>
+          <dgm:constr type="ctrY" for="ch" forName="circ6" refType="h" fact="0.5672"/>
+          <dgm:constr type="w" for="ch" forName="circ6" refType="w" fact="0.24"/>
+          <dgm:constr type="h" for="ch" forName="circ6" refType="h" fact="0.3262"/>
+          <dgm:constr type="l" for="ch" forName="circ6Tx"/>
+          <dgm:constr type="t" for="ch" forName="circ6Tx" refType="h" fact="0.47"/>
+          <dgm:constr type="w" for="ch" forName="circ6Tx" refType="w" fact="0.255"/>
+          <dgm:constr type="h" for="ch" forName="circ6Tx" refType="h" fact="0.235"/>
+          <dgm:constr type="ctrX" for="ch" forName="circ7" refType="w" fact="0.4296"/>
+          <dgm:constr type="ctrY" for="ch" forName="circ7" refType="h" fact="0.4637"/>
+          <dgm:constr type="w" for="ch" forName="circ7" refType="w" fact="0.24"/>
+          <dgm:constr type="h" for="ch" forName="circ7" refType="h" fact="0.3262"/>
+          <dgm:constr type="l" for="ch" forName="circ7Tx" refType="w" fact="0.02"/>
+          <dgm:constr type="t" for="ch" forName="circ7Tx" refType="h" fact="0.19"/>
+          <dgm:constr type="w" for="ch" forName="circ7Tx" refType="w" fact="0.26"/>
+          <dgm:constr type="h" for="ch" forName="circ7Tx" refType="h" fact="0.22"/>
+          <dgm:constr type="primFontSz" for="ch" ptType="node" op="equ"/>
+        </dgm:constrLst>
+      </dgm:else>
+    </dgm:choose>
+    <dgm:ruleLst/>
+    <dgm:forEach name="Name17" axis="ch" ptType="node" cnt="1">
+      <dgm:choose name="Name18">
+        <dgm:if name="Name19" axis="root ch" ptType="all node" func="cnt" op="equ" val="1">
+          <dgm:layoutNode name="circ1TxSh" styleLbl="vennNode1">
+            <dgm:alg type="tx">
+              <dgm:param type="txAnchorHorzCh" val="ctr"/>
+              <dgm:param type="txAnchorVertCh" val="mid"/>
+            </dgm:alg>
+            <dgm:shape xmlns:r="http://schemas.openxmlformats.org/officeDocument/2006/relationships" type="ellipse" r:blip="">
+              <dgm:adjLst/>
+            </dgm:shape>
+            <dgm:choose name="Name20">
+              <dgm:if name="Name21" func="var" arg="dir" op="equ" val="norm">
+                <dgm:choose name="Name22">
+                  <dgm:if name="Name23" axis="root ch" ptType="all node" func="cnt" op="lte" val="4">
+                    <dgm:presOf axis="desOrSelf" ptType="node"/>
+                  </dgm:if>
+                  <dgm:else name="Name24">
+                    <dgm:presOf/>
+                  </dgm:else>
+                </dgm:choose>
+              </dgm:if>
+              <dgm:else name="Name25">
+                <dgm:choose name="Name26">
+                  <dgm:if name="Name27" axis="root ch" ptType="all node" func="cnt" op="equ" val="2">
+                    <dgm:presOf axis="root ch desOrSelf" ptType="all node node" st="1 2 1" cnt="1 1 0"/>
+                  </dgm:if>
+                  <dgm:else name="Name28">
+                    <dgm:presOf axis="desOrSelf" ptType="node"/>
+                  </dgm:else>
+                </dgm:choose>
+              </dgm:else>
+            </dgm:choose>
+            <dgm:constrLst>
+              <dgm:constr type="tMarg"/>
+              <dgm:constr type="bMarg"/>
+              <dgm:constr type="lMarg"/>
+              <dgm:constr type="rMarg"/>
+              <dgm:constr type="primFontSz" val="65"/>
+            </dgm:constrLst>
+            <dgm:ruleLst>
+              <dgm:rule type="primFontSz" val="5" fact="NaN" max="NaN"/>
+            </dgm:ruleLst>
+          </dgm:layoutNode>
+        </dgm:if>
+        <dgm:else name="Name29">
+          <dgm:layoutNode name="circ1" styleLbl="vennNode1">
+            <dgm:alg type="sp"/>
+            <dgm:shape xmlns:r="http://schemas.openxmlformats.org/officeDocument/2006/relationships" type="ellipse" r:blip="">
+              <dgm:adjLst/>
+            </dgm:shape>
+            <dgm:choose name="Name30">
+              <dgm:if name="Name31" func="var" arg="dir" op="equ" val="norm">
+                <dgm:choose name="Name32">
+                  <dgm:if name="Name33" axis="root ch" ptType="all node" func="cnt" op="lte" val="4">
+                    <dgm:presOf axis="desOrSelf" ptType="node"/>
+                  </dgm:if>
+                  <dgm:else name="Name34">
+                    <dgm:presOf/>
+                  </dgm:else>
+                </dgm:choose>
+              </dgm:if>
+              <dgm:else name="Name35">
+                <dgm:choose name="Name36">
+                  <dgm:if name="Name37" axis="root ch" ptType="all node" func="cnt" op="equ" val="2">
+                    <dgm:presOf axis="root ch desOrSelf" ptType="all node node" st="1 2 1" cnt="1 1 0"/>
+                  </dgm:if>
+                  <dgm:else name="Name38">
+                    <dgm:choose name="Name39">
+                      <dgm:if name="Name40" axis="root ch" ptType="all node" func="cnt" op="lte" val="4">
+                        <dgm:presOf axis="desOrSelf" ptType="node"/>
+                      </dgm:if>
+                      <dgm:else name="Name41">
+                        <dgm:presOf/>
+                      </dgm:else>
+                    </dgm:choose>
+                  </dgm:else>
+                </dgm:choose>
+              </dgm:else>
+            </dgm:choose>
+            <dgm:constrLst/>
+            <dgm:ruleLst/>
+          </dgm:layoutNode>
+          <dgm:layoutNode name="circ1Tx" styleLbl="revTx">
+            <dgm:varLst>
+              <dgm:chMax val="0"/>
+              <dgm:chPref val="0"/>
+              <dgm:bulletEnabled val="1"/>
+            </dgm:varLst>
+            <dgm:alg type="tx">
+              <dgm:param type="txAnchorHorzCh" val="ctr"/>
+              <dgm:param type="txAnchorVertCh" val="mid"/>
+            </dgm:alg>
+            <dgm:shape xmlns:r="http://schemas.openxmlformats.org/officeDocument/2006/relationships" type="rect" r:blip="" hideGeom="1">
+              <dgm:adjLst/>
+            </dgm:shape>
+            <dgm:choose name="Name42">
+              <dgm:if name="Name43" func="var" arg="dir" op="equ" val="norm">
+                <dgm:presOf axis="desOrSelf" ptType="node"/>
+              </dgm:if>
+              <dgm:else name="Name44">
+                <dgm:choose name="Name45">
+                  <dgm:if name="Name46" axis="root ch" ptType="all node" func="cnt" op="equ" val="2">
+                    <dgm:presOf axis="root ch desOrSelf" ptType="all node node" st="1 2 1" cnt="1 1 0"/>
+                  </dgm:if>
+                  <dgm:else name="Name47">
+                    <dgm:presOf axis="desOrSelf" ptType="node"/>
+                  </dgm:else>
+                </dgm:choose>
+              </dgm:else>
+            </dgm:choose>
+            <dgm:constrLst>
+              <dgm:constr type="tMarg"/>
+              <dgm:constr type="bMarg"/>
+              <dgm:constr type="lMarg"/>
+              <dgm:constr type="rMarg"/>
+              <dgm:constr type="primFontSz" val="65"/>
+            </dgm:constrLst>
+            <dgm:ruleLst>
+              <dgm:rule type="primFontSz" val="5" fact="NaN" max="NaN"/>
+            </dgm:ruleLst>
+          </dgm:layoutNode>
+        </dgm:else>
+      </dgm:choose>
+    </dgm:forEach>
+    <dgm:forEach name="Name48" axis="ch" ptType="node" st="2" cnt="1">
+      <dgm:layoutNode name="circ2" styleLbl="vennNode1">
+        <dgm:alg type="sp"/>
+        <dgm:shape xmlns:r="http://schemas.openxmlformats.org/officeDocument/2006/relationships" type="ellipse" r:blip="">
+          <dgm:adjLst/>
+        </dgm:shape>
+        <dgm:choose name="Name49">
+          <dgm:if name="Name50" func="var" arg="dir" op="equ" val="norm">
+            <dgm:choose name="Name51">
+              <dgm:if name="Name52" axis="root ch" ptType="all node" func="cnt" op="lte" val="4">
+                <dgm:presOf axis="desOrSelf" ptType="node"/>
+              </dgm:if>
+              <dgm:else name="Name53">
+                <dgm:presOf/>
+              </dgm:else>
+            </dgm:choose>
+          </dgm:if>
+          <dgm:else name="Name54">
+            <dgm:choose name="Name55">
+              <dgm:if name="Name56" axis="root ch" ptType="all node" func="cnt" op="equ" val="2">
+                <dgm:presOf axis="root ch desOrSelf" ptType="all node node" st="1 1 1" cnt="1 1 0"/>
+              </dgm:if>
+              <dgm:if name="Name57" axis="root ch" ptType="all node" func="cnt" op="equ" val="3">
+                <dgm:presOf axis="root ch desOrSelf" ptType="all node node" st="1 3 1" cnt="1 1 0"/>
+              </dgm:if>
+              <dgm:if name="Name58" axis="root ch" ptType="all node" func="cnt" op="equ" val="4">
+                <dgm:presOf axis="root ch desOrSelf" ptType="all node node" st="1 4 1" cnt="1 1 0"/>
+              </dgm:if>
+              <dgm:else name="Name59">
+                <dgm:presOf/>
+              </dgm:else>
+            </dgm:choose>
+          </dgm:else>
+        </dgm:choose>
+        <dgm:constrLst/>
+        <dgm:ruleLst/>
+      </dgm:layoutNode>
+      <dgm:layoutNode name="circ2Tx" styleLbl="revTx">
+        <dgm:varLst>
+          <dgm:chMax val="0"/>
+          <dgm:chPref val="0"/>
+          <dgm:bulletEnabled val="1"/>
+        </dgm:varLst>
+        <dgm:alg type="tx">
+          <dgm:param type="txAnchorHorzCh" val="ctr"/>
+          <dgm:param type="txAnchorVertCh" val="mid"/>
+        </dgm:alg>
+        <dgm:shape xmlns:r="http://schemas.openxmlformats.org/officeDocument/2006/relationships" type="rect" r:blip="" hideGeom="1">
+          <dgm:adjLst/>
+        </dgm:shape>
+        <dgm:choose name="Name60">
+          <dgm:if name="Name61" func="var" arg="dir" op="equ" val="norm">
+            <dgm:presOf axis="desOrSelf" ptType="node"/>
+          </dgm:if>
+          <dgm:else name="Name62">
+            <dgm:choose name="Name63">
+              <dgm:if name="Name64" axis="root ch" ptType="all node" func="cnt" op="equ" val="2">
+                <dgm:presOf axis="root ch desOrSelf" ptType="all node node" st="1 1 1" cnt="1 1 0"/>
+              </dgm:if>
+              <dgm:if name="Name65" axis="root ch" ptType="all node" func="cnt" op="equ" val="3">
+                <dgm:presOf axis="root ch desOrSelf" ptType="all node node" st="1 3 1" cnt="1 1 0"/>
+              </dgm:if>
+              <dgm:if name="Name66" axis="root ch" ptType="all node" func="cnt" op="equ" val="4">
+                <dgm:presOf axis="root ch desOrSelf" ptType="all node node" st="1 4 1" cnt="1 1 0"/>
+              </dgm:if>
+              <dgm:if name="Name67" axis="root ch" ptType="all node" func="cnt" op="equ" val="5">
+                <dgm:presOf axis="root ch desOrSelf" ptType="all node node" st="1 5 1" cnt="1 1 0"/>
+              </dgm:if>
+              <dgm:if name="Name68" axis="root ch" ptType="all node" func="cnt" op="equ" val="6">
+                <dgm:presOf axis="root ch desOrSelf" ptType="all node node" st="1 6 1" cnt="1 1 0"/>
+              </dgm:if>
+              <dgm:else name="Name69">
+                <dgm:presOf axis="root ch desOrSelf" ptType="all node node" st="1 7 1" cnt="1 1 0"/>
+              </dgm:else>
+            </dgm:choose>
+          </dgm:else>
+        </dgm:choose>
+        <dgm:constrLst>
+          <dgm:constr type="tMarg"/>
+          <dgm:constr type="bMarg"/>
+          <dgm:constr type="lMarg"/>
+          <dgm:constr type="rMarg"/>
+          <dgm:constr type="primFontSz" val="65"/>
+        </dgm:constrLst>
+        <dgm:ruleLst>
+          <dgm:rule type="primFontSz" val="5" fact="NaN" max="NaN"/>
+        </dgm:ruleLst>
+      </dgm:layoutNode>
+    </dgm:forEach>
+    <dgm:forEach name="Name70" axis="ch" ptType="node" st="3" cnt="1">
+      <dgm:layoutNode name="circ3" styleLbl="vennNode1">
+        <dgm:alg type="sp"/>
+        <dgm:shape xmlns:r="http://schemas.openxmlformats.org/officeDocument/2006/relationships" type="ellipse" r:blip="">
+          <dgm:adjLst/>
+        </dgm:shape>
+        <dgm:choose name="Name71">
+          <dgm:if name="Name72" func="var" arg="dir" op="equ" val="norm">
+            <dgm:choose name="Name73">
+              <dgm:if name="Name74" axis="root ch" ptType="all node" func="cnt" op="lte" val="4">
+                <dgm:presOf axis="desOrSelf" ptType="node"/>
+              </dgm:if>
+              <dgm:else name="Name75">
+                <dgm:presOf/>
+              </dgm:else>
+            </dgm:choose>
+          </dgm:if>
+          <dgm:else name="Name76">
+            <dgm:choose name="Name77">
+              <dgm:if name="Name78" axis="root ch" ptType="all node" func="cnt" op="equ" val="3">
+                <dgm:presOf axis="root ch desOrSelf" ptType="all node node" st="1 2 1" cnt="1 1 0"/>
+              </dgm:if>
+              <dgm:if name="Name79" axis="root ch" ptType="all node" func="cnt" op="equ" val="4">
+                <dgm:presOf axis="root ch desOrSelf" ptType="all node node" st="1 3 1" cnt="1 1 0"/>
+              </dgm:if>
+              <dgm:else name="Name80">
+                <dgm:presOf/>
+              </dgm:else>
+            </dgm:choose>
+          </dgm:else>
+        </dgm:choose>
+        <dgm:constrLst/>
+        <dgm:ruleLst/>
+      </dgm:layoutNode>
+      <dgm:layoutNode name="circ3Tx" styleLbl="revTx">
+        <dgm:varLst>
+          <dgm:chMax val="0"/>
+          <dgm:chPref val="0"/>
+          <dgm:bulletEnabled val="1"/>
+        </dgm:varLst>
+        <dgm:alg type="tx">
+          <dgm:param type="txAnchorHorzCh" val="ctr"/>
+          <dgm:param type="txAnchorVertCh" val="mid"/>
+        </dgm:alg>
+        <dgm:shape xmlns:r="http://schemas.openxmlformats.org/officeDocument/2006/relationships" type="rect" r:blip="" hideGeom="1">
+          <dgm:adjLst/>
+        </dgm:shape>
+        <dgm:choose name="Name81">
+          <dgm:if name="Name82" func="var" arg="dir" op="equ" val="norm">
+            <dgm:presOf axis="desOrSelf" ptType="node"/>
+          </dgm:if>
+          <dgm:else name="Name83">
+            <dgm:choose name="Name84">
+              <dgm:if name="Name85" axis="root ch" ptType="all node" func="cnt" op="equ" val="3">
+                <dgm:presOf axis="root ch desOrSelf" ptType="all node node" st="1 2 1" cnt="1 1 0"/>
+              </dgm:if>
+              <dgm:if name="Name86" axis="root ch" ptType="all node" func="cnt" op="equ" val="4">
+                <dgm:presOf axis="root ch desOrSelf" ptType="all node node" st="1 3 1" cnt="1 1 0"/>
+              </dgm:if>
+              <dgm:if name="Name87" axis="root ch" ptType="all node" func="cnt" op="equ" val="5">
+                <dgm:presOf axis="root ch desOrSelf" ptType="all node node" st="1 4 1" cnt="1 1 0"/>
+              </dgm:if>
+              <dgm:if name="Name88" axis="root ch" ptType="all node" func="cnt" op="equ" val="6">
+                <dgm:presOf axis="root ch desOrSelf" ptType="all node node" st="1 5 1" cnt="1 1 0"/>
+              </dgm:if>
+              <dgm:else name="Name89">
+                <dgm:presOf axis="root ch desOrSelf" ptType="all node node" st="1 6 1" cnt="1 1 0"/>
+              </dgm:else>
+            </dgm:choose>
+          </dgm:else>
+        </dgm:choose>
+        <dgm:constrLst>
+          <dgm:constr type="tMarg"/>
+          <dgm:constr type="bMarg"/>
+          <dgm:constr type="lMarg"/>
+          <dgm:constr type="rMarg"/>
+          <dgm:constr type="primFontSz" val="65"/>
+        </dgm:constrLst>
+        <dgm:ruleLst>
+          <dgm:rule type="primFontSz" val="5" fact="NaN" max="NaN"/>
+        </dgm:ruleLst>
+      </dgm:layoutNode>
+    </dgm:forEach>
+    <dgm:forEach name="Name90" axis="ch" ptType="node" st="4" cnt="1">
+      <dgm:layoutNode name="circ4" styleLbl="vennNode1">
+        <dgm:alg type="sp"/>
+        <dgm:shape xmlns:r="http://schemas.openxmlformats.org/officeDocument/2006/relationships" type="ellipse" r:blip="">
+          <dgm:adjLst/>
+        </dgm:shape>
+        <dgm:choose name="Name91">
+          <dgm:if name="Name92" func="var" arg="dir" op="equ" val="norm">
+            <dgm:choose name="Name93">
+              <dgm:if name="Name94" axis="root ch" ptType="all node" func="cnt" op="lte" val="4">
+                <dgm:presOf axis="desOrSelf" ptType="node"/>
+              </dgm:if>
+              <dgm:else name="Name95">
+                <dgm:presOf/>
+              </dgm:else>
+            </dgm:choose>
+          </dgm:if>
+          <dgm:else name="Name96">
+            <dgm:choose name="Name97">
+              <dgm:if name="Name98" axis="root ch" ptType="all node" func="cnt" op="equ" val="4">
+                <dgm:presOf axis="root ch desOrSelf" ptType="all node node" st="1 2 1" cnt="1 1 0"/>
+              </dgm:if>
+              <dgm:else name="Name99">
+                <dgm:presOf/>
+              </dgm:else>
+            </dgm:choose>
+          </dgm:else>
+        </dgm:choose>
+        <dgm:constrLst/>
+        <dgm:ruleLst/>
+      </dgm:layoutNode>
+      <dgm:layoutNode name="circ4Tx" styleLbl="revTx">
+        <dgm:varLst>
+          <dgm:chMax val="0"/>
+          <dgm:chPref val="0"/>
+          <dgm:bulletEnabled val="1"/>
+        </dgm:varLst>
+        <dgm:alg type="tx">
+          <dgm:param type="txAnchorHorzCh" val="ctr"/>
+          <dgm:param type="txAnchorVertCh" val="mid"/>
+        </dgm:alg>
+        <dgm:shape xmlns:r="http://schemas.openxmlformats.org/officeDocument/2006/relationships" type="rect" r:blip="" hideGeom="1">
+          <dgm:adjLst/>
+        </dgm:shape>
+        <dgm:choose name="Name100">
+          <dgm:if name="Name101" func="var" arg="dir" op="equ" val="norm">
+            <dgm:presOf axis="desOrSelf" ptType="node"/>
+          </dgm:if>
+          <dgm:else name="Name102">
+            <dgm:choose name="Name103">
+              <dgm:if name="Name104" axis="root ch" ptType="all node" func="cnt" op="equ" val="4">
+                <dgm:presOf axis="root ch desOrSelf" ptType="all node node" st="1 2 1" cnt="1 1 0"/>
+              </dgm:if>
+              <dgm:if name="Name105" axis="root ch" ptType="all node" func="cnt" op="equ" val="5">
+                <dgm:presOf axis="root ch desOrSelf" ptType="all node node" st="1 3 1" cnt="1 1 0"/>
+              </dgm:if>
+              <dgm:if name="Name106" axis="root ch" ptType="all node" func="cnt" op="equ" val="6">
+                <dgm:presOf axis="root ch desOrSelf" ptType="all node node" st="1 4 1" cnt="1 1 0"/>
+              </dgm:if>
+              <dgm:else name="Name107">
+                <dgm:presOf axis="root ch desOrSelf" ptType="all node node" st="1 5 1" cnt="1 1 0"/>
+              </dgm:else>
+            </dgm:choose>
+          </dgm:else>
+        </dgm:choose>
+        <dgm:constrLst>
+          <dgm:constr type="tMarg"/>
+          <dgm:constr type="bMarg"/>
+          <dgm:constr type="lMarg"/>
+          <dgm:constr type="rMarg"/>
+          <dgm:constr type="primFontSz" val="65"/>
+        </dgm:constrLst>
+        <dgm:ruleLst>
+          <dgm:rule type="primFontSz" val="5" fact="NaN" max="NaN"/>
+        </dgm:ruleLst>
+      </dgm:layoutNode>
+    </dgm:forEach>
+    <dgm:forEach name="Name108" axis="ch" ptType="node" st="5" cnt="1">
+      <dgm:layoutNode name="circ5" styleLbl="vennNode1">
+        <dgm:alg type="sp"/>
+        <dgm:shape xmlns:r="http://schemas.openxmlformats.org/officeDocument/2006/relationships" type="ellipse" r:blip="">
           <dgm:adjLst/>
         </dgm:shape>
         <dgm:presOf/>
         <dgm:constrLst/>
         <dgm:ruleLst/>
-      </dgm:if>
-      <dgm:if name="Name3" axis="ch" ptType="node" func="cnt" op="equ" val="1">
-        <dgm:alg type="composite">
-          <dgm:param type="ar" val="1"/>
+      </dgm:layoutNode>
+      <dgm:layoutNode name="circ5Tx" styleLbl="revTx">
+        <dgm:varLst>
+          <dgm:chMax val="0"/>
+          <dgm:chPref val="0"/>
+          <dgm:bulletEnabled val="1"/>
+        </dgm:varLst>
+        <dgm:alg type="tx">
+          <dgm:param type="txAnchorHorzCh" val="ctr"/>
+          <dgm:param type="txAnchorVertCh" val="mid"/>
         </dgm:alg>
-        <dgm:shape xmlns:r="http://schemas.openxmlformats.org/officeDocument/2006/relationships" r:blip="">
+        <dgm:shape xmlns:r="http://schemas.openxmlformats.org/officeDocument/2006/relationships" type="rect" r:blip="" hideGeom="1">
+          <dgm:adjLst/>
+        </dgm:shape>
+        <dgm:choose name="Name109">
+          <dgm:if name="Name110" func="var" arg="dir" op="equ" val="norm">
+            <dgm:presOf axis="desOrSelf" ptType="node"/>
+          </dgm:if>
+          <dgm:else name="Name111">
+            <dgm:choose name="Name112">
+              <dgm:if name="Name113" axis="root ch" ptType="all node" func="cnt" op="equ" val="5">
+                <dgm:presOf axis="root ch desOrSelf" ptType="all node node" st="1 2 1" cnt="1 1 0"/>
+              </dgm:if>
+              <dgm:if name="Name114" axis="root ch" ptType="all node" func="cnt" op="equ" val="6">
+                <dgm:presOf axis="root ch desOrSelf" ptType="all node node" st="1 3 1" cnt="1 1 0"/>
+              </dgm:if>
+              <dgm:else name="Name115">
+                <dgm:presOf axis="root ch desOrSelf" ptType="all node node" st="1 4 1" cnt="1 1 0"/>
+              </dgm:else>
+            </dgm:choose>
+          </dgm:else>
+        </dgm:choose>
+        <dgm:constrLst>
+          <dgm:constr type="tMarg"/>
+          <dgm:constr type="bMarg"/>
+          <dgm:constr type="lMarg"/>
+          <dgm:constr type="rMarg"/>
+          <dgm:constr type="primFontSz" val="65"/>
+        </dgm:constrLst>
+        <dgm:ruleLst>
+          <dgm:rule type="primFontSz" val="5" fact="NaN" max="NaN"/>
+        </dgm:ruleLst>
+      </dgm:layoutNode>
+    </dgm:forEach>
+    <dgm:forEach name="Name116" axis="ch" ptType="node" st="6" cnt="1">
+      <dgm:layoutNode name="circ6" styleLbl="vennNode1">
+        <dgm:alg type="sp"/>
+        <dgm:shape xmlns:r="http://schemas.openxmlformats.org/officeDocument/2006/relationships" type="ellipse" r:blip="">
           <dgm:adjLst/>
         </dgm:shape>
         <dgm:presOf/>
+        <dgm:constrLst/>
+        <dgm:ruleLst/>
+      </dgm:layoutNode>
+      <dgm:layoutNode name="circ6Tx" styleLbl="revTx">
+        <dgm:varLst>
+          <dgm:chMax val="0"/>
+          <dgm:chPref val="0"/>
+          <dgm:bulletEnabled val="1"/>
+        </dgm:varLst>
+        <dgm:alg type="tx">
+          <dgm:param type="txAnchorHorzCh" val="ctr"/>
+          <dgm:param type="txAnchorVertCh" val="mid"/>
+        </dgm:alg>
+        <dgm:shape xmlns:r="http://schemas.openxmlformats.org/officeDocument/2006/relationships" type="rect" r:blip="" hideGeom="1">
+          <dgm:adjLst/>
+        </dgm:shape>
+        <dgm:choose name="Name117">
+          <dgm:if name="Name118" func="var" arg="dir" op="equ" val="norm">
+            <dgm:presOf axis="desOrSelf" ptType="node"/>
+          </dgm:if>
+          <dgm:else name="Name119">
+            <dgm:choose name="Name120">
+              <dgm:if name="Name121" axis="root ch" ptType="all node" func="cnt" op="equ" val="6">
+                <dgm:presOf axis="root ch desOrSelf" ptType="all node node" st="1 2 1" cnt="1 1 0"/>
+              </dgm:if>
+              <dgm:else name="Name122">
+                <dgm:presOf axis="root ch desOrSelf" ptType="all node node" st="1 3 1" cnt="1 1 0"/>
+              </dgm:else>
+            </dgm:choose>
+          </dgm:else>
+        </dgm:choose>
         <dgm:constrLst>
-          <dgm:constr type="primFontSz" for="des" ptType="node" op="equ" val="65"/>
-          <dgm:constr type="l" for="ch" forName="ellipse1" refType="w" fact="0"/>
-          <dgm:constr type="t" for="ch" forName="ellipse1" refType="h" fact="0"/>
-          <dgm:constr type="w" for="ch" forName="ellipse1" refType="w"/>
-          <dgm:constr type="h" for="ch" forName="ellipse1" refType="h"/>
+          <dgm:constr type="tMarg"/>
+          <dgm:constr type="bMarg"/>
+          <dgm:constr type="lMarg"/>
+          <dgm:constr type="rMarg"/>
+          <dgm:constr type="primFontSz" val="65"/>
         </dgm:constrLst>
-      </dgm:if>
-      <dgm:if name="Name4" axis="ch" ptType="node" func="cnt" op="equ" val="2">
-        <dgm:alg type="composite">
-          <dgm:param type="ar" val="0.9086"/>
-        </dgm:alg>
-        <dgm:shape xmlns:r="http://schemas.openxmlformats.org/officeDocument/2006/relationships" r:blip="">
+        <dgm:ruleLst>
+          <dgm:rule type="primFontSz" val="5" fact="NaN" max="NaN"/>
+        </dgm:ruleLst>
+      </dgm:layoutNode>
+    </dgm:forEach>
+    <dgm:forEach name="Name123" axis="ch" ptType="node" st="7" cnt="1">
+      <dgm:layoutNode name="circ7" styleLbl="vennNode1">
+        <dgm:alg type="sp"/>
+        <dgm:shape xmlns:r="http://schemas.openxmlformats.org/officeDocument/2006/relationships" type="ellipse" r:blip="">
           <dgm:adjLst/>
         </dgm:shape>
         <dgm:presOf/>
-        <dgm:constrLst>
-          <dgm:constr type="primFontSz" for="des" ptType="node" op="equ" val="65"/>
-          <dgm:constr type="l" for="ch" forName="ellipse1" refType="w" fact="0"/>
-          <dgm:constr type="t" for="ch" forName="ellipse1" refType="h" fact="0"/>
-          <dgm:constr type="w" for="ch" forName="ellipse1" refType="w" fact="0.6602"/>
-          <dgm:constr type="h" for="ch" forName="ellipse1" refType="h" fact="0.5999"/>
-          <dgm:constr type="l" for="ch" forName="ellipse2" refType="w" fact="0.3398"/>
-          <dgm:constr type="t" for="ch" forName="ellipse2" refType="h" fact="0.4001"/>
-          <dgm:constr type="w" for="ch" forName="ellipse2" refType="w" fact="0.6602"/>
-          <dgm:constr type="h" for="ch" forName="ellipse2" refType="h" fact="0.5999"/>
-        </dgm:constrLst>
-      </dgm:if>
-      <dgm:if name="Name5" axis="ch" ptType="node" func="cnt" op="equ" val="3">
-        <dgm:alg type="composite">
-          <dgm:param type="ar" val="1.2171"/>
+        <dgm:constrLst/>
+        <dgm:ruleLst/>
+      </dgm:layoutNode>
+      <dgm:layoutNode name="circ7Tx" styleLbl="revTx">
+        <dgm:varLst>
+          <dgm:chMax val="0"/>
+          <dgm:chPref val="0"/>
+          <dgm:bulletEnabled val="1"/>
+        </dgm:varLst>
+        <dgm:alg type="tx">
+          <dgm:param type="txAnchorHorzCh" val="ctr"/>
+          <dgm:param type="txAnchorVertCh" val="mid"/>
         </dgm:alg>
-        <dgm:shape xmlns:r="http://schemas.openxmlformats.org/officeDocument/2006/relationships" r:blip="">
+        <dgm:shape xmlns:r="http://schemas.openxmlformats.org/officeDocument/2006/relationships" type="rect" r:blip="" hideGeom="1">
           <dgm:adjLst/>
         </dgm:shape>
-        <dgm:presOf/>
+        <dgm:choose name="Name124">
+          <dgm:if name="Name125" func="var" arg="dir" op="equ" val="norm">
+            <dgm:presOf axis="desOrSelf" ptType="node"/>
+          </dgm:if>
+          <dgm:else name="Name126">
+            <dgm:presOf axis="root ch desOrSelf" ptType="all node node" st="1 2 1" cnt="1 1 0"/>
+          </dgm:else>
+        </dgm:choose>
         <dgm:constrLst>
-          <dgm:constr type="primFontSz" for="des" ptType="node" op="equ" val="65"/>
-          <dgm:constr type="l" for="ch" forName="ellipse1" refType="w" fact="0"/>
-          <dgm:constr type="t" for="ch" forName="ellipse1" refType="h" fact="0"/>
-          <dgm:constr type="w" for="ch" forName="ellipse1" refType="w" fact="0.4929"/>
-          <dgm:constr type="h" for="ch" forName="ellipse1" refType="h" fact="0.5999"/>
-          <dgm:constr type="l" for="ch" forName="ellipse2" refType="w" fact="0.2537"/>
-          <dgm:constr type="t" for="ch" forName="ellipse2" refType="h" fact="0.4001"/>
-          <dgm:constr type="w" for="ch" forName="ellipse2" refType="w" fact="0.4929"/>
-          <dgm:constr type="h" for="ch" forName="ellipse2" refType="h" fact="0.5999"/>
-          <dgm:constr type="l" for="ch" forName="ellipse3" refType="w" fact="0.5071"/>
-          <dgm:constr type="t" for="ch" forName="ellipse3" refType="h" fact="0"/>
-          <dgm:constr type="w" for="ch" forName="ellipse3" refType="w" fact="0.4929"/>
-          <dgm:constr type="h" for="ch" forName="ellipse3" refType="h" fact="0.5999"/>
+          <dgm:constr type="tMarg"/>
+          <dgm:constr type="bMarg"/>
+          <dgm:constr type="lMarg"/>
+          <dgm:constr type="rMarg"/>
+          <dgm:constr type="primFontSz" val="65"/>
         </dgm:constrLst>
-      </dgm:if>
-      <dgm:if name="Name6" axis="ch" ptType="node" func="cnt" op="equ" val="4">
-        <dgm:alg type="composite">
-          <dgm:param type="ar" val="1.5255"/>
-        </dgm:alg>
-        <dgm:shape xmlns:r="http://schemas.openxmlformats.org/officeDocument/2006/relationships" r:blip="">
-          <dgm:adjLst/>
-        </dgm:shape>
-        <dgm:presOf/>
-        <dgm:constrLst>
-          <dgm:constr type="primFontSz" for="des" ptType="node" op="equ" val="65"/>
-          <dgm:constr type="l" for="ch" forName="ellipse1" refType="w" fact="0"/>
-          <dgm:constr type="t" for="ch" forName="ellipse1" refType="h" fact="0"/>
-          <dgm:constr type="w" for="ch" forName="ellipse1" refType="w" fact="0.3932"/>
-          <dgm:constr type="h" for="ch" forName="ellipse1" refType="h" fact="0.5999"/>
-          <dgm:constr type="l" for="ch" forName="ellipse2" refType="w" fact="0.2023"/>
-          <dgm:constr type="t" for="ch" forName="ellipse2" refType="h" fact="0.4001"/>
-          <dgm:constr type="w" for="ch" forName="ellipse2" refType="w" fact="0.3932"/>
-          <dgm:constr type="h" for="ch" forName="ellipse2" refType="h" fact="0.5999"/>
-          <dgm:constr type="l" for="ch" forName="ellipse3" refType="w" fact="0.4045"/>
-          <dgm:constr type="t" for="ch" forName="ellipse3" refType="h" fact="0"/>
-          <dgm:constr type="w" for="ch" forName="ellipse3" refType="w" fact="0.3932"/>
-          <dgm:constr type="h" for="ch" forName="ellipse3" refType="h" fact="0.5999"/>
-          <dgm:constr type="l" for="ch" forName="ellipse4" refType="w" fact="0.6068"/>
-          <dgm:constr type="t" for="ch" forName="ellipse4" refType="h" fact="0.4001"/>
-          <dgm:constr type="w" for="ch" forName="ellipse4" refType="w" fact="0.3932"/>
-          <dgm:constr type="h" for="ch" forName="ellipse4" refType="h" fact="0.5999"/>
-        </dgm:constrLst>
-      </dgm:if>
-      <dgm:if name="Name7" axis="ch" ptType="node" func="cnt" op="equ" val="5">
-        <dgm:alg type="composite">
-          <dgm:param type="ar" val="1.834"/>
-        </dgm:alg>
-        <dgm:shape xmlns:r="http://schemas.openxmlformats.org/officeDocument/2006/relationships" r:blip="">
-          <dgm:adjLst/>
-        </dgm:shape>
-        <dgm:presOf/>
-        <dgm:constrLst>
-          <dgm:constr type="primFontSz" for="des" ptType="node" op="equ" val="65"/>
-          <dgm:constr type="l" for="ch" forName="ellipse1" refType="w" fact="0"/>
-          <dgm:constr type="t" for="ch" forName="ellipse1" refType="h" fact="0"/>
-          <dgm:constr type="w" for="ch" forName="ellipse1" refType="w" fact="0.3271"/>
-          <dgm:constr type="h" for="ch" forName="ellipse1" refType="h" fact="0.5999"/>
-          <dgm:constr type="l" for="ch" forName="ellipse2" refType="w" fact="0.1682"/>
-          <dgm:constr type="t" for="ch" forName="ellipse2" refType="h" fact="0.4001"/>
-          <dgm:constr type="w" for="ch" forName="ellipse2" refType="w" fact="0.3271"/>
-          <dgm:constr type="h" for="ch" forName="ellipse2" refType="h" fact="0.5999"/>
-          <dgm:constr type="l" for="ch" forName="ellipse3" refType="w" fact="0.3365"/>
-          <dgm:constr type="t" for="ch" forName="ellipse3" refType="h" fact="0"/>
-          <dgm:constr type="w" for="ch" forName="ellipse3" refType="w" fact="0.3271"/>
-          <dgm:constr type="h" for="ch" forName="ellipse3" refType="h" fact="0.5999"/>
-          <dgm:constr type="l" for="ch" forName="ellipse4" refType="w" fact="0.5047"/>
-          <dgm:constr type="t" for="ch" forName="ellipse4" refType="h" fact="0.4001"/>
-          <dgm:constr type="w" for="ch" forName="ellipse4" refType="w" fact="0.3271"/>
-          <dgm:constr type="h" for="ch" forName="ellipse4" refType="h" fact="0.5999"/>
-          <dgm:constr type="l" for="ch" forName="ellipse5" refType="w" fact="0.6729"/>
-          <dgm:constr type="t" for="ch" forName="ellipse5" refType="h" fact="0"/>
-          <dgm:constr type="w" for="ch" forName="ellipse5" refType="w" fact="0.3271"/>
-          <dgm:constr type="h" for="ch" forName="ellipse5" refType="h" fact="0.5999"/>
-        </dgm:constrLst>
-      </dgm:if>
-      <dgm:if name="Name8" axis="ch" ptType="node" func="cnt" op="equ" val="6">
-        <dgm:alg type="composite">
-          <dgm:param type="ar" val="2.1873"/>
-        </dgm:alg>
-        <dgm:shape xmlns:r="http://schemas.openxmlformats.org/officeDocument/2006/relationships" r:blip="">
-          <dgm:adjLst/>
-        </dgm:shape>
-        <dgm:presOf/>
-        <dgm:constrLst>
-          <dgm:constr type="primFontSz" for="des" ptType="node" op="equ" val="65"/>
-          <dgm:constr type="l" for="ch" forName="ellipse1" refType="w" fact="0"/>
-          <dgm:constr type="t" for="ch" forName="ellipse1" refType="h" fact="0"/>
-          <dgm:constr type="w" for="ch" forName="ellipse1" refType="w" fact="0.278"/>
-          <dgm:constr type="h" for="ch" forName="ellipse1" refType="h" fact="0.6081"/>
-          <dgm:constr type="l" for="ch" forName="ellipse2" refType="w" fact="0.1444"/>
-          <dgm:constr type="t" for="ch" forName="ellipse2" refType="h" fact="0.3919"/>
-          <dgm:constr type="w" for="ch" forName="ellipse2" refType="w" fact="0.278"/>
-          <dgm:constr type="h" for="ch" forName="ellipse2" refType="h" fact="0.6081"/>
-          <dgm:constr type="l" for="ch" forName="ellipse3" refType="w" fact="0.2888"/>
-          <dgm:constr type="t" for="ch" forName="ellipse3" refType="h" fact="0"/>
-          <dgm:constr type="w" for="ch" forName="ellipse3" refType="w" fact="0.278"/>
-          <dgm:constr type="h" for="ch" forName="ellipse3" refType="h" fact="0.6081"/>
-          <dgm:constr type="l" for="ch" forName="ellipse4" refType="w" fact="0.4332"/>
-          <dgm:constr type="t" for="ch" forName="ellipse4" refType="h" fact="0.3919"/>
-          <dgm:constr type="w" for="ch" forName="ellipse4" refType="w" fact="0.278"/>
-          <dgm:constr type="h" for="ch" forName="ellipse4" refType="h" fact="0.6081"/>
-          <dgm:constr type="l" for="ch" forName="ellipse5" refType="w" fact="0.5776"/>
-          <dgm:constr type="t" for="ch" forName="ellipse5" refType="h" fact="0"/>
-          <dgm:constr type="w" for="ch" forName="ellipse5" refType="w" fact="0.278"/>
-          <dgm:constr type="h" for="ch" forName="ellipse5" refType="h" fact="0.6081"/>
-          <dgm:constr type="l" for="ch" forName="ellipse6" refType="w" fact="0.722"/>
-          <dgm:constr type="t" for="ch" forName="ellipse6" refType="h" fact="0.3919"/>
-          <dgm:constr type="w" for="ch" forName="ellipse6" refType="w" fact="0.278"/>
-          <dgm:constr type="h" for="ch" forName="ellipse6" refType="h" fact="0.6081"/>
-        </dgm:constrLst>
-      </dgm:if>
-      <dgm:else name="Name9">
-        <dgm:alg type="composite">
-          <dgm:param type="ar" val="2.3466"/>
-        </dgm:alg>
-        <dgm:shape xmlns:r="http://schemas.openxmlformats.org/officeDocument/2006/relationships" r:blip="">
-          <dgm:adjLst/>
-        </dgm:shape>
-        <dgm:presOf/>
-        <dgm:constrLst>
-          <dgm:constr type="primFontSz" for="des" ptType="node" op="equ" val="65"/>
-          <dgm:constr type="l" for="ch" forName="ellipse1" refType="w" fact="0"/>
-          <dgm:constr type="t" for="ch" forName="ellipse1" refType="h" fact="0"/>
-          <dgm:constr type="w" for="ch" forName="ellipse1" refType="w" fact="0.2455"/>
-          <dgm:constr type="h" for="ch" forName="ellipse1" refType="h" fact="0.5761"/>
-          <dgm:constr type="l" for="ch" forName="ellipse2" refType="w" fact="0.1257"/>
-          <dgm:constr type="t" for="ch" forName="ellipse2" refType="h" fact="0.4239"/>
-          <dgm:constr type="w" for="ch" forName="ellipse2" refType="w" fact="0.2455"/>
-          <dgm:constr type="h" for="ch" forName="ellipse2" refType="h" fact="0.5761"/>
-          <dgm:constr type="l" for="ch" forName="ellipse3" refType="w" fact="0.2515"/>
-          <dgm:constr type="t" for="ch" forName="ellipse3" refType="h" fact="0"/>
-          <dgm:constr type="w" for="ch" forName="ellipse3" refType="w" fact="0.2455"/>
-          <dgm:constr type="h" for="ch" forName="ellipse3" refType="h" fact="0.5761"/>
-          <dgm:constr type="l" for="ch" forName="ellipse4" refType="w" fact="0.3772"/>
-          <dgm:constr type="t" for="ch" forName="ellipse4" refType="h" fact="0.4239"/>
-          <dgm:constr type="w" for="ch" forName="ellipse4" refType="w" fact="0.2455"/>
-          <dgm:constr type="h" for="ch" forName="ellipse4" refType="h" fact="0.5761"/>
-          <dgm:constr type="l" for="ch" forName="ellipse5" refType="w" fact="0.503"/>
-          <dgm:constr type="t" for="ch" forName="ellipse5" refType="h" fact="0"/>
-          <dgm:constr type="w" for="ch" forName="ellipse5" refType="w" fact="0.2455"/>
-          <dgm:constr type="h" for="ch" forName="ellipse5" refType="h" fact="0.5761"/>
-          <dgm:constr type="l" for="ch" forName="ellipse6" refType="w" fact="0.6287"/>
-          <dgm:constr type="t" for="ch" forName="ellipse6" refType="h" fact="0.4239"/>
-          <dgm:constr type="w" for="ch" forName="ellipse6" refType="w" fact="0.2455"/>
-          <dgm:constr type="h" for="ch" forName="ellipse6" refType="h" fact="0.5761"/>
-          <dgm:constr type="l" for="ch" forName="ellipse7" refType="w" fact="0.7545"/>
-          <dgm:constr type="t" for="ch" forName="ellipse7" refType="h" fact="0"/>
-          <dgm:constr type="w" for="ch" forName="ellipse7" refType="w" fact="0.2455"/>
-          <dgm:constr type="h" for="ch" forName="ellipse7" refType="h" fact="0.5761"/>
-        </dgm:constrLst>
-      </dgm:else>
-    </dgm:choose>
-    <dgm:choose name="Name10">
-      <dgm:if name="Name11" axis="ch" ptType="node" func="cnt" op="gte" val="1">
-        <dgm:layoutNode name="ellipse1" styleLbl="vennNode1">
-          <dgm:varLst>
-            <dgm:bulletEnabled val="1"/>
-          </dgm:varLst>
-          <dgm:alg type="tx"/>
-          <dgm:shape xmlns:r="http://schemas.openxmlformats.org/officeDocument/2006/relationships" type="ellipse" r:blip="">
-            <dgm:adjLst/>
-          </dgm:shape>
-          <dgm:choose name="Name12">
-            <dgm:if name="Name13" func="var" arg="dir" op="equ" val="norm">
-              <dgm:presOf axis="ch desOrSelf" ptType="node node" st="1 1" cnt="1 0"/>
-            </dgm:if>
-            <dgm:else name="Name14">
-              <dgm:choose name="Name15">
-                <dgm:if name="Name16" axis="ch" ptType="node" func="cnt" op="equ" val="1">
-                  <dgm:presOf axis="ch desOrSelf" ptType="node node" st="1 1" cnt="1 0"/>
-                </dgm:if>
-                <dgm:if name="Name17" axis="ch" ptType="node" func="cnt" op="equ" val="2">
-                  <dgm:presOf axis="ch desOrSelf" ptType="node node" st="2 1" cnt="1 0"/>
-                </dgm:if>
-                <dgm:if name="Name18" axis="ch" ptType="node" func="cnt" op="equ" val="3">
-                  <dgm:presOf axis="ch desOrSelf" ptType="node node" st="3 1" cnt="1 0"/>
-                </dgm:if>
-                <dgm:if name="Name19" axis="ch" ptType="node" func="cnt" op="equ" val="4">
-                  <dgm:presOf axis="ch desOrSelf" ptType="node node" st="4 1" cnt="1 0"/>
-                </dgm:if>
-                <dgm:if name="Name20" axis="ch" ptType="node" func="cnt" op="equ" val="5">
-                  <dgm:presOf axis="ch desOrSelf" ptType="node node" st="5 1" cnt="1 0"/>
-                </dgm:if>
-                <dgm:if name="Name21" axis="ch" ptType="node" func="cnt" op="equ" val="6">
-                  <dgm:presOf axis="ch desOrSelf" ptType="node node" st="6 1" cnt="1 0"/>
-                </dgm:if>
-                <dgm:if name="Name22" axis="ch" ptType="node" func="cnt" op="gte" val="7">
-                  <dgm:presOf axis="ch desOrSelf" ptType="node node" st="7 1" cnt="1 0"/>
-                </dgm:if>
-                <dgm:else name="Name23"/>
-              </dgm:choose>
-            </dgm:else>
-          </dgm:choose>
-          <dgm:constrLst>
-            <dgm:constr type="lMarg" refType="primFontSz" fact="0.3"/>
-            <dgm:constr type="rMarg" refType="primFontSz" fact="0.3"/>
-            <dgm:constr type="tMarg" refType="primFontSz" fact="0.3"/>
-            <dgm:constr type="bMarg" refType="primFontSz" fact="0.3"/>
-          </dgm:constrLst>
-          <dgm:ruleLst>
-            <dgm:rule type="primFontSz" val="5" fact="NaN" max="NaN"/>
-          </dgm:ruleLst>
-        </dgm:layoutNode>
-      </dgm:if>
-      <dgm:else name="Name24"/>
-    </dgm:choose>
-    <dgm:choose name="Name25">
-      <dgm:if name="Name26" axis="ch" ptType="node" func="cnt" op="gte" val="2">
-        <dgm:layoutNode name="ellipse2" styleLbl="vennNode1">
-          <dgm:varLst>
-            <dgm:bulletEnabled val="1"/>
-          </dgm:varLst>
-          <dgm:alg type="tx"/>
-          <dgm:choose name="Name27">
-            <dgm:if name="Name28" func="var" arg="dir" op="equ" val="norm">
-              <dgm:shape xmlns:r="http://schemas.openxmlformats.org/officeDocument/2006/relationships" type="ellipse" r:blip="">
-                <dgm:adjLst/>
-              </dgm:shape>
-              <dgm:presOf axis="ch desOrSelf" ptType="node node" st="2 1" cnt="1 0"/>
-            </dgm:if>
-            <dgm:else name="Name29">
-              <dgm:shape xmlns:r="http://schemas.openxmlformats.org/officeDocument/2006/relationships" type="ellipse" r:blip="" zOrderOff="-2">
-                <dgm:adjLst/>
-              </dgm:shape>
-              <dgm:choose name="Name30">
-                <dgm:if name="Name31" axis="ch" ptType="node" func="cnt" op="equ" val="2">
-                  <dgm:presOf axis="ch desOrSelf" ptType="node node" st="1 1" cnt="1 0"/>
-                </dgm:if>
-                <dgm:if name="Name32" axis="ch" ptType="node" func="cnt" op="equ" val="3">
-                  <dgm:presOf axis="ch desOrSelf" ptType="node node" st="2 1" cnt="1 0"/>
-                </dgm:if>
-                <dgm:if name="Name33" axis="ch" ptType="node" func="cnt" op="equ" val="4">
-                  <dgm:presOf axis="ch desOrSelf" ptType="node node" st="3 1" cnt="1 0"/>
-                </dgm:if>
-                <dgm:if name="Name34" axis="ch" ptType="node" func="cnt" op="equ" val="5">
-                  <dgm:presOf axis="ch desOrSelf" ptType="node node" st="4 1" cnt="1 0"/>
-                </dgm:if>
-                <dgm:if name="Name35" axis="ch" ptType="node" func="cnt" op="equ" val="6">
-                  <dgm:presOf axis="ch desOrSelf" ptType="node node" st="5 1" cnt="1 0"/>
-                </dgm:if>
-                <dgm:if name="Name36" axis="ch" ptType="node" func="cnt" op="gte" val="7">
-                  <dgm:presOf axis="ch desOrSelf" ptType="node node" st="6 1" cnt="1 0"/>
-                </dgm:if>
-                <dgm:else name="Name37"/>
-              </dgm:choose>
-            </dgm:else>
-          </dgm:choose>
-          <dgm:constrLst>
-            <dgm:constr type="lMarg" refType="primFontSz" fact="0.3"/>
-            <dgm:constr type="rMarg" refType="primFontSz" fact="0.3"/>
-            <dgm:constr type="tMarg" refType="primFontSz" fact="0.3"/>
-            <dgm:constr type="bMarg" refType="primFontSz" fact="0.3"/>
-          </dgm:constrLst>
-          <dgm:ruleLst>
-            <dgm:rule type="primFontSz" val="5" fact="NaN" max="NaN"/>
-          </dgm:ruleLst>
-        </dgm:layoutNode>
-      </dgm:if>
-      <dgm:else name="Name38"/>
-    </dgm:choose>
-    <dgm:choose name="Name39">
-      <dgm:if name="Name40" axis="ch" ptType="node" func="cnt" op="gte" val="3">
-        <dgm:layoutNode name="ellipse3" styleLbl="vennNode1">
-          <dgm:varLst>
-            <dgm:bulletEnabled val="1"/>
-          </dgm:varLst>
-          <dgm:alg type="tx"/>
-          <dgm:shape xmlns:r="http://schemas.openxmlformats.org/officeDocument/2006/relationships" type="ellipse" r:blip="">
-            <dgm:adjLst/>
-          </dgm:shape>
-          <dgm:choose name="Name41">
-            <dgm:if name="Name42" func="var" arg="dir" op="equ" val="norm">
-              <dgm:shape xmlns:r="http://schemas.openxmlformats.org/officeDocument/2006/relationships" type="ellipse" r:blip="">
-                <dgm:adjLst/>
-              </dgm:shape>
-              <dgm:presOf axis="ch desOrSelf" ptType="node node" st="3 1" cnt="1 0"/>
-            </dgm:if>
-            <dgm:else name="Name43">
-              <dgm:shape xmlns:r="http://schemas.openxmlformats.org/officeDocument/2006/relationships" type="ellipse" r:blip="" zOrderOff="-4">
-                <dgm:adjLst/>
-              </dgm:shape>
-              <dgm:choose name="Name44">
-                <dgm:if name="Name45" axis="ch" ptType="node" func="cnt" op="equ" val="3">
-                  <dgm:presOf axis="ch desOrSelf" ptType="node node" st="1 1" cnt="1 0"/>
-                </dgm:if>
-                <dgm:if name="Name46" axis="ch" ptType="node" func="cnt" op="equ" val="4">
-                  <dgm:presOf axis="ch desOrSelf" ptType="node node" st="2 1" cnt="1 0"/>
-                </dgm:if>
-                <dgm:if name="Name47" axis="ch" ptType="node" func="cnt" op="equ" val="5">
-                  <dgm:presOf axis="ch desOrSelf" ptType="node node" st="3 1" cnt="1 0"/>
-                </dgm:if>
-                <dgm:if name="Name48" axis="ch" ptType="node" func="cnt" op="equ" val="6">
-                  <dgm:presOf axis="ch desOrSelf" ptType="node node" st="4 1" cnt="1 0"/>
-                </dgm:if>
-                <dgm:if name="Name49" axis="ch" ptType="node" func="cnt" op="gte" val="7">
-                  <dgm:presOf axis="ch desOrSelf" ptType="node node" st="5 1" cnt="1 0"/>
-                </dgm:if>
-                <dgm:else name="Name50"/>
-              </dgm:choose>
-            </dgm:else>
-          </dgm:choose>
-          <dgm:constrLst>
-            <dgm:constr type="lMarg" refType="primFontSz" fact="0.3"/>
-            <dgm:constr type="rMarg" refType="primFontSz" fact="0.3"/>
-            <dgm:constr type="tMarg" refType="primFontSz" fact="0.3"/>
-            <dgm:constr type="bMarg" refType="primFontSz" fact="0.3"/>
-          </dgm:constrLst>
-          <dgm:ruleLst>
-            <dgm:rule type="primFontSz" val="5" fact="NaN" max="NaN"/>
-          </dgm:ruleLst>
-        </dgm:layoutNode>
-      </dgm:if>
-      <dgm:else name="Name51"/>
-    </dgm:choose>
-    <dgm:choose name="Name52">
-      <dgm:if name="Name53" axis="ch" ptType="node" func="cnt" op="gte" val="4">
-        <dgm:layoutNode name="ellipse4" styleLbl="vennNode1">
-          <dgm:varLst>
-            <dgm:bulletEnabled val="1"/>
-          </dgm:varLst>
-          <dgm:alg type="tx"/>
-          <dgm:choose name="Name54">
-            <dgm:if name="Name55" func="var" arg="dir" op="equ" val="norm">
-              <dgm:shape xmlns:r="http://schemas.openxmlformats.org/officeDocument/2006/relationships" type="ellipse" r:blip="">
-                <dgm:adjLst/>
-              </dgm:shape>
-              <dgm:presOf axis="ch desOrSelf" ptType="node node" st="4 1" cnt="1 0"/>
-            </dgm:if>
-            <dgm:else name="Name56">
-              <dgm:shape xmlns:r="http://schemas.openxmlformats.org/officeDocument/2006/relationships" type="ellipse" r:blip="" zOrderOff="-6">
-                <dgm:adjLst/>
-              </dgm:shape>
-              <dgm:choose name="Name57">
-                <dgm:if name="Name58" axis="ch" ptType="node" func="cnt" op="equ" val="4">
-                  <dgm:presOf axis="ch desOrSelf" ptType="node node" st="1 1" cnt="1 0"/>
-                </dgm:if>
-                <dgm:if name="Name59" axis="ch" ptType="node" func="cnt" op="equ" val="5">
-                  <dgm:presOf axis="ch desOrSelf" ptType="node node" st="2 1" cnt="1 0"/>
-                </dgm:if>
-                <dgm:if name="Name60" axis="ch" ptType="node" func="cnt" op="equ" val="6">
-                  <dgm:presOf axis="ch desOrSelf" ptType="node node" st="3 1" cnt="1 0"/>
-                </dgm:if>
-                <dgm:if name="Name61" axis="ch" ptType="node" func="cnt" op="gte" val="7">
-                  <dgm:presOf axis="ch desOrSelf" ptType="node node" st="4 1" cnt="1 0"/>
-                </dgm:if>
-                <dgm:else name="Name62"/>
-              </dgm:choose>
-            </dgm:else>
-          </dgm:choose>
-          <dgm:constrLst>
-            <dgm:constr type="lMarg" refType="primFontSz" fact="0.3"/>
-            <dgm:constr type="rMarg" refType="primFontSz" fact="0.3"/>
-            <dgm:constr type="tMarg" refType="primFontSz" fact="0.3"/>
-            <dgm:constr type="bMarg" refType="primFontSz" fact="0.3"/>
-          </dgm:constrLst>
-          <dgm:ruleLst>
-            <dgm:rule type="primFontSz" val="5" fact="NaN" max="NaN"/>
-          </dgm:ruleLst>
-        </dgm:layoutNode>
-      </dgm:if>
-      <dgm:else name="Name63"/>
-    </dgm:choose>
-    <dgm:choose name="Name64">
-      <dgm:if name="Name65" axis="ch" ptType="node" func="cnt" op="gte" val="5">
-        <dgm:layoutNode name="ellipse5" styleLbl="vennNode1">
-          <dgm:varLst>
-            <dgm:bulletEnabled val="1"/>
-          </dgm:varLst>
-          <dgm:alg type="tx"/>
-          <dgm:choose name="Name66">
-            <dgm:if name="Name67" func="var" arg="dir" op="equ" val="norm">
-              <dgm:shape xmlns:r="http://schemas.openxmlformats.org/officeDocument/2006/relationships" type="ellipse" r:blip="">
-                <dgm:adjLst/>
-              </dgm:shape>
-              <dgm:presOf axis="ch desOrSelf" ptType="node node" st="5 1" cnt="1 0"/>
-            </dgm:if>
-            <dgm:else name="Name68">
-              <dgm:shape xmlns:r="http://schemas.openxmlformats.org/officeDocument/2006/relationships" type="ellipse" r:blip="" zOrderOff="-8">
-                <dgm:adjLst/>
-              </dgm:shape>
-              <dgm:choose name="Name69">
-                <dgm:if name="Name70" axis="ch" ptType="node" func="cnt" op="equ" val="5">
-                  <dgm:presOf axis="ch desOrSelf" ptType="node node" st="1 1" cnt="1 0"/>
-                </dgm:if>
-                <dgm:if name="Name71" axis="ch" ptType="node" func="cnt" op="equ" val="6">
-                  <dgm:presOf axis="ch desOrSelf" ptType="node node" st="2 1" cnt="1 0"/>
-                </dgm:if>
-                <dgm:if name="Name72" axis="ch" ptType="node" func="cnt" op="gte" val="7">
-                  <dgm:presOf axis="ch desOrSelf" ptType="node node" st="3 1" cnt="1 0"/>
-                </dgm:if>
-                <dgm:else name="Name73"/>
-              </dgm:choose>
-            </dgm:else>
-          </dgm:choose>
-          <dgm:constrLst>
-            <dgm:constr type="lMarg" refType="primFontSz" fact="0.3"/>
-            <dgm:constr type="rMarg" refType="primFontSz" fact="0.3"/>
-            <dgm:constr type="tMarg" refType="primFontSz" fact="0.3"/>
-            <dgm:constr type="bMarg" refType="primFontSz" fact="0.3"/>
-          </dgm:constrLst>
-          <dgm:ruleLst>
-            <dgm:rule type="primFontSz" val="5" fact="NaN" max="NaN"/>
-          </dgm:ruleLst>
-        </dgm:layoutNode>
-      </dgm:if>
-      <dgm:else name="Name74"/>
-    </dgm:choose>
-    <dgm:choose name="Name75">
-      <dgm:if name="Name76" axis="ch" ptType="node" func="cnt" op="gte" val="6">
-        <dgm:layoutNode name="ellipse6" styleLbl="vennNode1">
-          <dgm:varLst>
-            <dgm:bulletEnabled val="1"/>
-          </dgm:varLst>
-          <dgm:alg type="tx"/>
-          <dgm:choose name="Name77">
-            <dgm:if name="Name78" func="var" arg="dir" op="equ" val="norm">
-              <dgm:shape xmlns:r="http://schemas.openxmlformats.org/officeDocument/2006/relationships" type="ellipse" r:blip="">
-                <dgm:adjLst/>
-              </dgm:shape>
-              <dgm:presOf axis="ch desOrSelf" ptType="node node" st="6 1" cnt="1 0"/>
-            </dgm:if>
-            <dgm:else name="Name79">
-              <dgm:shape xmlns:r="http://schemas.openxmlformats.org/officeDocument/2006/relationships" type="ellipse" r:blip="" zOrderOff="-10">
-                <dgm:adjLst/>
-              </dgm:shape>
-              <dgm:choose name="Name80">
-                <dgm:if name="Name81" axis="ch" ptType="node" func="cnt" op="equ" val="6">
-                  <dgm:presOf axis="ch desOrSelf" ptType="node node" st="1 1" cnt="1 0"/>
-                </dgm:if>
-                <dgm:if name="Name82" axis="ch" ptType="node" func="cnt" op="gte" val="7">
-                  <dgm:presOf axis="ch desOrSelf" ptType="node node" st="2 1" cnt="1 0"/>
-                </dgm:if>
-                <dgm:else name="Name83"/>
-              </dgm:choose>
-            </dgm:else>
-          </dgm:choose>
-          <dgm:constrLst>
-            <dgm:constr type="lMarg" refType="primFontSz" fact="0.3"/>
-            <dgm:constr type="rMarg" refType="primFontSz" fact="0.3"/>
-            <dgm:constr type="tMarg" refType="primFontSz" fact="0.3"/>
-            <dgm:constr type="bMarg" refType="primFontSz" fact="0.3"/>
-          </dgm:constrLst>
-          <dgm:ruleLst>
-            <dgm:rule type="primFontSz" val="5" fact="NaN" max="NaN"/>
-          </dgm:ruleLst>
-        </dgm:layoutNode>
-      </dgm:if>
-      <dgm:else name="Name84"/>
-    </dgm:choose>
-    <dgm:choose name="Name85">
-      <dgm:if name="Name86" axis="ch" ptType="node" func="cnt" op="gte" val="7">
-        <dgm:layoutNode name="ellipse7" styleLbl="vennNode1">
-          <dgm:varLst>
-            <dgm:bulletEnabled val="1"/>
-          </dgm:varLst>
-          <dgm:alg type="tx"/>
-          <dgm:choose name="Name87">
-            <dgm:if name="Name88" func="var" arg="dir" op="equ" val="norm">
-              <dgm:shape xmlns:r="http://schemas.openxmlformats.org/officeDocument/2006/relationships" type="ellipse" r:blip="">
-                <dgm:adjLst/>
-              </dgm:shape>
-              <dgm:presOf axis="ch desOrSelf" ptType="node node" st="7 1" cnt="1 0"/>
-            </dgm:if>
-            <dgm:else name="Name89">
-              <dgm:shape xmlns:r="http://schemas.openxmlformats.org/officeDocument/2006/relationships" type="ellipse" r:blip="" zOrderOff="-12">
-                <dgm:adjLst/>
-              </dgm:shape>
-              <dgm:presOf axis="ch desOrSelf" ptType="node node" st="1 1" cnt="1 0"/>
-            </dgm:else>
-          </dgm:choose>
-          <dgm:constrLst>
-            <dgm:constr type="lMarg" refType="primFontSz" fact="0.3"/>
-            <dgm:constr type="rMarg" refType="primFontSz" fact="0.3"/>
-            <dgm:constr type="tMarg" refType="primFontSz" fact="0.3"/>
-            <dgm:constr type="bMarg" refType="primFontSz" fact="0.3"/>
-          </dgm:constrLst>
-          <dgm:ruleLst>
-            <dgm:rule type="primFontSz" val="5" fact="NaN" max="NaN"/>
-          </dgm:ruleLst>
-        </dgm:layoutNode>
-      </dgm:if>
-      <dgm:else name="Name90"/>
-    </dgm:choose>
+        <dgm:ruleLst>
+          <dgm:rule type="primFontSz" val="5" fact="NaN" max="NaN"/>
+        </dgm:ruleLst>
+      </dgm:layoutNode>
+    </dgm:forEach>
   </dgm:layoutNode>
 </dgm:layoutDef>
 </file>
 
 <file path=ppt/diagrams/layout3.xml><?xml version="1.0" encoding="utf-8"?>
-<dgm:layoutDef xmlns:dgm="http://schemas.openxmlformats.org/drawingml/2006/diagram" xmlns:a="http://schemas.openxmlformats.org/drawingml/2006/main" uniqueId="urn:microsoft.com/office/officeart/2005/8/layout/rings+Icon">
-  <dgm:title val="Interconnected Rings"/>
-  <dgm:desc val="Use to show overlapping or interconnected ideas or concepts. The first seven lines of Level 1 text correspond with a circle. Unused text does not appear, but remains available if you switch layouts.  "/>
+<dgm:layoutDef xmlns:dgm="http://schemas.openxmlformats.org/drawingml/2006/diagram" xmlns:a="http://schemas.openxmlformats.org/drawingml/2006/main" uniqueId="urn:microsoft.com/office/officeart/2005/8/layout/venn1">
+  <dgm:title val=""/>
+  <dgm:desc val=""/>
   <dgm:catLst>
-    <dgm:cat type="relationship" pri="32000"/>
-    <dgm:cat type="officeonline" pri="6000"/>
+    <dgm:cat type="relationship" pri="28000"/>
+    <dgm:cat type="convert" pri="19000"/>
   </dgm:catLst>
   <dgm:sampData useDef="1">
     <dgm:dataModel>
@@ -12212,17 +12970,9 @@
       <dgm:whole/>
     </dgm:dataModel>
   </dgm:sampData>
-  <dgm:styleData>
+  <dgm:styleData useDef="1">
     <dgm:dataModel>
-      <dgm:ptLst>
-        <dgm:pt modelId="0" type="doc"/>
-        <dgm:pt modelId="10"/>
-        <dgm:pt modelId="20"/>
-      </dgm:ptLst>
-      <dgm:cxnLst>
-        <dgm:cxn modelId="30" srcId="0" destId="10" srcOrd="0" destOrd="0"/>
-        <dgm:cxn modelId="40" srcId="0" destId="20" srcOrd="1" destOrd="0"/>
-      </dgm:cxnLst>
+      <dgm:ptLst/>
       <dgm:bg/>
       <dgm:whole/>
     </dgm:dataModel>
@@ -12231,565 +12981,851 @@
     <dgm:dataModel>
       <dgm:ptLst>
         <dgm:pt modelId="0" type="doc"/>
-        <dgm:pt modelId="10"/>
-        <dgm:pt modelId="20"/>
-        <dgm:pt modelId="30"/>
-        <dgm:pt modelId="40"/>
+        <dgm:pt modelId="1"/>
+        <dgm:pt modelId="2"/>
+        <dgm:pt modelId="3"/>
+        <dgm:pt modelId="4"/>
       </dgm:ptLst>
       <dgm:cxnLst>
-        <dgm:cxn modelId="50" srcId="0" destId="10" srcOrd="0" destOrd="0"/>
-        <dgm:cxn modelId="60" srcId="0" destId="20" srcOrd="1" destOrd="0"/>
-        <dgm:cxn modelId="70" srcId="0" destId="30" srcOrd="2" destOrd="0"/>
-        <dgm:cxn modelId="80" srcId="0" destId="40" srcOrd="2" destOrd="0"/>
+        <dgm:cxn modelId="7" srcId="0" destId="1" srcOrd="0" destOrd="0"/>
+        <dgm:cxn modelId="8" srcId="0" destId="2" srcOrd="1" destOrd="0"/>
+        <dgm:cxn modelId="9" srcId="0" destId="3" srcOrd="2" destOrd="0"/>
+        <dgm:cxn modelId="10" srcId="0" destId="4" srcOrd="3" destOrd="0"/>
       </dgm:cxnLst>
       <dgm:bg/>
       <dgm:whole/>
     </dgm:dataModel>
   </dgm:clrData>
-  <dgm:layoutNode name="Name0">
+  <dgm:layoutNode name="compositeShape">
     <dgm:varLst>
       <dgm:chMax val="7"/>
       <dgm:dir/>
       <dgm:resizeHandles val="exact"/>
     </dgm:varLst>
-    <dgm:choose name="Name1">
-      <dgm:if name="Name2" axis="ch" ptType="node" func="cnt" op="lt" val="1">
-        <dgm:alg type="composite"/>
-        <dgm:shape xmlns:r="http://schemas.openxmlformats.org/officeDocument/2006/relationships" r:blip="">
+    <dgm:choose name="Name0">
+      <dgm:if name="Name1" axis="ch" ptType="node" func="cnt" op="equ" val="1">
+        <dgm:alg type="composite">
+          <dgm:param type="ar" val="1"/>
+        </dgm:alg>
+      </dgm:if>
+      <dgm:if name="Name2" axis="ch" ptType="node" func="cnt" op="equ" val="2">
+        <dgm:alg type="composite">
+          <dgm:param type="ar" val="1.792"/>
+        </dgm:alg>
+      </dgm:if>
+      <dgm:if name="Name3" axis="ch" ptType="node" func="cnt" op="equ" val="3">
+        <dgm:alg type="composite">
+          <dgm:param type="ar" val="1"/>
+        </dgm:alg>
+      </dgm:if>
+      <dgm:if name="Name4" axis="ch" ptType="node" func="cnt" op="equ" val="4">
+        <dgm:alg type="composite">
+          <dgm:param type="ar" val="1"/>
+        </dgm:alg>
+      </dgm:if>
+      <dgm:if name="Name5" axis="ch" ptType="node" func="cnt" op="equ" val="5">
+        <dgm:alg type="composite">
+          <dgm:param type="ar" val="1.4"/>
+        </dgm:alg>
+      </dgm:if>
+      <dgm:if name="Name6" axis="ch" ptType="node" func="cnt" op="equ" val="6">
+        <dgm:alg type="composite">
+          <dgm:param type="ar" val="1.285"/>
+        </dgm:alg>
+      </dgm:if>
+      <dgm:if name="Name7" axis="ch" ptType="node" func="cnt" op="equ" val="7">
+        <dgm:alg type="composite">
+          <dgm:param type="ar" val="1.359"/>
+        </dgm:alg>
+      </dgm:if>
+      <dgm:else name="Name8">
+        <dgm:alg type="composite">
+          <dgm:param type="ar" val="1.359"/>
+        </dgm:alg>
+      </dgm:else>
+    </dgm:choose>
+    <dgm:shape xmlns:r="http://schemas.openxmlformats.org/officeDocument/2006/relationships" r:blip="">
+      <dgm:adjLst/>
+    </dgm:shape>
+    <dgm:presOf/>
+    <dgm:choose name="Name9">
+      <dgm:if name="Name10" axis="ch" ptType="node" func="cnt" op="equ" val="1">
+        <dgm:constrLst>
+          <dgm:constr type="ctrX" for="ch" forName="circ1TxSh" refType="w" fact="0.5"/>
+          <dgm:constr type="ctrY" for="ch" forName="circ1TxSh" refType="h" fact="0.5"/>
+          <dgm:constr type="w" for="ch" forName="circ1TxSh" refType="w"/>
+          <dgm:constr type="h" for="ch" forName="circ1TxSh" refType="h"/>
+          <dgm:constr type="primFontSz" for="ch" ptType="node" op="equ"/>
+        </dgm:constrLst>
+      </dgm:if>
+      <dgm:if name="Name11" axis="ch" ptType="node" func="cnt" op="equ" val="2">
+        <dgm:constrLst>
+          <dgm:constr type="ctrX" for="ch" forName="circ1" refType="w" fact="0.3"/>
+          <dgm:constr type="ctrY" for="ch" forName="circ1" refType="h" fact="0.5"/>
+          <dgm:constr type="w" for="ch" forName="circ1" refType="w" fact="0.555"/>
+          <dgm:constr type="h" for="ch" forName="circ1" refType="h" fact="0.99456"/>
+          <dgm:constr type="l" for="ch" forName="circ1Tx" refType="w" fact="0.1"/>
+          <dgm:constr type="t" for="ch" forName="circ1Tx" refType="h" fact="0.12"/>
+          <dgm:constr type="w" for="ch" forName="circ1Tx" refType="w" fact="0.32"/>
+          <dgm:constr type="h" for="ch" forName="circ1Tx" refType="h" fact="0.76"/>
+          <dgm:constr type="ctrX" for="ch" forName="circ2" refType="w" fact="0.7"/>
+          <dgm:constr type="ctrY" for="ch" forName="circ2" refType="h" fact="0.5"/>
+          <dgm:constr type="w" for="ch" forName="circ2" refType="w" fact="0.555"/>
+          <dgm:constr type="h" for="ch" forName="circ2" refType="h" fact="0.99456"/>
+          <dgm:constr type="l" for="ch" forName="circ2Tx" refType="w" fact="0.58"/>
+          <dgm:constr type="t" for="ch" forName="circ2Tx" refType="h" fact="0.12"/>
+          <dgm:constr type="w" for="ch" forName="circ2Tx" refType="w" fact="0.32"/>
+          <dgm:constr type="h" for="ch" forName="circ2Tx" refType="h" fact="0.76"/>
+          <dgm:constr type="primFontSz" for="ch" ptType="node" op="equ"/>
+        </dgm:constrLst>
+      </dgm:if>
+      <dgm:if name="Name12" axis="ch" ptType="node" func="cnt" op="equ" val="3">
+        <dgm:constrLst>
+          <dgm:constr type="ctrX" for="ch" forName="circ1" refType="w" fact="0.5"/>
+          <dgm:constr type="ctrY" for="ch" forName="circ1" refType="w" fact="0.25"/>
+          <dgm:constr type="w" for="ch" forName="circ1" refType="w" fact="0.6"/>
+          <dgm:constr type="h" for="ch" forName="circ1" refType="h" fact="0.6"/>
+          <dgm:constr type="l" for="ch" forName="circ1Tx" refType="w" fact="0.28"/>
+          <dgm:constr type="t" for="ch" forName="circ1Tx" refType="h" fact="0.055"/>
+          <dgm:constr type="w" for="ch" forName="circ1Tx" refType="w" fact="0.44"/>
+          <dgm:constr type="h" for="ch" forName="circ1Tx" refType="h" fact="0.27"/>
+          <dgm:constr type="ctrX" for="ch" forName="circ2" refType="w" fact="0.7165"/>
+          <dgm:constr type="ctrY" for="ch" forName="circ2" refType="w" fact="0.625"/>
+          <dgm:constr type="w" for="ch" forName="circ2" refType="w" fact="0.6"/>
+          <dgm:constr type="h" for="ch" forName="circ2" refType="h" fact="0.6"/>
+          <dgm:constr type="l" for="ch" forName="circ2Tx" refType="w" fact="0.6"/>
+          <dgm:constr type="t" for="ch" forName="circ2Tx" refType="h" fact="0.48"/>
+          <dgm:constr type="w" for="ch" forName="circ2Tx" refType="w" fact="0.36"/>
+          <dgm:constr type="h" for="ch" forName="circ2Tx" refType="h" fact="0.33"/>
+          <dgm:constr type="ctrX" for="ch" forName="circ3" refType="w" fact="0.2835"/>
+          <dgm:constr type="ctrY" for="ch" forName="circ3" refType="w" fact="0.625"/>
+          <dgm:constr type="w" for="ch" forName="circ3" refType="w" fact="0.6"/>
+          <dgm:constr type="h" for="ch" forName="circ3" refType="h" fact="0.6"/>
+          <dgm:constr type="l" for="ch" forName="circ3Tx" refType="w" fact="0.04"/>
+          <dgm:constr type="t" for="ch" forName="circ3Tx" refType="h" fact="0.48"/>
+          <dgm:constr type="w" for="ch" forName="circ3Tx" refType="w" fact="0.36"/>
+          <dgm:constr type="h" for="ch" forName="circ3Tx" refType="h" fact="0.33"/>
+          <dgm:constr type="primFontSz" for="ch" ptType="node" op="equ"/>
+        </dgm:constrLst>
+      </dgm:if>
+      <dgm:if name="Name13" axis="ch" ptType="node" func="cnt" op="equ" val="4">
+        <dgm:constrLst>
+          <dgm:constr type="ctrX" for="ch" forName="circ1" refType="w" fact="0.5"/>
+          <dgm:constr type="ctrY" for="ch" forName="circ1" refType="w" fact="0.27"/>
+          <dgm:constr type="w" for="ch" forName="circ1" refType="w" fact="0.52"/>
+          <dgm:constr type="h" for="ch" forName="circ1" refType="h" fact="0.52"/>
+          <dgm:constr type="l" for="ch" forName="circ1Tx" refType="w" fact="0.3"/>
+          <dgm:constr type="t" for="ch" forName="circ1Tx" refType="h" fact="0.08"/>
+          <dgm:constr type="w" for="ch" forName="circ1Tx" refType="w" fact="0.4"/>
+          <dgm:constr type="h" for="ch" forName="circ1Tx" refType="h" fact="0.165"/>
+          <dgm:constr type="ctrX" for="ch" forName="circ2" refType="w" fact="0.73"/>
+          <dgm:constr type="ctrY" for="ch" forName="circ2" refType="w" fact="0.5"/>
+          <dgm:constr type="w" for="ch" forName="circ2" refType="w" fact="0.52"/>
+          <dgm:constr type="h" for="ch" forName="circ2" refType="h" fact="0.52"/>
+          <dgm:constr type="r" for="ch" forName="circ2Tx" refType="w" fact="0.95"/>
+          <dgm:constr type="t" for="ch" forName="circ2Tx" refType="h" fact="0.3"/>
+          <dgm:constr type="w" for="ch" forName="circ2Tx" refType="w" fact="0.2"/>
+          <dgm:constr type="h" for="ch" forName="circ2Tx" refType="h" fact="0.4"/>
+          <dgm:constr type="ctrX" for="ch" forName="circ3" refType="w" fact="0.5"/>
+          <dgm:constr type="ctrY" for="ch" forName="circ3" refType="w" fact="0.73"/>
+          <dgm:constr type="w" for="ch" forName="circ3" refType="w" fact="0.52"/>
+          <dgm:constr type="h" for="ch" forName="circ3" refType="h" fact="0.52"/>
+          <dgm:constr type="l" for="ch" forName="circ3Tx" refType="w" fact="0.3"/>
+          <dgm:constr type="b" for="ch" forName="circ3Tx" refType="h" fact="0.92"/>
+          <dgm:constr type="w" for="ch" forName="circ3Tx" refType="w" fact="0.4"/>
+          <dgm:constr type="h" for="ch" forName="circ3Tx" refType="h" fact="0.165"/>
+          <dgm:constr type="ctrX" for="ch" forName="circ4" refType="w" fact="0.27"/>
+          <dgm:constr type="ctrY" for="ch" forName="circ4" refType="h" fact="0.5"/>
+          <dgm:constr type="w" for="ch" forName="circ4" refType="w" fact="0.52"/>
+          <dgm:constr type="h" for="ch" forName="circ4" refType="h" fact="0.52"/>
+          <dgm:constr type="l" for="ch" forName="circ4Tx" refType="w" fact="0.05"/>
+          <dgm:constr type="t" for="ch" forName="circ4Tx" refType="h" fact="0.3"/>
+          <dgm:constr type="w" for="ch" forName="circ4Tx" refType="w" fact="0.2"/>
+          <dgm:constr type="h" for="ch" forName="circ4Tx" refType="h" fact="0.4"/>
+          <dgm:constr type="primFontSz" for="ch" ptType="node" op="equ"/>
+        </dgm:constrLst>
+      </dgm:if>
+      <dgm:if name="Name14" axis="ch" ptType="node" func="cnt" op="equ" val="5">
+        <dgm:constrLst>
+          <dgm:constr type="ctrX" for="ch" forName="circ1" refType="w" fact="0.5"/>
+          <dgm:constr type="ctrY" for="ch" forName="circ1" refType="h" fact="0.46"/>
+          <dgm:constr type="w" for="ch" forName="circ1" refType="w" fact="0.25"/>
+          <dgm:constr type="h" for="ch" forName="circ1" refType="h" fact="0.35"/>
+          <dgm:constr type="l" for="ch" forName="circ1Tx" refType="w" fact="0.355"/>
+          <dgm:constr type="t" for="ch" forName="circ1Tx"/>
+          <dgm:constr type="w" for="ch" forName="circ1Tx" refType="w" fact="0.29"/>
+          <dgm:constr type="h" for="ch" forName="circ1Tx" refType="h" fact="0.235"/>
+          <dgm:constr type="ctrX" for="ch" forName="circ2" refType="w" fact="0.5951"/>
+          <dgm:constr type="ctrY" for="ch" forName="circ2" refType="h" fact="0.5567"/>
+          <dgm:constr type="w" for="ch" forName="circ2" refType="w" fact="0.25"/>
+          <dgm:constr type="h" for="ch" forName="circ2" refType="h" fact="0.35"/>
+          <dgm:constr type="l" for="ch" forName="circ2Tx" refType="w" fact="0.74"/>
+          <dgm:constr type="t" for="ch" forName="circ2Tx" refType="h" fact="0.31"/>
+          <dgm:constr type="w" for="ch" forName="circ2Tx" refType="w" fact="0.26"/>
+          <dgm:constr type="h" for="ch" forName="circ2Tx" refType="h" fact="0.255"/>
+          <dgm:constr type="ctrX" for="ch" forName="circ3" refType="w" fact="0.5588"/>
+          <dgm:constr type="ctrY" for="ch" forName="circ3" refType="h" fact="0.7133"/>
+          <dgm:constr type="w" for="ch" forName="circ3" refType="w" fact="0.25"/>
+          <dgm:constr type="h" for="ch" forName="circ3" refType="h" fact="0.35"/>
+          <dgm:constr type="l" for="ch" forName="circ3Tx" refType="w" fact="0.7"/>
+          <dgm:constr type="t" for="ch" forName="circ3Tx" refType="h" fact="0.745"/>
+          <dgm:constr type="w" for="ch" forName="circ3Tx" refType="w" fact="0.26"/>
+          <dgm:constr type="h" for="ch" forName="circ3Tx" refType="h" fact="0.255"/>
+          <dgm:constr type="ctrX" for="ch" forName="circ4" refType="w" fact="0.4412"/>
+          <dgm:constr type="ctrY" for="ch" forName="circ4" refType="h" fact="0.7133"/>
+          <dgm:constr type="w" for="ch" forName="circ4" refType="w" fact="0.25"/>
+          <dgm:constr type="h" for="ch" forName="circ4" refType="h" fact="0.35"/>
+          <dgm:constr type="l" for="ch" forName="circ4Tx" refType="w" fact="0.04"/>
+          <dgm:constr type="t" for="ch" forName="circ4Tx" refType="h" fact="0.745"/>
+          <dgm:constr type="w" for="ch" forName="circ4Tx" refType="w" fact="0.26"/>
+          <dgm:constr type="h" for="ch" forName="circ4Tx" refType="h" fact="0.255"/>
+          <dgm:constr type="ctrX" for="ch" forName="circ5" refType="w" fact="0.4049"/>
+          <dgm:constr type="ctrY" for="ch" forName="circ5" refType="h" fact="0.5567"/>
+          <dgm:constr type="w" for="ch" forName="circ5" refType="w" fact="0.25"/>
+          <dgm:constr type="h" for="ch" forName="circ5" refType="h" fact="0.35"/>
+          <dgm:constr type="l" for="ch" forName="circ5Tx"/>
+          <dgm:constr type="t" for="ch" forName="circ5Tx" refType="h" fact="0.31"/>
+          <dgm:constr type="w" for="ch" forName="circ5Tx" refType="w" fact="0.26"/>
+          <dgm:constr type="h" for="ch" forName="circ5Tx" refType="h" fact="0.255"/>
+          <dgm:constr type="primFontSz" for="ch" ptType="node" op="equ"/>
+        </dgm:constrLst>
+      </dgm:if>
+      <dgm:if name="Name15" axis="ch" ptType="node" func="cnt" op="equ" val="6">
+        <dgm:constrLst>
+          <dgm:constr type="ctrX" for="ch" forName="circ1" refType="w" fact="0.5"/>
+          <dgm:constr type="ctrY" for="ch" forName="circ1" refType="h" fact="0.3844"/>
+          <dgm:constr type="w" for="ch" forName="circ1" refType="w" fact="0.24"/>
+          <dgm:constr type="h" for="ch" forName="circ1" refType="h" fact="0.3084"/>
+          <dgm:constr type="l" for="ch" forName="circ1Tx" refType="w" fact="0.35"/>
+          <dgm:constr type="t" for="ch" forName="circ1Tx"/>
+          <dgm:constr type="w" for="ch" forName="circ1Tx" refType="w" fact="0.3"/>
+          <dgm:constr type="h" for="ch" forName="circ1Tx" refType="h" fact="0.21"/>
+          <dgm:constr type="ctrX" for="ch" forName="circ2" refType="w" fact="0.5779"/>
+          <dgm:constr type="ctrY" for="ch" forName="circ2" refType="h" fact="0.4422"/>
+          <dgm:constr type="w" for="ch" forName="circ2" refType="w" fact="0.24"/>
+          <dgm:constr type="h" for="ch" forName="circ2" refType="h" fact="0.3084"/>
+          <dgm:constr type="l" for="ch" forName="circ2Tx" refType="w" fact="0.7157"/>
+          <dgm:constr type="t" for="ch" forName="circ2Tx" refType="h" fact="0.2"/>
+          <dgm:constr type="w" for="ch" forName="circ2Tx" refType="w" fact="0.2843"/>
+          <dgm:constr type="h" for="ch" forName="circ2Tx" refType="h" fact="0.23"/>
+          <dgm:constr type="ctrX" for="ch" forName="circ3" refType="w" fact="0.5779"/>
+          <dgm:constr type="ctrY" for="ch" forName="circ3" refType="h" fact="0.5578"/>
+          <dgm:constr type="w" for="ch" forName="circ3" refType="w" fact="0.24"/>
+          <dgm:constr type="h" for="ch" forName="circ3" refType="h" fact="0.3084"/>
+          <dgm:constr type="l" for="ch" forName="circ3Tx" refType="w" fact="0.7157"/>
+          <dgm:constr type="t" for="ch" forName="circ3Tx" refType="h" fact="0.543"/>
+          <dgm:constr type="w" for="ch" forName="circ3Tx" refType="w" fact="0.2843"/>
+          <dgm:constr type="h" for="ch" forName="circ3Tx" refType="h" fact="0.257"/>
+          <dgm:constr type="ctrX" for="ch" forName="circ4" refType="w" fact="0.5"/>
+          <dgm:constr type="ctrY" for="ch" forName="circ4" refType="h" fact="0.6157"/>
+          <dgm:constr type="w" for="ch" forName="circ4" refType="w" fact="0.24"/>
+          <dgm:constr type="h" for="ch" forName="circ4" refType="h" fact="0.3084"/>
+          <dgm:constr type="l" for="ch" forName="circ4Tx" refType="w" fact="0.35"/>
+          <dgm:constr type="t" for="ch" forName="circ4Tx" refType="h" fact="0.79"/>
+          <dgm:constr type="w" for="ch" forName="circ4Tx" refType="w" fact="0.3"/>
+          <dgm:constr type="h" for="ch" forName="circ4Tx" refType="h" fact="0.21"/>
+          <dgm:constr type="ctrX" for="ch" forName="circ5" refType="w" fact="0.4221"/>
+          <dgm:constr type="ctrY" for="ch" forName="circ5" refType="h" fact="0.5578"/>
+          <dgm:constr type="w" for="ch" forName="circ5" refType="w" fact="0.24"/>
+          <dgm:constr type="h" for="ch" forName="circ5" refType="h" fact="0.3084"/>
+          <dgm:constr type="l" for="ch" forName="circ5Tx" refType="w" fact="0"/>
+          <dgm:constr type="t" for="ch" forName="circ5Tx" refType="h" fact="0.543"/>
+          <dgm:constr type="w" for="ch" forName="circ5Tx" refType="w" fact="0.2843"/>
+          <dgm:constr type="h" for="ch" forName="circ5Tx" refType="h" fact="0.257"/>
+          <dgm:constr type="ctrX" for="ch" forName="circ6" refType="w" fact="0.4221"/>
+          <dgm:constr type="ctrY" for="ch" forName="circ6" refType="h" fact="0.4422"/>
+          <dgm:constr type="w" for="ch" forName="circ6" refType="w" fact="0.24"/>
+          <dgm:constr type="h" for="ch" forName="circ6" refType="h" fact="0.3084"/>
+          <dgm:constr type="l" for="ch" forName="circ6Tx" refType="w" fact="0"/>
+          <dgm:constr type="t" for="ch" forName="circ6Tx" refType="h" fact="0.2"/>
+          <dgm:constr type="w" for="ch" forName="circ6Tx" refType="w" fact="0.2843"/>
+          <dgm:constr type="h" for="ch" forName="circ6Tx" refType="h" fact="0.257"/>
+          <dgm:constr type="primFontSz" for="ch" ptType="node" op="equ"/>
+        </dgm:constrLst>
+      </dgm:if>
+      <dgm:else name="Name16">
+        <dgm:constrLst>
+          <dgm:constr type="ctrX" for="ch" forName="circ1" refType="w" fact="0.5"/>
+          <dgm:constr type="ctrY" for="ch" forName="circ1" refType="h" fact="0.4177"/>
+          <dgm:constr type="w" for="ch" forName="circ1" refType="w" fact="0.24"/>
+          <dgm:constr type="h" for="ch" forName="circ1" refType="h" fact="0.3262"/>
+          <dgm:constr type="l" for="ch" forName="circ1Tx" refType="w" fact="0.3625"/>
+          <dgm:constr type="t" for="ch" forName="circ1Tx"/>
+          <dgm:constr type="w" for="ch" forName="circ1Tx" refType="w" fact="0.275"/>
+          <dgm:constr type="h" for="ch" forName="circ1Tx" refType="h" fact="0.2"/>
+          <dgm:constr type="ctrX" for="ch" forName="circ2" refType="w" fact="0.5704"/>
+          <dgm:constr type="ctrY" for="ch" forName="circ2" refType="h" fact="0.4637"/>
+          <dgm:constr type="w" for="ch" forName="circ2" refType="w" fact="0.24"/>
+          <dgm:constr type="h" for="ch" forName="circ2" refType="h" fact="0.3262"/>
+          <dgm:constr type="l" for="ch" forName="circ2Tx" refType="w" fact="0.72"/>
+          <dgm:constr type="t" for="ch" forName="circ2Tx" refType="h" fact="0.19"/>
+          <dgm:constr type="w" for="ch" forName="circ2Tx" refType="w" fact="0.26"/>
+          <dgm:constr type="h" for="ch" forName="circ2Tx" refType="h" fact="0.22"/>
+          <dgm:constr type="ctrX" for="ch" forName="circ3" refType="w" fact="0.5877"/>
+          <dgm:constr type="ctrY" for="ch" forName="circ3" refType="h" fact="0.5672"/>
+          <dgm:constr type="w" for="ch" forName="circ3" refType="w" fact="0.24"/>
+          <dgm:constr type="h" for="ch" forName="circ3" refType="h" fact="0.3262"/>
+          <dgm:constr type="l" for="ch" forName="circ3Tx" refType="w" fact="0.745"/>
+          <dgm:constr type="t" for="ch" forName="circ3Tx" refType="h" fact="0.47"/>
+          <dgm:constr type="w" for="ch" forName="circ3Tx" refType="w" fact="0.255"/>
+          <dgm:constr type="h" for="ch" forName="circ3Tx" refType="h" fact="0.235"/>
+          <dgm:constr type="ctrX" for="ch" forName="circ4" refType="w" fact="0.539"/>
+          <dgm:constr type="ctrY" for="ch" forName="circ4" refType="h" fact="0.6502"/>
+          <dgm:constr type="w" for="ch" forName="circ4" refType="w" fact="0.24"/>
+          <dgm:constr type="h" for="ch" forName="circ4" refType="h" fact="0.3262"/>
+          <dgm:constr type="l" for="ch" forName="circ4Tx" refType="w" fact="0.635"/>
+          <dgm:constr type="t" for="ch" forName="circ4Tx" refType="h" fact="0.785"/>
+          <dgm:constr type="w" for="ch" forName="circ4Tx" refType="w" fact="0.275"/>
+          <dgm:constr type="h" for="ch" forName="circ4Tx" refType="h" fact="0.215"/>
+          <dgm:constr type="ctrX" for="ch" forName="circ5" refType="w" fact="0.461"/>
+          <dgm:constr type="ctrY" for="ch" forName="circ5" refType="h" fact="0.6502"/>
+          <dgm:constr type="w" for="ch" forName="circ5" refType="w" fact="0.24"/>
+          <dgm:constr type="h" for="ch" forName="circ5" refType="h" fact="0.3262"/>
+          <dgm:constr type="l" for="ch" forName="circ5Tx" refType="w" fact="0.09"/>
+          <dgm:constr type="t" for="ch" forName="circ5Tx" refType="h" fact="0.785"/>
+          <dgm:constr type="w" for="ch" forName="circ5Tx" refType="w" fact="0.275"/>
+          <dgm:constr type="h" for="ch" forName="circ5Tx" refType="h" fact="0.215"/>
+          <dgm:constr type="ctrX" for="ch" forName="circ6" refType="w" fact="0.4123"/>
+          <dgm:constr type="ctrY" for="ch" forName="circ6" refType="h" fact="0.5672"/>
+          <dgm:constr type="w" for="ch" forName="circ6" refType="w" fact="0.24"/>
+          <dgm:constr type="h" for="ch" forName="circ6" refType="h" fact="0.3262"/>
+          <dgm:constr type="l" for="ch" forName="circ6Tx"/>
+          <dgm:constr type="t" for="ch" forName="circ6Tx" refType="h" fact="0.47"/>
+          <dgm:constr type="w" for="ch" forName="circ6Tx" refType="w" fact="0.255"/>
+          <dgm:constr type="h" for="ch" forName="circ6Tx" refType="h" fact="0.235"/>
+          <dgm:constr type="ctrX" for="ch" forName="circ7" refType="w" fact="0.4296"/>
+          <dgm:constr type="ctrY" for="ch" forName="circ7" refType="h" fact="0.4637"/>
+          <dgm:constr type="w" for="ch" forName="circ7" refType="w" fact="0.24"/>
+          <dgm:constr type="h" for="ch" forName="circ7" refType="h" fact="0.3262"/>
+          <dgm:constr type="l" for="ch" forName="circ7Tx" refType="w" fact="0.02"/>
+          <dgm:constr type="t" for="ch" forName="circ7Tx" refType="h" fact="0.19"/>
+          <dgm:constr type="w" for="ch" forName="circ7Tx" refType="w" fact="0.26"/>
+          <dgm:constr type="h" for="ch" forName="circ7Tx" refType="h" fact="0.22"/>
+          <dgm:constr type="primFontSz" for="ch" ptType="node" op="equ"/>
+        </dgm:constrLst>
+      </dgm:else>
+    </dgm:choose>
+    <dgm:ruleLst/>
+    <dgm:forEach name="Name17" axis="ch" ptType="node" cnt="1">
+      <dgm:choose name="Name18">
+        <dgm:if name="Name19" axis="root ch" ptType="all node" func="cnt" op="equ" val="1">
+          <dgm:layoutNode name="circ1TxSh" styleLbl="vennNode1">
+            <dgm:alg type="tx">
+              <dgm:param type="txAnchorHorzCh" val="ctr"/>
+              <dgm:param type="txAnchorVertCh" val="mid"/>
+            </dgm:alg>
+            <dgm:shape xmlns:r="http://schemas.openxmlformats.org/officeDocument/2006/relationships" type="ellipse" r:blip="">
+              <dgm:adjLst/>
+            </dgm:shape>
+            <dgm:choose name="Name20">
+              <dgm:if name="Name21" func="var" arg="dir" op="equ" val="norm">
+                <dgm:choose name="Name22">
+                  <dgm:if name="Name23" axis="root ch" ptType="all node" func="cnt" op="lte" val="4">
+                    <dgm:presOf axis="desOrSelf" ptType="node"/>
+                  </dgm:if>
+                  <dgm:else name="Name24">
+                    <dgm:presOf/>
+                  </dgm:else>
+                </dgm:choose>
+              </dgm:if>
+              <dgm:else name="Name25">
+                <dgm:choose name="Name26">
+                  <dgm:if name="Name27" axis="root ch" ptType="all node" func="cnt" op="equ" val="2">
+                    <dgm:presOf axis="root ch desOrSelf" ptType="all node node" st="1 2 1" cnt="1 1 0"/>
+                  </dgm:if>
+                  <dgm:else name="Name28">
+                    <dgm:presOf axis="desOrSelf" ptType="node"/>
+                  </dgm:else>
+                </dgm:choose>
+              </dgm:else>
+            </dgm:choose>
+            <dgm:constrLst>
+              <dgm:constr type="tMarg"/>
+              <dgm:constr type="bMarg"/>
+              <dgm:constr type="lMarg"/>
+              <dgm:constr type="rMarg"/>
+              <dgm:constr type="primFontSz" val="65"/>
+            </dgm:constrLst>
+            <dgm:ruleLst>
+              <dgm:rule type="primFontSz" val="5" fact="NaN" max="NaN"/>
+            </dgm:ruleLst>
+          </dgm:layoutNode>
+        </dgm:if>
+        <dgm:else name="Name29">
+          <dgm:layoutNode name="circ1" styleLbl="vennNode1">
+            <dgm:alg type="sp"/>
+            <dgm:shape xmlns:r="http://schemas.openxmlformats.org/officeDocument/2006/relationships" type="ellipse" r:blip="">
+              <dgm:adjLst/>
+            </dgm:shape>
+            <dgm:choose name="Name30">
+              <dgm:if name="Name31" func="var" arg="dir" op="equ" val="norm">
+                <dgm:choose name="Name32">
+                  <dgm:if name="Name33" axis="root ch" ptType="all node" func="cnt" op="lte" val="4">
+                    <dgm:presOf axis="desOrSelf" ptType="node"/>
+                  </dgm:if>
+                  <dgm:else name="Name34">
+                    <dgm:presOf/>
+                  </dgm:else>
+                </dgm:choose>
+              </dgm:if>
+              <dgm:else name="Name35">
+                <dgm:choose name="Name36">
+                  <dgm:if name="Name37" axis="root ch" ptType="all node" func="cnt" op="equ" val="2">
+                    <dgm:presOf axis="root ch desOrSelf" ptType="all node node" st="1 2 1" cnt="1 1 0"/>
+                  </dgm:if>
+                  <dgm:else name="Name38">
+                    <dgm:choose name="Name39">
+                      <dgm:if name="Name40" axis="root ch" ptType="all node" func="cnt" op="lte" val="4">
+                        <dgm:presOf axis="desOrSelf" ptType="node"/>
+                      </dgm:if>
+                      <dgm:else name="Name41">
+                        <dgm:presOf/>
+                      </dgm:else>
+                    </dgm:choose>
+                  </dgm:else>
+                </dgm:choose>
+              </dgm:else>
+            </dgm:choose>
+            <dgm:constrLst/>
+            <dgm:ruleLst/>
+          </dgm:layoutNode>
+          <dgm:layoutNode name="circ1Tx" styleLbl="revTx">
+            <dgm:varLst>
+              <dgm:chMax val="0"/>
+              <dgm:chPref val="0"/>
+              <dgm:bulletEnabled val="1"/>
+            </dgm:varLst>
+            <dgm:alg type="tx">
+              <dgm:param type="txAnchorHorzCh" val="ctr"/>
+              <dgm:param type="txAnchorVertCh" val="mid"/>
+            </dgm:alg>
+            <dgm:shape xmlns:r="http://schemas.openxmlformats.org/officeDocument/2006/relationships" type="rect" r:blip="" hideGeom="1">
+              <dgm:adjLst/>
+            </dgm:shape>
+            <dgm:choose name="Name42">
+              <dgm:if name="Name43" func="var" arg="dir" op="equ" val="norm">
+                <dgm:presOf axis="desOrSelf" ptType="node"/>
+              </dgm:if>
+              <dgm:else name="Name44">
+                <dgm:choose name="Name45">
+                  <dgm:if name="Name46" axis="root ch" ptType="all node" func="cnt" op="equ" val="2">
+                    <dgm:presOf axis="root ch desOrSelf" ptType="all node node" st="1 2 1" cnt="1 1 0"/>
+                  </dgm:if>
+                  <dgm:else name="Name47">
+                    <dgm:presOf axis="desOrSelf" ptType="node"/>
+                  </dgm:else>
+                </dgm:choose>
+              </dgm:else>
+            </dgm:choose>
+            <dgm:constrLst>
+              <dgm:constr type="tMarg"/>
+              <dgm:constr type="bMarg"/>
+              <dgm:constr type="lMarg"/>
+              <dgm:constr type="rMarg"/>
+              <dgm:constr type="primFontSz" val="65"/>
+            </dgm:constrLst>
+            <dgm:ruleLst>
+              <dgm:rule type="primFontSz" val="5" fact="NaN" max="NaN"/>
+            </dgm:ruleLst>
+          </dgm:layoutNode>
+        </dgm:else>
+      </dgm:choose>
+    </dgm:forEach>
+    <dgm:forEach name="Name48" axis="ch" ptType="node" st="2" cnt="1">
+      <dgm:layoutNode name="circ2" styleLbl="vennNode1">
+        <dgm:alg type="sp"/>
+        <dgm:shape xmlns:r="http://schemas.openxmlformats.org/officeDocument/2006/relationships" type="ellipse" r:blip="">
+          <dgm:adjLst/>
+        </dgm:shape>
+        <dgm:choose name="Name49">
+          <dgm:if name="Name50" func="var" arg="dir" op="equ" val="norm">
+            <dgm:choose name="Name51">
+              <dgm:if name="Name52" axis="root ch" ptType="all node" func="cnt" op="lte" val="4">
+                <dgm:presOf axis="desOrSelf" ptType="node"/>
+              </dgm:if>
+              <dgm:else name="Name53">
+                <dgm:presOf/>
+              </dgm:else>
+            </dgm:choose>
+          </dgm:if>
+          <dgm:else name="Name54">
+            <dgm:choose name="Name55">
+              <dgm:if name="Name56" axis="root ch" ptType="all node" func="cnt" op="equ" val="2">
+                <dgm:presOf axis="root ch desOrSelf" ptType="all node node" st="1 1 1" cnt="1 1 0"/>
+              </dgm:if>
+              <dgm:if name="Name57" axis="root ch" ptType="all node" func="cnt" op="equ" val="3">
+                <dgm:presOf axis="root ch desOrSelf" ptType="all node node" st="1 3 1" cnt="1 1 0"/>
+              </dgm:if>
+              <dgm:if name="Name58" axis="root ch" ptType="all node" func="cnt" op="equ" val="4">
+                <dgm:presOf axis="root ch desOrSelf" ptType="all node node" st="1 4 1" cnt="1 1 0"/>
+              </dgm:if>
+              <dgm:else name="Name59">
+                <dgm:presOf/>
+              </dgm:else>
+            </dgm:choose>
+          </dgm:else>
+        </dgm:choose>
+        <dgm:constrLst/>
+        <dgm:ruleLst/>
+      </dgm:layoutNode>
+      <dgm:layoutNode name="circ2Tx" styleLbl="revTx">
+        <dgm:varLst>
+          <dgm:chMax val="0"/>
+          <dgm:chPref val="0"/>
+          <dgm:bulletEnabled val="1"/>
+        </dgm:varLst>
+        <dgm:alg type="tx">
+          <dgm:param type="txAnchorHorzCh" val="ctr"/>
+          <dgm:param type="txAnchorVertCh" val="mid"/>
+        </dgm:alg>
+        <dgm:shape xmlns:r="http://schemas.openxmlformats.org/officeDocument/2006/relationships" type="rect" r:blip="" hideGeom="1">
+          <dgm:adjLst/>
+        </dgm:shape>
+        <dgm:choose name="Name60">
+          <dgm:if name="Name61" func="var" arg="dir" op="equ" val="norm">
+            <dgm:presOf axis="desOrSelf" ptType="node"/>
+          </dgm:if>
+          <dgm:else name="Name62">
+            <dgm:choose name="Name63">
+              <dgm:if name="Name64" axis="root ch" ptType="all node" func="cnt" op="equ" val="2">
+                <dgm:presOf axis="root ch desOrSelf" ptType="all node node" st="1 1 1" cnt="1 1 0"/>
+              </dgm:if>
+              <dgm:if name="Name65" axis="root ch" ptType="all node" func="cnt" op="equ" val="3">
+                <dgm:presOf axis="root ch desOrSelf" ptType="all node node" st="1 3 1" cnt="1 1 0"/>
+              </dgm:if>
+              <dgm:if name="Name66" axis="root ch" ptType="all node" func="cnt" op="equ" val="4">
+                <dgm:presOf axis="root ch desOrSelf" ptType="all node node" st="1 4 1" cnt="1 1 0"/>
+              </dgm:if>
+              <dgm:if name="Name67" axis="root ch" ptType="all node" func="cnt" op="equ" val="5">
+                <dgm:presOf axis="root ch desOrSelf" ptType="all node node" st="1 5 1" cnt="1 1 0"/>
+              </dgm:if>
+              <dgm:if name="Name68" axis="root ch" ptType="all node" func="cnt" op="equ" val="6">
+                <dgm:presOf axis="root ch desOrSelf" ptType="all node node" st="1 6 1" cnt="1 1 0"/>
+              </dgm:if>
+              <dgm:else name="Name69">
+                <dgm:presOf axis="root ch desOrSelf" ptType="all node node" st="1 7 1" cnt="1 1 0"/>
+              </dgm:else>
+            </dgm:choose>
+          </dgm:else>
+        </dgm:choose>
+        <dgm:constrLst>
+          <dgm:constr type="tMarg"/>
+          <dgm:constr type="bMarg"/>
+          <dgm:constr type="lMarg"/>
+          <dgm:constr type="rMarg"/>
+          <dgm:constr type="primFontSz" val="65"/>
+        </dgm:constrLst>
+        <dgm:ruleLst>
+          <dgm:rule type="primFontSz" val="5" fact="NaN" max="NaN"/>
+        </dgm:ruleLst>
+      </dgm:layoutNode>
+    </dgm:forEach>
+    <dgm:forEach name="Name70" axis="ch" ptType="node" st="3" cnt="1">
+      <dgm:layoutNode name="circ3" styleLbl="vennNode1">
+        <dgm:alg type="sp"/>
+        <dgm:shape xmlns:r="http://schemas.openxmlformats.org/officeDocument/2006/relationships" type="ellipse" r:blip="">
+          <dgm:adjLst/>
+        </dgm:shape>
+        <dgm:choose name="Name71">
+          <dgm:if name="Name72" func="var" arg="dir" op="equ" val="norm">
+            <dgm:choose name="Name73">
+              <dgm:if name="Name74" axis="root ch" ptType="all node" func="cnt" op="lte" val="4">
+                <dgm:presOf axis="desOrSelf" ptType="node"/>
+              </dgm:if>
+              <dgm:else name="Name75">
+                <dgm:presOf/>
+              </dgm:else>
+            </dgm:choose>
+          </dgm:if>
+          <dgm:else name="Name76">
+            <dgm:choose name="Name77">
+              <dgm:if name="Name78" axis="root ch" ptType="all node" func="cnt" op="equ" val="3">
+                <dgm:presOf axis="root ch desOrSelf" ptType="all node node" st="1 2 1" cnt="1 1 0"/>
+              </dgm:if>
+              <dgm:if name="Name79" axis="root ch" ptType="all node" func="cnt" op="equ" val="4">
+                <dgm:presOf axis="root ch desOrSelf" ptType="all node node" st="1 3 1" cnt="1 1 0"/>
+              </dgm:if>
+              <dgm:else name="Name80">
+                <dgm:presOf/>
+              </dgm:else>
+            </dgm:choose>
+          </dgm:else>
+        </dgm:choose>
+        <dgm:constrLst/>
+        <dgm:ruleLst/>
+      </dgm:layoutNode>
+      <dgm:layoutNode name="circ3Tx" styleLbl="revTx">
+        <dgm:varLst>
+          <dgm:chMax val="0"/>
+          <dgm:chPref val="0"/>
+          <dgm:bulletEnabled val="1"/>
+        </dgm:varLst>
+        <dgm:alg type="tx">
+          <dgm:param type="txAnchorHorzCh" val="ctr"/>
+          <dgm:param type="txAnchorVertCh" val="mid"/>
+        </dgm:alg>
+        <dgm:shape xmlns:r="http://schemas.openxmlformats.org/officeDocument/2006/relationships" type="rect" r:blip="" hideGeom="1">
+          <dgm:adjLst/>
+        </dgm:shape>
+        <dgm:choose name="Name81">
+          <dgm:if name="Name82" func="var" arg="dir" op="equ" val="norm">
+            <dgm:presOf axis="desOrSelf" ptType="node"/>
+          </dgm:if>
+          <dgm:else name="Name83">
+            <dgm:choose name="Name84">
+              <dgm:if name="Name85" axis="root ch" ptType="all node" func="cnt" op="equ" val="3">
+                <dgm:presOf axis="root ch desOrSelf" ptType="all node node" st="1 2 1" cnt="1 1 0"/>
+              </dgm:if>
+              <dgm:if name="Name86" axis="root ch" ptType="all node" func="cnt" op="equ" val="4">
+                <dgm:presOf axis="root ch desOrSelf" ptType="all node node" st="1 3 1" cnt="1 1 0"/>
+              </dgm:if>
+              <dgm:if name="Name87" axis="root ch" ptType="all node" func="cnt" op="equ" val="5">
+                <dgm:presOf axis="root ch desOrSelf" ptType="all node node" st="1 4 1" cnt="1 1 0"/>
+              </dgm:if>
+              <dgm:if name="Name88" axis="root ch" ptType="all node" func="cnt" op="equ" val="6">
+                <dgm:presOf axis="root ch desOrSelf" ptType="all node node" st="1 5 1" cnt="1 1 0"/>
+              </dgm:if>
+              <dgm:else name="Name89">
+                <dgm:presOf axis="root ch desOrSelf" ptType="all node node" st="1 6 1" cnt="1 1 0"/>
+              </dgm:else>
+            </dgm:choose>
+          </dgm:else>
+        </dgm:choose>
+        <dgm:constrLst>
+          <dgm:constr type="tMarg"/>
+          <dgm:constr type="bMarg"/>
+          <dgm:constr type="lMarg"/>
+          <dgm:constr type="rMarg"/>
+          <dgm:constr type="primFontSz" val="65"/>
+        </dgm:constrLst>
+        <dgm:ruleLst>
+          <dgm:rule type="primFontSz" val="5" fact="NaN" max="NaN"/>
+        </dgm:ruleLst>
+      </dgm:layoutNode>
+    </dgm:forEach>
+    <dgm:forEach name="Name90" axis="ch" ptType="node" st="4" cnt="1">
+      <dgm:layoutNode name="circ4" styleLbl="vennNode1">
+        <dgm:alg type="sp"/>
+        <dgm:shape xmlns:r="http://schemas.openxmlformats.org/officeDocument/2006/relationships" type="ellipse" r:blip="">
+          <dgm:adjLst/>
+        </dgm:shape>
+        <dgm:choose name="Name91">
+          <dgm:if name="Name92" func="var" arg="dir" op="equ" val="norm">
+            <dgm:choose name="Name93">
+              <dgm:if name="Name94" axis="root ch" ptType="all node" func="cnt" op="lte" val="4">
+                <dgm:presOf axis="desOrSelf" ptType="node"/>
+              </dgm:if>
+              <dgm:else name="Name95">
+                <dgm:presOf/>
+              </dgm:else>
+            </dgm:choose>
+          </dgm:if>
+          <dgm:else name="Name96">
+            <dgm:choose name="Name97">
+              <dgm:if name="Name98" axis="root ch" ptType="all node" func="cnt" op="equ" val="4">
+                <dgm:presOf axis="root ch desOrSelf" ptType="all node node" st="1 2 1" cnt="1 1 0"/>
+              </dgm:if>
+              <dgm:else name="Name99">
+                <dgm:presOf/>
+              </dgm:else>
+            </dgm:choose>
+          </dgm:else>
+        </dgm:choose>
+        <dgm:constrLst/>
+        <dgm:ruleLst/>
+      </dgm:layoutNode>
+      <dgm:layoutNode name="circ4Tx" styleLbl="revTx">
+        <dgm:varLst>
+          <dgm:chMax val="0"/>
+          <dgm:chPref val="0"/>
+          <dgm:bulletEnabled val="1"/>
+        </dgm:varLst>
+        <dgm:alg type="tx">
+          <dgm:param type="txAnchorHorzCh" val="ctr"/>
+          <dgm:param type="txAnchorVertCh" val="mid"/>
+        </dgm:alg>
+        <dgm:shape xmlns:r="http://schemas.openxmlformats.org/officeDocument/2006/relationships" type="rect" r:blip="" hideGeom="1">
+          <dgm:adjLst/>
+        </dgm:shape>
+        <dgm:choose name="Name100">
+          <dgm:if name="Name101" func="var" arg="dir" op="equ" val="norm">
+            <dgm:presOf axis="desOrSelf" ptType="node"/>
+          </dgm:if>
+          <dgm:else name="Name102">
+            <dgm:choose name="Name103">
+              <dgm:if name="Name104" axis="root ch" ptType="all node" func="cnt" op="equ" val="4">
+                <dgm:presOf axis="root ch desOrSelf" ptType="all node node" st="1 2 1" cnt="1 1 0"/>
+              </dgm:if>
+              <dgm:if name="Name105" axis="root ch" ptType="all node" func="cnt" op="equ" val="5">
+                <dgm:presOf axis="root ch desOrSelf" ptType="all node node" st="1 3 1" cnt="1 1 0"/>
+              </dgm:if>
+              <dgm:if name="Name106" axis="root ch" ptType="all node" func="cnt" op="equ" val="6">
+                <dgm:presOf axis="root ch desOrSelf" ptType="all node node" st="1 4 1" cnt="1 1 0"/>
+              </dgm:if>
+              <dgm:else name="Name107">
+                <dgm:presOf axis="root ch desOrSelf" ptType="all node node" st="1 5 1" cnt="1 1 0"/>
+              </dgm:else>
+            </dgm:choose>
+          </dgm:else>
+        </dgm:choose>
+        <dgm:constrLst>
+          <dgm:constr type="tMarg"/>
+          <dgm:constr type="bMarg"/>
+          <dgm:constr type="lMarg"/>
+          <dgm:constr type="rMarg"/>
+          <dgm:constr type="primFontSz" val="65"/>
+        </dgm:constrLst>
+        <dgm:ruleLst>
+          <dgm:rule type="primFontSz" val="5" fact="NaN" max="NaN"/>
+        </dgm:ruleLst>
+      </dgm:layoutNode>
+    </dgm:forEach>
+    <dgm:forEach name="Name108" axis="ch" ptType="node" st="5" cnt="1">
+      <dgm:layoutNode name="circ5" styleLbl="vennNode1">
+        <dgm:alg type="sp"/>
+        <dgm:shape xmlns:r="http://schemas.openxmlformats.org/officeDocument/2006/relationships" type="ellipse" r:blip="">
           <dgm:adjLst/>
         </dgm:shape>
         <dgm:presOf/>
         <dgm:constrLst/>
         <dgm:ruleLst/>
-      </dgm:if>
-      <dgm:if name="Name3" axis="ch" ptType="node" func="cnt" op="equ" val="1">
-        <dgm:alg type="composite">
-          <dgm:param type="ar" val="1"/>
+      </dgm:layoutNode>
+      <dgm:layoutNode name="circ5Tx" styleLbl="revTx">
+        <dgm:varLst>
+          <dgm:chMax val="0"/>
+          <dgm:chPref val="0"/>
+          <dgm:bulletEnabled val="1"/>
+        </dgm:varLst>
+        <dgm:alg type="tx">
+          <dgm:param type="txAnchorHorzCh" val="ctr"/>
+          <dgm:param type="txAnchorVertCh" val="mid"/>
         </dgm:alg>
-        <dgm:shape xmlns:r="http://schemas.openxmlformats.org/officeDocument/2006/relationships" r:blip="">
+        <dgm:shape xmlns:r="http://schemas.openxmlformats.org/officeDocument/2006/relationships" type="rect" r:blip="" hideGeom="1">
+          <dgm:adjLst/>
+        </dgm:shape>
+        <dgm:choose name="Name109">
+          <dgm:if name="Name110" func="var" arg="dir" op="equ" val="norm">
+            <dgm:presOf axis="desOrSelf" ptType="node"/>
+          </dgm:if>
+          <dgm:else name="Name111">
+            <dgm:choose name="Name112">
+              <dgm:if name="Name113" axis="root ch" ptType="all node" func="cnt" op="equ" val="5">
+                <dgm:presOf axis="root ch desOrSelf" ptType="all node node" st="1 2 1" cnt="1 1 0"/>
+              </dgm:if>
+              <dgm:if name="Name114" axis="root ch" ptType="all node" func="cnt" op="equ" val="6">
+                <dgm:presOf axis="root ch desOrSelf" ptType="all node node" st="1 3 1" cnt="1 1 0"/>
+              </dgm:if>
+              <dgm:else name="Name115">
+                <dgm:presOf axis="root ch desOrSelf" ptType="all node node" st="1 4 1" cnt="1 1 0"/>
+              </dgm:else>
+            </dgm:choose>
+          </dgm:else>
+        </dgm:choose>
+        <dgm:constrLst>
+          <dgm:constr type="tMarg"/>
+          <dgm:constr type="bMarg"/>
+          <dgm:constr type="lMarg"/>
+          <dgm:constr type="rMarg"/>
+          <dgm:constr type="primFontSz" val="65"/>
+        </dgm:constrLst>
+        <dgm:ruleLst>
+          <dgm:rule type="primFontSz" val="5" fact="NaN" max="NaN"/>
+        </dgm:ruleLst>
+      </dgm:layoutNode>
+    </dgm:forEach>
+    <dgm:forEach name="Name116" axis="ch" ptType="node" st="6" cnt="1">
+      <dgm:layoutNode name="circ6" styleLbl="vennNode1">
+        <dgm:alg type="sp"/>
+        <dgm:shape xmlns:r="http://schemas.openxmlformats.org/officeDocument/2006/relationships" type="ellipse" r:blip="">
           <dgm:adjLst/>
         </dgm:shape>
         <dgm:presOf/>
+        <dgm:constrLst/>
+        <dgm:ruleLst/>
+      </dgm:layoutNode>
+      <dgm:layoutNode name="circ6Tx" styleLbl="revTx">
+        <dgm:varLst>
+          <dgm:chMax val="0"/>
+          <dgm:chPref val="0"/>
+          <dgm:bulletEnabled val="1"/>
+        </dgm:varLst>
+        <dgm:alg type="tx">
+          <dgm:param type="txAnchorHorzCh" val="ctr"/>
+          <dgm:param type="txAnchorVertCh" val="mid"/>
+        </dgm:alg>
+        <dgm:shape xmlns:r="http://schemas.openxmlformats.org/officeDocument/2006/relationships" type="rect" r:blip="" hideGeom="1">
+          <dgm:adjLst/>
+        </dgm:shape>
+        <dgm:choose name="Name117">
+          <dgm:if name="Name118" func="var" arg="dir" op="equ" val="norm">
+            <dgm:presOf axis="desOrSelf" ptType="node"/>
+          </dgm:if>
+          <dgm:else name="Name119">
+            <dgm:choose name="Name120">
+              <dgm:if name="Name121" axis="root ch" ptType="all node" func="cnt" op="equ" val="6">
+                <dgm:presOf axis="root ch desOrSelf" ptType="all node node" st="1 2 1" cnt="1 1 0"/>
+              </dgm:if>
+              <dgm:else name="Name122">
+                <dgm:presOf axis="root ch desOrSelf" ptType="all node node" st="1 3 1" cnt="1 1 0"/>
+              </dgm:else>
+            </dgm:choose>
+          </dgm:else>
+        </dgm:choose>
         <dgm:constrLst>
-          <dgm:constr type="primFontSz" for="des" ptType="node" op="equ" val="65"/>
-          <dgm:constr type="l" for="ch" forName="ellipse1" refType="w" fact="0"/>
-          <dgm:constr type="t" for="ch" forName="ellipse1" refType="h" fact="0"/>
-          <dgm:constr type="w" for="ch" forName="ellipse1" refType="w"/>
-          <dgm:constr type="h" for="ch" forName="ellipse1" refType="h"/>
+          <dgm:constr type="tMarg"/>
+          <dgm:constr type="bMarg"/>
+          <dgm:constr type="lMarg"/>
+          <dgm:constr type="rMarg"/>
+          <dgm:constr type="primFontSz" val="65"/>
         </dgm:constrLst>
-      </dgm:if>
-      <dgm:if name="Name4" axis="ch" ptType="node" func="cnt" op="equ" val="2">
-        <dgm:alg type="composite">
-          <dgm:param type="ar" val="0.9086"/>
-        </dgm:alg>
-        <dgm:shape xmlns:r="http://schemas.openxmlformats.org/officeDocument/2006/relationships" r:blip="">
+        <dgm:ruleLst>
+          <dgm:rule type="primFontSz" val="5" fact="NaN" max="NaN"/>
+        </dgm:ruleLst>
+      </dgm:layoutNode>
+    </dgm:forEach>
+    <dgm:forEach name="Name123" axis="ch" ptType="node" st="7" cnt="1">
+      <dgm:layoutNode name="circ7" styleLbl="vennNode1">
+        <dgm:alg type="sp"/>
+        <dgm:shape xmlns:r="http://schemas.openxmlformats.org/officeDocument/2006/relationships" type="ellipse" r:blip="">
           <dgm:adjLst/>
         </dgm:shape>
         <dgm:presOf/>
-        <dgm:constrLst>
-          <dgm:constr type="primFontSz" for="des" ptType="node" op="equ" val="65"/>
-          <dgm:constr type="l" for="ch" forName="ellipse1" refType="w" fact="0"/>
-          <dgm:constr type="t" for="ch" forName="ellipse1" refType="h" fact="0"/>
-          <dgm:constr type="w" for="ch" forName="ellipse1" refType="w" fact="0.6602"/>
-          <dgm:constr type="h" for="ch" forName="ellipse1" refType="h" fact="0.5999"/>
-          <dgm:constr type="l" for="ch" forName="ellipse2" refType="w" fact="0.3398"/>
-          <dgm:constr type="t" for="ch" forName="ellipse2" refType="h" fact="0.4001"/>
-          <dgm:constr type="w" for="ch" forName="ellipse2" refType="w" fact="0.6602"/>
-          <dgm:constr type="h" for="ch" forName="ellipse2" refType="h" fact="0.5999"/>
-        </dgm:constrLst>
-      </dgm:if>
-      <dgm:if name="Name5" axis="ch" ptType="node" func="cnt" op="equ" val="3">
-        <dgm:alg type="composite">
-          <dgm:param type="ar" val="1.2171"/>
+        <dgm:constrLst/>
+        <dgm:ruleLst/>
+      </dgm:layoutNode>
+      <dgm:layoutNode name="circ7Tx" styleLbl="revTx">
+        <dgm:varLst>
+          <dgm:chMax val="0"/>
+          <dgm:chPref val="0"/>
+          <dgm:bulletEnabled val="1"/>
+        </dgm:varLst>
+        <dgm:alg type="tx">
+          <dgm:param type="txAnchorHorzCh" val="ctr"/>
+          <dgm:param type="txAnchorVertCh" val="mid"/>
         </dgm:alg>
-        <dgm:shape xmlns:r="http://schemas.openxmlformats.org/officeDocument/2006/relationships" r:blip="">
+        <dgm:shape xmlns:r="http://schemas.openxmlformats.org/officeDocument/2006/relationships" type="rect" r:blip="" hideGeom="1">
           <dgm:adjLst/>
         </dgm:shape>
-        <dgm:presOf/>
+        <dgm:choose name="Name124">
+          <dgm:if name="Name125" func="var" arg="dir" op="equ" val="norm">
+            <dgm:presOf axis="desOrSelf" ptType="node"/>
+          </dgm:if>
+          <dgm:else name="Name126">
+            <dgm:presOf axis="root ch desOrSelf" ptType="all node node" st="1 2 1" cnt="1 1 0"/>
+          </dgm:else>
+        </dgm:choose>
         <dgm:constrLst>
-          <dgm:constr type="primFontSz" for="des" ptType="node" op="equ" val="65"/>
-          <dgm:constr type="l" for="ch" forName="ellipse1" refType="w" fact="0"/>
-          <dgm:constr type="t" for="ch" forName="ellipse1" refType="h" fact="0"/>
-          <dgm:constr type="w" for="ch" forName="ellipse1" refType="w" fact="0.4929"/>
-          <dgm:constr type="h" for="ch" forName="ellipse1" refType="h" fact="0.5999"/>
-          <dgm:constr type="l" for="ch" forName="ellipse2" refType="w" fact="0.2537"/>
-          <dgm:constr type="t" for="ch" forName="ellipse2" refType="h" fact="0.4001"/>
-          <dgm:constr type="w" for="ch" forName="ellipse2" refType="w" fact="0.4929"/>
-          <dgm:constr type="h" for="ch" forName="ellipse2" refType="h" fact="0.5999"/>
-          <dgm:constr type="l" for="ch" forName="ellipse3" refType="w" fact="0.5071"/>
-          <dgm:constr type="t" for="ch" forName="ellipse3" refType="h" fact="0"/>
-          <dgm:constr type="w" for="ch" forName="ellipse3" refType="w" fact="0.4929"/>
-          <dgm:constr type="h" for="ch" forName="ellipse3" refType="h" fact="0.5999"/>
+          <dgm:constr type="tMarg"/>
+          <dgm:constr type="bMarg"/>
+          <dgm:constr type="lMarg"/>
+          <dgm:constr type="rMarg"/>
+          <dgm:constr type="primFontSz" val="65"/>
         </dgm:constrLst>
-      </dgm:if>
-      <dgm:if name="Name6" axis="ch" ptType="node" func="cnt" op="equ" val="4">
-        <dgm:alg type="composite">
-          <dgm:param type="ar" val="1.5255"/>
-        </dgm:alg>
-        <dgm:shape xmlns:r="http://schemas.openxmlformats.org/officeDocument/2006/relationships" r:blip="">
-          <dgm:adjLst/>
-        </dgm:shape>
-        <dgm:presOf/>
-        <dgm:constrLst>
-          <dgm:constr type="primFontSz" for="des" ptType="node" op="equ" val="65"/>
-          <dgm:constr type="l" for="ch" forName="ellipse1" refType="w" fact="0"/>
-          <dgm:constr type="t" for="ch" forName="ellipse1" refType="h" fact="0"/>
-          <dgm:constr type="w" for="ch" forName="ellipse1" refType="w" fact="0.3932"/>
-          <dgm:constr type="h" for="ch" forName="ellipse1" refType="h" fact="0.5999"/>
-          <dgm:constr type="l" for="ch" forName="ellipse2" refType="w" fact="0.2023"/>
-          <dgm:constr type="t" for="ch" forName="ellipse2" refType="h" fact="0.4001"/>
-          <dgm:constr type="w" for="ch" forName="ellipse2" refType="w" fact="0.3932"/>
-          <dgm:constr type="h" for="ch" forName="ellipse2" refType="h" fact="0.5999"/>
-          <dgm:constr type="l" for="ch" forName="ellipse3" refType="w" fact="0.4045"/>
-          <dgm:constr type="t" for="ch" forName="ellipse3" refType="h" fact="0"/>
-          <dgm:constr type="w" for="ch" forName="ellipse3" refType="w" fact="0.3932"/>
-          <dgm:constr type="h" for="ch" forName="ellipse3" refType="h" fact="0.5999"/>
-          <dgm:constr type="l" for="ch" forName="ellipse4" refType="w" fact="0.6068"/>
-          <dgm:constr type="t" for="ch" forName="ellipse4" refType="h" fact="0.4001"/>
-          <dgm:constr type="w" for="ch" forName="ellipse4" refType="w" fact="0.3932"/>
-          <dgm:constr type="h" for="ch" forName="ellipse4" refType="h" fact="0.5999"/>
-        </dgm:constrLst>
-      </dgm:if>
-      <dgm:if name="Name7" axis="ch" ptType="node" func="cnt" op="equ" val="5">
-        <dgm:alg type="composite">
-          <dgm:param type="ar" val="1.834"/>
-        </dgm:alg>
-        <dgm:shape xmlns:r="http://schemas.openxmlformats.org/officeDocument/2006/relationships" r:blip="">
-          <dgm:adjLst/>
-        </dgm:shape>
-        <dgm:presOf/>
-        <dgm:constrLst>
-          <dgm:constr type="primFontSz" for="des" ptType="node" op="equ" val="65"/>
-          <dgm:constr type="l" for="ch" forName="ellipse1" refType="w" fact="0"/>
-          <dgm:constr type="t" for="ch" forName="ellipse1" refType="h" fact="0"/>
-          <dgm:constr type="w" for="ch" forName="ellipse1" refType="w" fact="0.3271"/>
-          <dgm:constr type="h" for="ch" forName="ellipse1" refType="h" fact="0.5999"/>
-          <dgm:constr type="l" for="ch" forName="ellipse2" refType="w" fact="0.1682"/>
-          <dgm:constr type="t" for="ch" forName="ellipse2" refType="h" fact="0.4001"/>
-          <dgm:constr type="w" for="ch" forName="ellipse2" refType="w" fact="0.3271"/>
-          <dgm:constr type="h" for="ch" forName="ellipse2" refType="h" fact="0.5999"/>
-          <dgm:constr type="l" for="ch" forName="ellipse3" refType="w" fact="0.3365"/>
-          <dgm:constr type="t" for="ch" forName="ellipse3" refType="h" fact="0"/>
-          <dgm:constr type="w" for="ch" forName="ellipse3" refType="w" fact="0.3271"/>
-          <dgm:constr type="h" for="ch" forName="ellipse3" refType="h" fact="0.5999"/>
-          <dgm:constr type="l" for="ch" forName="ellipse4" refType="w" fact="0.5047"/>
-          <dgm:constr type="t" for="ch" forName="ellipse4" refType="h" fact="0.4001"/>
-          <dgm:constr type="w" for="ch" forName="ellipse4" refType="w" fact="0.3271"/>
-          <dgm:constr type="h" for="ch" forName="ellipse4" refType="h" fact="0.5999"/>
-          <dgm:constr type="l" for="ch" forName="ellipse5" refType="w" fact="0.6729"/>
-          <dgm:constr type="t" for="ch" forName="ellipse5" refType="h" fact="0"/>
-          <dgm:constr type="w" for="ch" forName="ellipse5" refType="w" fact="0.3271"/>
-          <dgm:constr type="h" for="ch" forName="ellipse5" refType="h" fact="0.5999"/>
-        </dgm:constrLst>
-      </dgm:if>
-      <dgm:if name="Name8" axis="ch" ptType="node" func="cnt" op="equ" val="6">
-        <dgm:alg type="composite">
-          <dgm:param type="ar" val="2.1873"/>
-        </dgm:alg>
-        <dgm:shape xmlns:r="http://schemas.openxmlformats.org/officeDocument/2006/relationships" r:blip="">
-          <dgm:adjLst/>
-        </dgm:shape>
-        <dgm:presOf/>
-        <dgm:constrLst>
-          <dgm:constr type="primFontSz" for="des" ptType="node" op="equ" val="65"/>
-          <dgm:constr type="l" for="ch" forName="ellipse1" refType="w" fact="0"/>
-          <dgm:constr type="t" for="ch" forName="ellipse1" refType="h" fact="0"/>
-          <dgm:constr type="w" for="ch" forName="ellipse1" refType="w" fact="0.278"/>
-          <dgm:constr type="h" for="ch" forName="ellipse1" refType="h" fact="0.6081"/>
-          <dgm:constr type="l" for="ch" forName="ellipse2" refType="w" fact="0.1444"/>
-          <dgm:constr type="t" for="ch" forName="ellipse2" refType="h" fact="0.3919"/>
-          <dgm:constr type="w" for="ch" forName="ellipse2" refType="w" fact="0.278"/>
-          <dgm:constr type="h" for="ch" forName="ellipse2" refType="h" fact="0.6081"/>
-          <dgm:constr type="l" for="ch" forName="ellipse3" refType="w" fact="0.2888"/>
-          <dgm:constr type="t" for="ch" forName="ellipse3" refType="h" fact="0"/>
-          <dgm:constr type="w" for="ch" forName="ellipse3" refType="w" fact="0.278"/>
-          <dgm:constr type="h" for="ch" forName="ellipse3" refType="h" fact="0.6081"/>
-          <dgm:constr type="l" for="ch" forName="ellipse4" refType="w" fact="0.4332"/>
-          <dgm:constr type="t" for="ch" forName="ellipse4" refType="h" fact="0.3919"/>
-          <dgm:constr type="w" for="ch" forName="ellipse4" refType="w" fact="0.278"/>
-          <dgm:constr type="h" for="ch" forName="ellipse4" refType="h" fact="0.6081"/>
-          <dgm:constr type="l" for="ch" forName="ellipse5" refType="w" fact="0.5776"/>
-          <dgm:constr type="t" for="ch" forName="ellipse5" refType="h" fact="0"/>
-          <dgm:constr type="w" for="ch" forName="ellipse5" refType="w" fact="0.278"/>
-          <dgm:constr type="h" for="ch" forName="ellipse5" refType="h" fact="0.6081"/>
-          <dgm:constr type="l" for="ch" forName="ellipse6" refType="w" fact="0.722"/>
-          <dgm:constr type="t" for="ch" forName="ellipse6" refType="h" fact="0.3919"/>
-          <dgm:constr type="w" for="ch" forName="ellipse6" refType="w" fact="0.278"/>
-          <dgm:constr type="h" for="ch" forName="ellipse6" refType="h" fact="0.6081"/>
-        </dgm:constrLst>
-      </dgm:if>
-      <dgm:else name="Name9">
-        <dgm:alg type="composite">
-          <dgm:param type="ar" val="2.3466"/>
-        </dgm:alg>
-        <dgm:shape xmlns:r="http://schemas.openxmlformats.org/officeDocument/2006/relationships" r:blip="">
-          <dgm:adjLst/>
-        </dgm:shape>
-        <dgm:presOf/>
-        <dgm:constrLst>
-          <dgm:constr type="primFontSz" for="des" ptType="node" op="equ" val="65"/>
-          <dgm:constr type="l" for="ch" forName="ellipse1" refType="w" fact="0"/>
-          <dgm:constr type="t" for="ch" forName="ellipse1" refType="h" fact="0"/>
-          <dgm:constr type="w" for="ch" forName="ellipse1" refType="w" fact="0.2455"/>
-          <dgm:constr type="h" for="ch" forName="ellipse1" refType="h" fact="0.5761"/>
-          <dgm:constr type="l" for="ch" forName="ellipse2" refType="w" fact="0.1257"/>
-          <dgm:constr type="t" for="ch" forName="ellipse2" refType="h" fact="0.4239"/>
-          <dgm:constr type="w" for="ch" forName="ellipse2" refType="w" fact="0.2455"/>
-          <dgm:constr type="h" for="ch" forName="ellipse2" refType="h" fact="0.5761"/>
-          <dgm:constr type="l" for="ch" forName="ellipse3" refType="w" fact="0.2515"/>
-          <dgm:constr type="t" for="ch" forName="ellipse3" refType="h" fact="0"/>
-          <dgm:constr type="w" for="ch" forName="ellipse3" refType="w" fact="0.2455"/>
-          <dgm:constr type="h" for="ch" forName="ellipse3" refType="h" fact="0.5761"/>
-          <dgm:constr type="l" for="ch" forName="ellipse4" refType="w" fact="0.3772"/>
-          <dgm:constr type="t" for="ch" forName="ellipse4" refType="h" fact="0.4239"/>
-          <dgm:constr type="w" for="ch" forName="ellipse4" refType="w" fact="0.2455"/>
-          <dgm:constr type="h" for="ch" forName="ellipse4" refType="h" fact="0.5761"/>
-          <dgm:constr type="l" for="ch" forName="ellipse5" refType="w" fact="0.503"/>
-          <dgm:constr type="t" for="ch" forName="ellipse5" refType="h" fact="0"/>
-          <dgm:constr type="w" for="ch" forName="ellipse5" refType="w" fact="0.2455"/>
-          <dgm:constr type="h" for="ch" forName="ellipse5" refType="h" fact="0.5761"/>
-          <dgm:constr type="l" for="ch" forName="ellipse6" refType="w" fact="0.6287"/>
-          <dgm:constr type="t" for="ch" forName="ellipse6" refType="h" fact="0.4239"/>
-          <dgm:constr type="w" for="ch" forName="ellipse6" refType="w" fact="0.2455"/>
-          <dgm:constr type="h" for="ch" forName="ellipse6" refType="h" fact="0.5761"/>
-          <dgm:constr type="l" for="ch" forName="ellipse7" refType="w" fact="0.7545"/>
-          <dgm:constr type="t" for="ch" forName="ellipse7" refType="h" fact="0"/>
-          <dgm:constr type="w" for="ch" forName="ellipse7" refType="w" fact="0.2455"/>
-          <dgm:constr type="h" for="ch" forName="ellipse7" refType="h" fact="0.5761"/>
-        </dgm:constrLst>
-      </dgm:else>
-    </dgm:choose>
-    <dgm:choose name="Name10">
-      <dgm:if name="Name11" axis="ch" ptType="node" func="cnt" op="gte" val="1">
-        <dgm:layoutNode name="ellipse1" styleLbl="vennNode1">
-          <dgm:varLst>
-            <dgm:bulletEnabled val="1"/>
-          </dgm:varLst>
-          <dgm:alg type="tx"/>
-          <dgm:shape xmlns:r="http://schemas.openxmlformats.org/officeDocument/2006/relationships" type="ellipse" r:blip="">
-            <dgm:adjLst/>
-          </dgm:shape>
-          <dgm:choose name="Name12">
-            <dgm:if name="Name13" func="var" arg="dir" op="equ" val="norm">
-              <dgm:presOf axis="ch desOrSelf" ptType="node node" st="1 1" cnt="1 0"/>
-            </dgm:if>
-            <dgm:else name="Name14">
-              <dgm:choose name="Name15">
-                <dgm:if name="Name16" axis="ch" ptType="node" func="cnt" op="equ" val="1">
-                  <dgm:presOf axis="ch desOrSelf" ptType="node node" st="1 1" cnt="1 0"/>
-                </dgm:if>
-                <dgm:if name="Name17" axis="ch" ptType="node" func="cnt" op="equ" val="2">
-                  <dgm:presOf axis="ch desOrSelf" ptType="node node" st="2 1" cnt="1 0"/>
-                </dgm:if>
-                <dgm:if name="Name18" axis="ch" ptType="node" func="cnt" op="equ" val="3">
-                  <dgm:presOf axis="ch desOrSelf" ptType="node node" st="3 1" cnt="1 0"/>
-                </dgm:if>
-                <dgm:if name="Name19" axis="ch" ptType="node" func="cnt" op="equ" val="4">
-                  <dgm:presOf axis="ch desOrSelf" ptType="node node" st="4 1" cnt="1 0"/>
-                </dgm:if>
-                <dgm:if name="Name20" axis="ch" ptType="node" func="cnt" op="equ" val="5">
-                  <dgm:presOf axis="ch desOrSelf" ptType="node node" st="5 1" cnt="1 0"/>
-                </dgm:if>
-                <dgm:if name="Name21" axis="ch" ptType="node" func="cnt" op="equ" val="6">
-                  <dgm:presOf axis="ch desOrSelf" ptType="node node" st="6 1" cnt="1 0"/>
-                </dgm:if>
-                <dgm:if name="Name22" axis="ch" ptType="node" func="cnt" op="gte" val="7">
-                  <dgm:presOf axis="ch desOrSelf" ptType="node node" st="7 1" cnt="1 0"/>
-                </dgm:if>
-                <dgm:else name="Name23"/>
-              </dgm:choose>
-            </dgm:else>
-          </dgm:choose>
-          <dgm:constrLst>
-            <dgm:constr type="lMarg" refType="primFontSz" fact="0.3"/>
-            <dgm:constr type="rMarg" refType="primFontSz" fact="0.3"/>
-            <dgm:constr type="tMarg" refType="primFontSz" fact="0.3"/>
-            <dgm:constr type="bMarg" refType="primFontSz" fact="0.3"/>
-          </dgm:constrLst>
-          <dgm:ruleLst>
-            <dgm:rule type="primFontSz" val="5" fact="NaN" max="NaN"/>
-          </dgm:ruleLst>
-        </dgm:layoutNode>
-      </dgm:if>
-      <dgm:else name="Name24"/>
-    </dgm:choose>
-    <dgm:choose name="Name25">
-      <dgm:if name="Name26" axis="ch" ptType="node" func="cnt" op="gte" val="2">
-        <dgm:layoutNode name="ellipse2" styleLbl="vennNode1">
-          <dgm:varLst>
-            <dgm:bulletEnabled val="1"/>
-          </dgm:varLst>
-          <dgm:alg type="tx"/>
-          <dgm:choose name="Name27">
-            <dgm:if name="Name28" func="var" arg="dir" op="equ" val="norm">
-              <dgm:shape xmlns:r="http://schemas.openxmlformats.org/officeDocument/2006/relationships" type="ellipse" r:blip="">
-                <dgm:adjLst/>
-              </dgm:shape>
-              <dgm:presOf axis="ch desOrSelf" ptType="node node" st="2 1" cnt="1 0"/>
-            </dgm:if>
-            <dgm:else name="Name29">
-              <dgm:shape xmlns:r="http://schemas.openxmlformats.org/officeDocument/2006/relationships" type="ellipse" r:blip="" zOrderOff="-2">
-                <dgm:adjLst/>
-              </dgm:shape>
-              <dgm:choose name="Name30">
-                <dgm:if name="Name31" axis="ch" ptType="node" func="cnt" op="equ" val="2">
-                  <dgm:presOf axis="ch desOrSelf" ptType="node node" st="1 1" cnt="1 0"/>
-                </dgm:if>
-                <dgm:if name="Name32" axis="ch" ptType="node" func="cnt" op="equ" val="3">
-                  <dgm:presOf axis="ch desOrSelf" ptType="node node" st="2 1" cnt="1 0"/>
-                </dgm:if>
-                <dgm:if name="Name33" axis="ch" ptType="node" func="cnt" op="equ" val="4">
-                  <dgm:presOf axis="ch desOrSelf" ptType="node node" st="3 1" cnt="1 0"/>
-                </dgm:if>
-                <dgm:if name="Name34" axis="ch" ptType="node" func="cnt" op="equ" val="5">
-                  <dgm:presOf axis="ch desOrSelf" ptType="node node" st="4 1" cnt="1 0"/>
-                </dgm:if>
-                <dgm:if name="Name35" axis="ch" ptType="node" func="cnt" op="equ" val="6">
-                  <dgm:presOf axis="ch desOrSelf" ptType="node node" st="5 1" cnt="1 0"/>
-                </dgm:if>
-                <dgm:if name="Name36" axis="ch" ptType="node" func="cnt" op="gte" val="7">
-                  <dgm:presOf axis="ch desOrSelf" ptType="node node" st="6 1" cnt="1 0"/>
-                </dgm:if>
-                <dgm:else name="Name37"/>
-              </dgm:choose>
-            </dgm:else>
-          </dgm:choose>
-          <dgm:constrLst>
-            <dgm:constr type="lMarg" refType="primFontSz" fact="0.3"/>
-            <dgm:constr type="rMarg" refType="primFontSz" fact="0.3"/>
-            <dgm:constr type="tMarg" refType="primFontSz" fact="0.3"/>
-            <dgm:constr type="bMarg" refType="primFontSz" fact="0.3"/>
-          </dgm:constrLst>
-          <dgm:ruleLst>
-            <dgm:rule type="primFontSz" val="5" fact="NaN" max="NaN"/>
-          </dgm:ruleLst>
-        </dgm:layoutNode>
-      </dgm:if>
-      <dgm:else name="Name38"/>
-    </dgm:choose>
-    <dgm:choose name="Name39">
-      <dgm:if name="Name40" axis="ch" ptType="node" func="cnt" op="gte" val="3">
-        <dgm:layoutNode name="ellipse3" styleLbl="vennNode1">
-          <dgm:varLst>
-            <dgm:bulletEnabled val="1"/>
-          </dgm:varLst>
-          <dgm:alg type="tx"/>
-          <dgm:shape xmlns:r="http://schemas.openxmlformats.org/officeDocument/2006/relationships" type="ellipse" r:blip="">
-            <dgm:adjLst/>
-          </dgm:shape>
-          <dgm:choose name="Name41">
-            <dgm:if name="Name42" func="var" arg="dir" op="equ" val="norm">
-              <dgm:shape xmlns:r="http://schemas.openxmlformats.org/officeDocument/2006/relationships" type="ellipse" r:blip="">
-                <dgm:adjLst/>
-              </dgm:shape>
-              <dgm:presOf axis="ch desOrSelf" ptType="node node" st="3 1" cnt="1 0"/>
-            </dgm:if>
-            <dgm:else name="Name43">
-              <dgm:shape xmlns:r="http://schemas.openxmlformats.org/officeDocument/2006/relationships" type="ellipse" r:blip="" zOrderOff="-4">
-                <dgm:adjLst/>
-              </dgm:shape>
-              <dgm:choose name="Name44">
-                <dgm:if name="Name45" axis="ch" ptType="node" func="cnt" op="equ" val="3">
-                  <dgm:presOf axis="ch desOrSelf" ptType="node node" st="1 1" cnt="1 0"/>
-                </dgm:if>
-                <dgm:if name="Name46" axis="ch" ptType="node" func="cnt" op="equ" val="4">
-                  <dgm:presOf axis="ch desOrSelf" ptType="node node" st="2 1" cnt="1 0"/>
-                </dgm:if>
-                <dgm:if name="Name47" axis="ch" ptType="node" func="cnt" op="equ" val="5">
-                  <dgm:presOf axis="ch desOrSelf" ptType="node node" st="3 1" cnt="1 0"/>
-                </dgm:if>
-                <dgm:if name="Name48" axis="ch" ptType="node" func="cnt" op="equ" val="6">
-                  <dgm:presOf axis="ch desOrSelf" ptType="node node" st="4 1" cnt="1 0"/>
-                </dgm:if>
-                <dgm:if name="Name49" axis="ch" ptType="node" func="cnt" op="gte" val="7">
-                  <dgm:presOf axis="ch desOrSelf" ptType="node node" st="5 1" cnt="1 0"/>
-                </dgm:if>
-                <dgm:else name="Name50"/>
-              </dgm:choose>
-            </dgm:else>
-          </dgm:choose>
-          <dgm:constrLst>
-            <dgm:constr type="lMarg" refType="primFontSz" fact="0.3"/>
-            <dgm:constr type="rMarg" refType="primFontSz" fact="0.3"/>
-            <dgm:constr type="tMarg" refType="primFontSz" fact="0.3"/>
-            <dgm:constr type="bMarg" refType="primFontSz" fact="0.3"/>
-          </dgm:constrLst>
-          <dgm:ruleLst>
-            <dgm:rule type="primFontSz" val="5" fact="NaN" max="NaN"/>
-          </dgm:ruleLst>
-        </dgm:layoutNode>
-      </dgm:if>
-      <dgm:else name="Name51"/>
-    </dgm:choose>
-    <dgm:choose name="Name52">
-      <dgm:if name="Name53" axis="ch" ptType="node" func="cnt" op="gte" val="4">
-        <dgm:layoutNode name="ellipse4" styleLbl="vennNode1">
-          <dgm:varLst>
-            <dgm:bulletEnabled val="1"/>
-          </dgm:varLst>
-          <dgm:alg type="tx"/>
-          <dgm:choose name="Name54">
-            <dgm:if name="Name55" func="var" arg="dir" op="equ" val="norm">
-              <dgm:shape xmlns:r="http://schemas.openxmlformats.org/officeDocument/2006/relationships" type="ellipse" r:blip="">
-                <dgm:adjLst/>
-              </dgm:shape>
-              <dgm:presOf axis="ch desOrSelf" ptType="node node" st="4 1" cnt="1 0"/>
-            </dgm:if>
-            <dgm:else name="Name56">
-              <dgm:shape xmlns:r="http://schemas.openxmlformats.org/officeDocument/2006/relationships" type="ellipse" r:blip="" zOrderOff="-6">
-                <dgm:adjLst/>
-              </dgm:shape>
-              <dgm:choose name="Name57">
-                <dgm:if name="Name58" axis="ch" ptType="node" func="cnt" op="equ" val="4">
-                  <dgm:presOf axis="ch desOrSelf" ptType="node node" st="1 1" cnt="1 0"/>
-                </dgm:if>
-                <dgm:if name="Name59" axis="ch" ptType="node" func="cnt" op="equ" val="5">
-                  <dgm:presOf axis="ch desOrSelf" ptType="node node" st="2 1" cnt="1 0"/>
-                </dgm:if>
-                <dgm:if name="Name60" axis="ch" ptType="node" func="cnt" op="equ" val="6">
-                  <dgm:presOf axis="ch desOrSelf" ptType="node node" st="3 1" cnt="1 0"/>
-                </dgm:if>
-                <dgm:if name="Name61" axis="ch" ptType="node" func="cnt" op="gte" val="7">
-                  <dgm:presOf axis="ch desOrSelf" ptType="node node" st="4 1" cnt="1 0"/>
-                </dgm:if>
-                <dgm:else name="Name62"/>
-              </dgm:choose>
-            </dgm:else>
-          </dgm:choose>
-          <dgm:constrLst>
-            <dgm:constr type="lMarg" refType="primFontSz" fact="0.3"/>
-            <dgm:constr type="rMarg" refType="primFontSz" fact="0.3"/>
-            <dgm:constr type="tMarg" refType="primFontSz" fact="0.3"/>
-            <dgm:constr type="bMarg" refType="primFontSz" fact="0.3"/>
-          </dgm:constrLst>
-          <dgm:ruleLst>
-            <dgm:rule type="primFontSz" val="5" fact="NaN" max="NaN"/>
-          </dgm:ruleLst>
-        </dgm:layoutNode>
-      </dgm:if>
-      <dgm:else name="Name63"/>
-    </dgm:choose>
-    <dgm:choose name="Name64">
-      <dgm:if name="Name65" axis="ch" ptType="node" func="cnt" op="gte" val="5">
-        <dgm:layoutNode name="ellipse5" styleLbl="vennNode1">
-          <dgm:varLst>
-            <dgm:bulletEnabled val="1"/>
-          </dgm:varLst>
-          <dgm:alg type="tx"/>
-          <dgm:choose name="Name66">
-            <dgm:if name="Name67" func="var" arg="dir" op="equ" val="norm">
-              <dgm:shape xmlns:r="http://schemas.openxmlformats.org/officeDocument/2006/relationships" type="ellipse" r:blip="">
-                <dgm:adjLst/>
-              </dgm:shape>
-              <dgm:presOf axis="ch desOrSelf" ptType="node node" st="5 1" cnt="1 0"/>
-            </dgm:if>
-            <dgm:else name="Name68">
-              <dgm:shape xmlns:r="http://schemas.openxmlformats.org/officeDocument/2006/relationships" type="ellipse" r:blip="" zOrderOff="-8">
-                <dgm:adjLst/>
-              </dgm:shape>
-              <dgm:choose name="Name69">
-                <dgm:if name="Name70" axis="ch" ptType="node" func="cnt" op="equ" val="5">
-                  <dgm:presOf axis="ch desOrSelf" ptType="node node" st="1 1" cnt="1 0"/>
-                </dgm:if>
-                <dgm:if name="Name71" axis="ch" ptType="node" func="cnt" op="equ" val="6">
-                  <dgm:presOf axis="ch desOrSelf" ptType="node node" st="2 1" cnt="1 0"/>
-                </dgm:if>
-                <dgm:if name="Name72" axis="ch" ptType="node" func="cnt" op="gte" val="7">
-                  <dgm:presOf axis="ch desOrSelf" ptType="node node" st="3 1" cnt="1 0"/>
-                </dgm:if>
-                <dgm:else name="Name73"/>
-              </dgm:choose>
-            </dgm:else>
-          </dgm:choose>
-          <dgm:constrLst>
-            <dgm:constr type="lMarg" refType="primFontSz" fact="0.3"/>
-            <dgm:constr type="rMarg" refType="primFontSz" fact="0.3"/>
-            <dgm:constr type="tMarg" refType="primFontSz" fact="0.3"/>
-            <dgm:constr type="bMarg" refType="primFontSz" fact="0.3"/>
-          </dgm:constrLst>
-          <dgm:ruleLst>
-            <dgm:rule type="primFontSz" val="5" fact="NaN" max="NaN"/>
-          </dgm:ruleLst>
-        </dgm:layoutNode>
-      </dgm:if>
-      <dgm:else name="Name74"/>
-    </dgm:choose>
-    <dgm:choose name="Name75">
-      <dgm:if name="Name76" axis="ch" ptType="node" func="cnt" op="gte" val="6">
-        <dgm:layoutNode name="ellipse6" styleLbl="vennNode1">
-          <dgm:varLst>
-            <dgm:bulletEnabled val="1"/>
-          </dgm:varLst>
-          <dgm:alg type="tx"/>
-          <dgm:choose name="Name77">
-            <dgm:if name="Name78" func="var" arg="dir" op="equ" val="norm">
-              <dgm:shape xmlns:r="http://schemas.openxmlformats.org/officeDocument/2006/relationships" type="ellipse" r:blip="">
-                <dgm:adjLst/>
-              </dgm:shape>
-              <dgm:presOf axis="ch desOrSelf" ptType="node node" st="6 1" cnt="1 0"/>
-            </dgm:if>
-            <dgm:else name="Name79">
-              <dgm:shape xmlns:r="http://schemas.openxmlformats.org/officeDocument/2006/relationships" type="ellipse" r:blip="" zOrderOff="-10">
-                <dgm:adjLst/>
-              </dgm:shape>
-              <dgm:choose name="Name80">
-                <dgm:if name="Name81" axis="ch" ptType="node" func="cnt" op="equ" val="6">
-                  <dgm:presOf axis="ch desOrSelf" ptType="node node" st="1 1" cnt="1 0"/>
-                </dgm:if>
-                <dgm:if name="Name82" axis="ch" ptType="node" func="cnt" op="gte" val="7">
-                  <dgm:presOf axis="ch desOrSelf" ptType="node node" st="2 1" cnt="1 0"/>
-                </dgm:if>
-                <dgm:else name="Name83"/>
-              </dgm:choose>
-            </dgm:else>
-          </dgm:choose>
-          <dgm:constrLst>
-            <dgm:constr type="lMarg" refType="primFontSz" fact="0.3"/>
-            <dgm:constr type="rMarg" refType="primFontSz" fact="0.3"/>
-            <dgm:constr type="tMarg" refType="primFontSz" fact="0.3"/>
-            <dgm:constr type="bMarg" refType="primFontSz" fact="0.3"/>
-          </dgm:constrLst>
-          <dgm:ruleLst>
-            <dgm:rule type="primFontSz" val="5" fact="NaN" max="NaN"/>
-          </dgm:ruleLst>
-        </dgm:layoutNode>
-      </dgm:if>
-      <dgm:else name="Name84"/>
-    </dgm:choose>
-    <dgm:choose name="Name85">
-      <dgm:if name="Name86" axis="ch" ptType="node" func="cnt" op="gte" val="7">
-        <dgm:layoutNode name="ellipse7" styleLbl="vennNode1">
-          <dgm:varLst>
-            <dgm:bulletEnabled val="1"/>
-          </dgm:varLst>
-          <dgm:alg type="tx"/>
-          <dgm:choose name="Name87">
-            <dgm:if name="Name88" func="var" arg="dir" op="equ" val="norm">
-              <dgm:shape xmlns:r="http://schemas.openxmlformats.org/officeDocument/2006/relationships" type="ellipse" r:blip="">
-                <dgm:adjLst/>
-              </dgm:shape>
-              <dgm:presOf axis="ch desOrSelf" ptType="node node" st="7 1" cnt="1 0"/>
-            </dgm:if>
-            <dgm:else name="Name89">
-              <dgm:shape xmlns:r="http://schemas.openxmlformats.org/officeDocument/2006/relationships" type="ellipse" r:blip="" zOrderOff="-12">
-                <dgm:adjLst/>
-              </dgm:shape>
-              <dgm:presOf axis="ch desOrSelf" ptType="node node" st="1 1" cnt="1 0"/>
-            </dgm:else>
-          </dgm:choose>
-          <dgm:constrLst>
-            <dgm:constr type="lMarg" refType="primFontSz" fact="0.3"/>
-            <dgm:constr type="rMarg" refType="primFontSz" fact="0.3"/>
-            <dgm:constr type="tMarg" refType="primFontSz" fact="0.3"/>
-            <dgm:constr type="bMarg" refType="primFontSz" fact="0.3"/>
-          </dgm:constrLst>
-          <dgm:ruleLst>
-            <dgm:rule type="primFontSz" val="5" fact="NaN" max="NaN"/>
-          </dgm:ruleLst>
-        </dgm:layoutNode>
-      </dgm:if>
-      <dgm:else name="Name90"/>
-    </dgm:choose>
+        <dgm:ruleLst>
+          <dgm:rule type="primFontSz" val="5" fact="NaN" max="NaN"/>
+        </dgm:ruleLst>
+      </dgm:layoutNode>
+    </dgm:forEach>
   </dgm:layoutNode>
 </dgm:layoutDef>
 </file>
@@ -19709,7 +20745,7 @@
     </p:spTree>
     <p:extLst>
       <p:ext uri="{BB962C8B-B14F-4D97-AF65-F5344CB8AC3E}">
-        <p14:creationId xmlns:p14="http://schemas.microsoft.com/office/powerpoint/2010/main" val="545138848"/>
+        <p14:creationId xmlns:p14="http://schemas.microsoft.com/office/powerpoint/2010/main" val="2605259469"/>
       </p:ext>
     </p:extLst>
   </p:cSld>
@@ -19793,7 +20829,7 @@
     </p:spTree>
     <p:extLst>
       <p:ext uri="{BB962C8B-B14F-4D97-AF65-F5344CB8AC3E}">
-        <p14:creationId xmlns:p14="http://schemas.microsoft.com/office/powerpoint/2010/main" val="2605259469"/>
+        <p14:creationId xmlns:p14="http://schemas.microsoft.com/office/powerpoint/2010/main" val="405229192"/>
       </p:ext>
     </p:extLst>
   </p:cSld>
@@ -19871,7 +20907,7 @@
             </a:ln>
             <a:extLst>
               <a:ext uri="{91240B29-F687-4f45-9708-019B960494DF}">
-                <a14:hiddenLine xmlns:a14="http://schemas.microsoft.com/office/drawing/2010/main" xmlns="" w="9525">
+                <a14:hiddenLine xmlns="" xmlns:a14="http://schemas.microsoft.com/office/drawing/2010/main" w="9525">
                   <a:solidFill>
                     <a:srgbClr val="000000"/>
                   </a:solidFill>
@@ -19961,7 +20997,7 @@
             </a:ln>
             <a:extLst>
               <a:ext uri="{91240B29-F687-4f45-9708-019B960494DF}">
-                <a14:hiddenLine xmlns:a14="http://schemas.microsoft.com/office/drawing/2010/main" xmlns="" w="9525">
+                <a14:hiddenLine xmlns="" xmlns:a14="http://schemas.microsoft.com/office/drawing/2010/main" w="9525">
                   <a:solidFill>
                     <a:srgbClr val="000000"/>
                   </a:solidFill>
@@ -20051,7 +21087,7 @@
             </a:ln>
             <a:extLst>
               <a:ext uri="{91240B29-F687-4f45-9708-019B960494DF}">
-                <a14:hiddenLine xmlns:a14="http://schemas.microsoft.com/office/drawing/2010/main" xmlns="" w="9525">
+                <a14:hiddenLine xmlns="" xmlns:a14="http://schemas.microsoft.com/office/drawing/2010/main" w="9525">
                   <a:solidFill>
                     <a:srgbClr val="000000"/>
                   </a:solidFill>
@@ -20085,7 +21121,7 @@
             </a:ln>
             <a:extLst>
               <a:ext uri="{91240B29-F687-4f45-9708-019B960494DF}">
-                <a14:hiddenLine xmlns:a14="http://schemas.microsoft.com/office/drawing/2010/main" xmlns="" w="9525">
+                <a14:hiddenLine xmlns="" xmlns:a14="http://schemas.microsoft.com/office/drawing/2010/main" w="9525">
                   <a:solidFill>
                     <a:srgbClr val="000000"/>
                   </a:solidFill>
@@ -20175,7 +21211,7 @@
             </a:ln>
             <a:extLst>
               <a:ext uri="{91240B29-F687-4f45-9708-019B960494DF}">
-                <a14:hiddenLine xmlns:a14="http://schemas.microsoft.com/office/drawing/2010/main" xmlns="" w="9525">
+                <a14:hiddenLine xmlns="" xmlns:a14="http://schemas.microsoft.com/office/drawing/2010/main" w="9525">
                   <a:solidFill>
                     <a:srgbClr val="000000"/>
                   </a:solidFill>
@@ -20237,7 +21273,7 @@
             </a:ln>
             <a:extLst>
               <a:ext uri="{91240B29-F687-4f45-9708-019B960494DF}">
-                <a14:hiddenLine xmlns:a14="http://schemas.microsoft.com/office/drawing/2010/main" xmlns="" w="9525">
+                <a14:hiddenLine xmlns="" xmlns:a14="http://schemas.microsoft.com/office/drawing/2010/main" w="9525">
                   <a:solidFill>
                     <a:srgbClr val="000000"/>
                   </a:solidFill>
@@ -20299,7 +21335,7 @@
             </a:ln>
             <a:extLst>
               <a:ext uri="{91240B29-F687-4f45-9708-019B960494DF}">
-                <a14:hiddenLine xmlns:a14="http://schemas.microsoft.com/office/drawing/2010/main" xmlns="" w="9525">
+                <a14:hiddenLine xmlns="" xmlns:a14="http://schemas.microsoft.com/office/drawing/2010/main" w="9525">
                   <a:solidFill>
                     <a:srgbClr val="000000"/>
                   </a:solidFill>
@@ -20389,7 +21425,7 @@
             </a:ln>
             <a:extLst>
               <a:ext uri="{91240B29-F687-4f45-9708-019B960494DF}">
-                <a14:hiddenLine xmlns:a14="http://schemas.microsoft.com/office/drawing/2010/main" xmlns="" w="9525">
+                <a14:hiddenLine xmlns="" xmlns:a14="http://schemas.microsoft.com/office/drawing/2010/main" w="9525">
                   <a:solidFill>
                     <a:srgbClr val="000000"/>
                   </a:solidFill>
@@ -20451,7 +21487,7 @@
             </a:ln>
             <a:extLst>
               <a:ext uri="{91240B29-F687-4f45-9708-019B960494DF}">
-                <a14:hiddenLine xmlns:a14="http://schemas.microsoft.com/office/drawing/2010/main" xmlns="" w="9525">
+                <a14:hiddenLine xmlns="" xmlns:a14="http://schemas.microsoft.com/office/drawing/2010/main" w="9525">
                   <a:solidFill>
                     <a:srgbClr val="000000"/>
                   </a:solidFill>
@@ -20513,7 +21549,7 @@
             </a:ln>
             <a:extLst>
               <a:ext uri="{91240B29-F687-4f45-9708-019B960494DF}">
-                <a14:hiddenLine xmlns:a14="http://schemas.microsoft.com/office/drawing/2010/main" xmlns="" w="9525">
+                <a14:hiddenLine xmlns="" xmlns:a14="http://schemas.microsoft.com/office/drawing/2010/main" w="9525">
                   <a:solidFill>
                     <a:srgbClr val="000000"/>
                   </a:solidFill>
@@ -20603,7 +21639,7 @@
             </a:ln>
             <a:extLst>
               <a:ext uri="{91240B29-F687-4f45-9708-019B960494DF}">
-                <a14:hiddenLine xmlns:a14="http://schemas.microsoft.com/office/drawing/2010/main" xmlns="" w="9525">
+                <a14:hiddenLine xmlns="" xmlns:a14="http://schemas.microsoft.com/office/drawing/2010/main" w="9525">
                   <a:solidFill>
                     <a:srgbClr val="000000"/>
                   </a:solidFill>
@@ -20693,7 +21729,7 @@
             </a:ln>
             <a:extLst>
               <a:ext uri="{91240B29-F687-4f45-9708-019B960494DF}">
-                <a14:hiddenLine xmlns:a14="http://schemas.microsoft.com/office/drawing/2010/main" xmlns="" w="9525">
+                <a14:hiddenLine xmlns="" xmlns:a14="http://schemas.microsoft.com/office/drawing/2010/main" w="9525">
                   <a:solidFill>
                     <a:srgbClr val="000000"/>
                   </a:solidFill>
@@ -20755,7 +21791,7 @@
             </a:ln>
             <a:extLst>
               <a:ext uri="{91240B29-F687-4f45-9708-019B960494DF}">
-                <a14:hiddenLine xmlns:a14="http://schemas.microsoft.com/office/drawing/2010/main" xmlns="" w="9525">
+                <a14:hiddenLine xmlns="" xmlns:a14="http://schemas.microsoft.com/office/drawing/2010/main" w="9525">
                   <a:solidFill>
                     <a:srgbClr val="000000"/>
                   </a:solidFill>
@@ -20865,7 +21901,7 @@
             </a:ln>
             <a:extLst>
               <a:ext uri="{91240B29-F687-4f45-9708-019B960494DF}">
-                <a14:hiddenLine xmlns:a14="http://schemas.microsoft.com/office/drawing/2010/main" xmlns="" w="9525">
+                <a14:hiddenLine xmlns="" xmlns:a14="http://schemas.microsoft.com/office/drawing/2010/main" w="9525">
                   <a:solidFill>
                     <a:srgbClr val="000000"/>
                   </a:solidFill>
@@ -20927,7 +21963,7 @@
             </a:ln>
             <a:extLst>
               <a:ext uri="{91240B29-F687-4f45-9708-019B960494DF}">
-                <a14:hiddenLine xmlns:a14="http://schemas.microsoft.com/office/drawing/2010/main" xmlns="" w="9525">
+                <a14:hiddenLine xmlns="" xmlns:a14="http://schemas.microsoft.com/office/drawing/2010/main" w="9525">
                   <a:solidFill>
                     <a:srgbClr val="000000"/>
                   </a:solidFill>
@@ -21017,7 +22053,7 @@
             </a:ln>
             <a:extLst>
               <a:ext uri="{91240B29-F687-4f45-9708-019B960494DF}">
-                <a14:hiddenLine xmlns:a14="http://schemas.microsoft.com/office/drawing/2010/main" xmlns="" w="9525">
+                <a14:hiddenLine xmlns="" xmlns:a14="http://schemas.microsoft.com/office/drawing/2010/main" w="9525">
                   <a:solidFill>
                     <a:srgbClr val="000000"/>
                   </a:solidFill>
@@ -21107,7 +22143,7 @@
             </a:ln>
             <a:extLst>
               <a:ext uri="{91240B29-F687-4f45-9708-019B960494DF}">
-                <a14:hiddenLine xmlns:a14="http://schemas.microsoft.com/office/drawing/2010/main" xmlns="" w="9525">
+                <a14:hiddenLine xmlns="" xmlns:a14="http://schemas.microsoft.com/office/drawing/2010/main" w="9525">
                   <a:solidFill>
                     <a:srgbClr val="000000"/>
                   </a:solidFill>
@@ -21169,7 +22205,7 @@
             </a:ln>
             <a:extLst>
               <a:ext uri="{91240B29-F687-4f45-9708-019B960494DF}">
-                <a14:hiddenLine xmlns:a14="http://schemas.microsoft.com/office/drawing/2010/main" xmlns="" w="9525">
+                <a14:hiddenLine xmlns="" xmlns:a14="http://schemas.microsoft.com/office/drawing/2010/main" w="9525">
                   <a:solidFill>
                     <a:srgbClr val="000000"/>
                   </a:solidFill>
@@ -21259,7 +22295,7 @@
             </a:ln>
             <a:extLst>
               <a:ext uri="{91240B29-F687-4f45-9708-019B960494DF}">
-                <a14:hiddenLine xmlns:a14="http://schemas.microsoft.com/office/drawing/2010/main" xmlns="" w="9525">
+                <a14:hiddenLine xmlns="" xmlns:a14="http://schemas.microsoft.com/office/drawing/2010/main" w="9525">
                   <a:solidFill>
                     <a:srgbClr val="000000"/>
                   </a:solidFill>
@@ -21349,7 +22385,7 @@
             </a:ln>
             <a:extLst>
               <a:ext uri="{91240B29-F687-4f45-9708-019B960494DF}">
-                <a14:hiddenLine xmlns:a14="http://schemas.microsoft.com/office/drawing/2010/main" xmlns="" w="9525">
+                <a14:hiddenLine xmlns="" xmlns:a14="http://schemas.microsoft.com/office/drawing/2010/main" w="9525">
                   <a:solidFill>
                     <a:srgbClr val="000000"/>
                   </a:solidFill>
@@ -21405,7 +22441,7 @@
             </a:ln>
             <a:extLst>
               <a:ext uri="{91240B29-F687-4f45-9708-019B960494DF}">
-                <a14:hiddenLine xmlns:a14="http://schemas.microsoft.com/office/drawing/2010/main" xmlns="" w="9525">
+                <a14:hiddenLine xmlns="" xmlns:a14="http://schemas.microsoft.com/office/drawing/2010/main" w="9525">
                   <a:solidFill>
                     <a:srgbClr val="000000"/>
                   </a:solidFill>
@@ -21495,7 +22531,7 @@
             </a:ln>
             <a:extLst>
               <a:ext uri="{91240B29-F687-4f45-9708-019B960494DF}">
-                <a14:hiddenLine xmlns:a14="http://schemas.microsoft.com/office/drawing/2010/main" xmlns="" w="9525">
+                <a14:hiddenLine xmlns="" xmlns:a14="http://schemas.microsoft.com/office/drawing/2010/main" w="9525">
                   <a:solidFill>
                     <a:srgbClr val="000000"/>
                   </a:solidFill>
@@ -21551,7 +22587,7 @@
             </a:ln>
             <a:extLst>
               <a:ext uri="{91240B29-F687-4f45-9708-019B960494DF}">
-                <a14:hiddenLine xmlns:a14="http://schemas.microsoft.com/office/drawing/2010/main" xmlns="" w="9525">
+                <a14:hiddenLine xmlns="" xmlns:a14="http://schemas.microsoft.com/office/drawing/2010/main" w="9525">
                   <a:solidFill>
                     <a:srgbClr val="000000"/>
                   </a:solidFill>
@@ -21641,7 +22677,7 @@
             </a:ln>
             <a:extLst>
               <a:ext uri="{91240B29-F687-4f45-9708-019B960494DF}">
-                <a14:hiddenLine xmlns:a14="http://schemas.microsoft.com/office/drawing/2010/main" xmlns="" w="9525">
+                <a14:hiddenLine xmlns="" xmlns:a14="http://schemas.microsoft.com/office/drawing/2010/main" w="9525">
                   <a:solidFill>
                     <a:srgbClr val="000000"/>
                   </a:solidFill>
@@ -21709,7 +22745,7 @@
             </a:ln>
             <a:extLst>
               <a:ext uri="{91240B29-F687-4f45-9708-019B960494DF}">
-                <a14:hiddenLine xmlns:a14="http://schemas.microsoft.com/office/drawing/2010/main" xmlns="" w="9525">
+                <a14:hiddenLine xmlns="" xmlns:a14="http://schemas.microsoft.com/office/drawing/2010/main" w="9525">
                   <a:solidFill>
                     <a:srgbClr val="000000"/>
                   </a:solidFill>
@@ -21799,7 +22835,7 @@
             </a:ln>
             <a:extLst>
               <a:ext uri="{91240B29-F687-4f45-9708-019B960494DF}">
-                <a14:hiddenLine xmlns:a14="http://schemas.microsoft.com/office/drawing/2010/main" xmlns="" w="9525">
+                <a14:hiddenLine xmlns="" xmlns:a14="http://schemas.microsoft.com/office/drawing/2010/main" w="9525">
                   <a:solidFill>
                     <a:srgbClr val="000000"/>
                   </a:solidFill>
@@ -21867,7 +22903,7 @@
             </a:ln>
             <a:extLst>
               <a:ext uri="{91240B29-F687-4f45-9708-019B960494DF}">
-                <a14:hiddenLine xmlns:a14="http://schemas.microsoft.com/office/drawing/2010/main" xmlns="" w="9525">
+                <a14:hiddenLine xmlns="" xmlns:a14="http://schemas.microsoft.com/office/drawing/2010/main" w="9525">
                   <a:solidFill>
                     <a:srgbClr val="000000"/>
                   </a:solidFill>
@@ -21957,7 +22993,7 @@
             </a:ln>
             <a:extLst>
               <a:ext uri="{91240B29-F687-4f45-9708-019B960494DF}">
-                <a14:hiddenLine xmlns:a14="http://schemas.microsoft.com/office/drawing/2010/main" xmlns="" w="9525">
+                <a14:hiddenLine xmlns="" xmlns:a14="http://schemas.microsoft.com/office/drawing/2010/main" w="9525">
                   <a:solidFill>
                     <a:srgbClr val="000000"/>
                   </a:solidFill>
@@ -21991,7 +23027,7 @@
             </a:ln>
             <a:extLst>
               <a:ext uri="{91240B29-F687-4f45-9708-019B960494DF}">
-                <a14:hiddenLine xmlns:a14="http://schemas.microsoft.com/office/drawing/2010/main" xmlns="" w="9525">
+                <a14:hiddenLine xmlns="" xmlns:a14="http://schemas.microsoft.com/office/drawing/2010/main" w="9525">
                   <a:solidFill>
                     <a:srgbClr val="000000"/>
                   </a:solidFill>
@@ -22081,7 +23117,7 @@
             </a:ln>
             <a:extLst>
               <a:ext uri="{91240B29-F687-4f45-9708-019B960494DF}">
-                <a14:hiddenLine xmlns:a14="http://schemas.microsoft.com/office/drawing/2010/main" xmlns="" w="9525">
+                <a14:hiddenLine xmlns="" xmlns:a14="http://schemas.microsoft.com/office/drawing/2010/main" w="9525">
                   <a:solidFill>
                     <a:srgbClr val="000000"/>
                   </a:solidFill>
@@ -22143,7 +23179,7 @@
             </a:ln>
             <a:extLst>
               <a:ext uri="{91240B29-F687-4f45-9708-019B960494DF}">
-                <a14:hiddenLine xmlns:a14="http://schemas.microsoft.com/office/drawing/2010/main" xmlns="" w="9525">
+                <a14:hiddenLine xmlns="" xmlns:a14="http://schemas.microsoft.com/office/drawing/2010/main" w="9525">
                   <a:solidFill>
                     <a:srgbClr val="000000"/>
                   </a:solidFill>
@@ -22205,7 +23241,7 @@
             </a:ln>
             <a:extLst>
               <a:ext uri="{91240B29-F687-4f45-9708-019B960494DF}">
-                <a14:hiddenLine xmlns:a14="http://schemas.microsoft.com/office/drawing/2010/main" xmlns="" w="9525">
+                <a14:hiddenLine xmlns="" xmlns:a14="http://schemas.microsoft.com/office/drawing/2010/main" w="9525">
                   <a:solidFill>
                     <a:srgbClr val="000000"/>
                   </a:solidFill>
@@ -22295,7 +23331,7 @@
             </a:ln>
             <a:extLst>
               <a:ext uri="{91240B29-F687-4f45-9708-019B960494DF}">
-                <a14:hiddenLine xmlns:a14="http://schemas.microsoft.com/office/drawing/2010/main" xmlns="" w="9525">
+                <a14:hiddenLine xmlns="" xmlns:a14="http://schemas.microsoft.com/office/drawing/2010/main" w="9525">
                   <a:solidFill>
                     <a:srgbClr val="000000"/>
                   </a:solidFill>
@@ -22363,7 +23399,7 @@
             </a:ln>
             <a:extLst>
               <a:ext uri="{91240B29-F687-4f45-9708-019B960494DF}">
-                <a14:hiddenLine xmlns:a14="http://schemas.microsoft.com/office/drawing/2010/main" xmlns="" w="9525">
+                <a14:hiddenLine xmlns="" xmlns:a14="http://schemas.microsoft.com/office/drawing/2010/main" w="9525">
                   <a:solidFill>
                     <a:srgbClr val="000000"/>
                   </a:solidFill>
@@ -22425,7 +23461,7 @@
             </a:ln>
             <a:extLst>
               <a:ext uri="{91240B29-F687-4f45-9708-019B960494DF}">
-                <a14:hiddenLine xmlns:a14="http://schemas.microsoft.com/office/drawing/2010/main" xmlns="" w="9525">
+                <a14:hiddenLine xmlns="" xmlns:a14="http://schemas.microsoft.com/office/drawing/2010/main" w="9525">
                   <a:solidFill>
                     <a:srgbClr val="000000"/>
                   </a:solidFill>
@@ -22515,7 +23551,7 @@
             </a:ln>
             <a:extLst>
               <a:ext uri="{91240B29-F687-4f45-9708-019B960494DF}">
-                <a14:hiddenLine xmlns:a14="http://schemas.microsoft.com/office/drawing/2010/main" xmlns="" w="9525">
+                <a14:hiddenLine xmlns="" xmlns:a14="http://schemas.microsoft.com/office/drawing/2010/main" w="9525">
                   <a:solidFill>
                     <a:srgbClr val="000000"/>
                   </a:solidFill>
@@ -22577,7 +23613,7 @@
             </a:ln>
             <a:extLst>
               <a:ext uri="{91240B29-F687-4f45-9708-019B960494DF}">
-                <a14:hiddenLine xmlns:a14="http://schemas.microsoft.com/office/drawing/2010/main" xmlns="" w="9525">
+                <a14:hiddenLine xmlns="" xmlns:a14="http://schemas.microsoft.com/office/drawing/2010/main" w="9525">
                   <a:solidFill>
                     <a:srgbClr val="000000"/>
                   </a:solidFill>
@@ -22667,7 +23703,7 @@
             </a:ln>
             <a:extLst>
               <a:ext uri="{91240B29-F687-4f45-9708-019B960494DF}">
-                <a14:hiddenLine xmlns:a14="http://schemas.microsoft.com/office/drawing/2010/main" xmlns="" w="9525">
+                <a14:hiddenLine xmlns="" xmlns:a14="http://schemas.microsoft.com/office/drawing/2010/main" w="9525">
                   <a:solidFill>
                     <a:srgbClr val="000000"/>
                   </a:solidFill>
@@ -22729,7 +23765,7 @@
             </a:ln>
             <a:extLst>
               <a:ext uri="{91240B29-F687-4f45-9708-019B960494DF}">
-                <a14:hiddenLine xmlns:a14="http://schemas.microsoft.com/office/drawing/2010/main" xmlns="" w="9525">
+                <a14:hiddenLine xmlns="" xmlns:a14="http://schemas.microsoft.com/office/drawing/2010/main" w="9525">
                   <a:solidFill>
                     <a:srgbClr val="000000"/>
                   </a:solidFill>
@@ -22819,7 +23855,7 @@
             </a:ln>
             <a:extLst>
               <a:ext uri="{91240B29-F687-4f45-9708-019B960494DF}">
-                <a14:hiddenLine xmlns:a14="http://schemas.microsoft.com/office/drawing/2010/main" xmlns="" w="9525">
+                <a14:hiddenLine xmlns="" xmlns:a14="http://schemas.microsoft.com/office/drawing/2010/main" w="9525">
                   <a:solidFill>
                     <a:srgbClr val="000000"/>
                   </a:solidFill>
@@ -22853,7 +23889,7 @@
             </a:ln>
             <a:extLst>
               <a:ext uri="{91240B29-F687-4f45-9708-019B960494DF}">
-                <a14:hiddenLine xmlns:a14="http://schemas.microsoft.com/office/drawing/2010/main" xmlns="" w="9525">
+                <a14:hiddenLine xmlns="" xmlns:a14="http://schemas.microsoft.com/office/drawing/2010/main" w="9525">
                   <a:solidFill>
                     <a:srgbClr val="000000"/>
                   </a:solidFill>
@@ -22918,7 +23954,7 @@
             </a:ln>
             <a:extLst>
               <a:ext uri="{91240B29-F687-4f45-9708-019B960494DF}">
-                <a14:hiddenLine xmlns:a14="http://schemas.microsoft.com/office/drawing/2010/main" xmlns="" w="9525">
+                <a14:hiddenLine xmlns="" xmlns:a14="http://schemas.microsoft.com/office/drawing/2010/main" w="9525">
                   <a:solidFill>
                     <a:srgbClr val="000000"/>
                   </a:solidFill>
@@ -23008,7 +24044,7 @@
             </a:ln>
             <a:extLst>
               <a:ext uri="{91240B29-F687-4f45-9708-019B960494DF}">
-                <a14:hiddenLine xmlns:a14="http://schemas.microsoft.com/office/drawing/2010/main" xmlns="" w="9525">
+                <a14:hiddenLine xmlns="" xmlns:a14="http://schemas.microsoft.com/office/drawing/2010/main" w="9525">
                   <a:solidFill>
                     <a:srgbClr val="000000"/>
                   </a:solidFill>
@@ -23070,7 +24106,7 @@
             </a:ln>
             <a:extLst>
               <a:ext uri="{91240B29-F687-4f45-9708-019B960494DF}">
-                <a14:hiddenLine xmlns:a14="http://schemas.microsoft.com/office/drawing/2010/main" xmlns="" w="9525">
+                <a14:hiddenLine xmlns="" xmlns:a14="http://schemas.microsoft.com/office/drawing/2010/main" w="9525">
                   <a:solidFill>
                     <a:srgbClr val="000000"/>
                   </a:solidFill>
@@ -23160,7 +24196,7 @@
             </a:ln>
             <a:extLst>
               <a:ext uri="{91240B29-F687-4f45-9708-019B960494DF}">
-                <a14:hiddenLine xmlns:a14="http://schemas.microsoft.com/office/drawing/2010/main" xmlns="" w="9525">
+                <a14:hiddenLine xmlns="" xmlns:a14="http://schemas.microsoft.com/office/drawing/2010/main" w="9525">
                   <a:solidFill>
                     <a:srgbClr val="000000"/>
                   </a:solidFill>
@@ -23250,7 +24286,7 @@
             </a:ln>
             <a:extLst>
               <a:ext uri="{91240B29-F687-4f45-9708-019B960494DF}">
-                <a14:hiddenLine xmlns:a14="http://schemas.microsoft.com/office/drawing/2010/main" xmlns="" w="9525">
+                <a14:hiddenLine xmlns="" xmlns:a14="http://schemas.microsoft.com/office/drawing/2010/main" w="9525">
                   <a:solidFill>
                     <a:srgbClr val="000000"/>
                   </a:solidFill>
@@ -23315,7 +24351,7 @@
             </a:ln>
             <a:extLst>
               <a:ext uri="{91240B29-F687-4f45-9708-019B960494DF}">
-                <a14:hiddenLine xmlns:a14="http://schemas.microsoft.com/office/drawing/2010/main" xmlns="" w="9525">
+                <a14:hiddenLine xmlns="" xmlns:a14="http://schemas.microsoft.com/office/drawing/2010/main" w="9525">
                   <a:solidFill>
                     <a:srgbClr val="000000"/>
                   </a:solidFill>
@@ -23377,7 +24413,7 @@
             </a:ln>
             <a:extLst>
               <a:ext uri="{91240B29-F687-4f45-9708-019B960494DF}">
-                <a14:hiddenLine xmlns:a14="http://schemas.microsoft.com/office/drawing/2010/main" xmlns="" w="9525">
+                <a14:hiddenLine xmlns="" xmlns:a14="http://schemas.microsoft.com/office/drawing/2010/main" w="9525">
                   <a:solidFill>
                     <a:srgbClr val="000000"/>
                   </a:solidFill>
@@ -23467,7 +24503,7 @@
             </a:ln>
             <a:extLst>
               <a:ext uri="{91240B29-F687-4f45-9708-019B960494DF}">
-                <a14:hiddenLine xmlns:a14="http://schemas.microsoft.com/office/drawing/2010/main" xmlns="" w="9525">
+                <a14:hiddenLine xmlns="" xmlns:a14="http://schemas.microsoft.com/office/drawing/2010/main" w="9525">
                   <a:solidFill>
                     <a:srgbClr val="000000"/>
                   </a:solidFill>
@@ -23557,7 +24593,7 @@
             </a:ln>
             <a:extLst>
               <a:ext uri="{91240B29-F687-4f45-9708-019B960494DF}">
-                <a14:hiddenLine xmlns:a14="http://schemas.microsoft.com/office/drawing/2010/main" xmlns="" w="9525">
+                <a14:hiddenLine xmlns="" xmlns:a14="http://schemas.microsoft.com/office/drawing/2010/main" w="9525">
                   <a:solidFill>
                     <a:srgbClr val="000000"/>
                   </a:solidFill>
@@ -23619,7 +24655,7 @@
             </a:ln>
             <a:extLst>
               <a:ext uri="{91240B29-F687-4f45-9708-019B960494DF}">
-                <a14:hiddenLine xmlns:a14="http://schemas.microsoft.com/office/drawing/2010/main" xmlns="" w="9525">
+                <a14:hiddenLine xmlns="" xmlns:a14="http://schemas.microsoft.com/office/drawing/2010/main" w="9525">
                   <a:solidFill>
                     <a:srgbClr val="000000"/>
                   </a:solidFill>
@@ -23739,7 +24775,7 @@
             </a:ln>
             <a:extLst>
               <a:ext uri="{91240B29-F687-4f45-9708-019B960494DF}">
-                <a14:hiddenLine xmlns:a14="http://schemas.microsoft.com/office/drawing/2010/main" xmlns="" w="9525">
+                <a14:hiddenLine xmlns="" xmlns:a14="http://schemas.microsoft.com/office/drawing/2010/main" w="9525">
                   <a:solidFill>
                     <a:srgbClr val="000000"/>
                   </a:solidFill>
@@ -23807,7 +24843,7 @@
             </a:ln>
             <a:extLst>
               <a:ext uri="{91240B29-F687-4f45-9708-019B960494DF}">
-                <a14:hiddenLine xmlns:a14="http://schemas.microsoft.com/office/drawing/2010/main" xmlns="" w="9525">
+                <a14:hiddenLine xmlns="" xmlns:a14="http://schemas.microsoft.com/office/drawing/2010/main" w="9525">
                   <a:solidFill>
                     <a:srgbClr val="000000"/>
                   </a:solidFill>
@@ -23897,7 +24933,7 @@
             </a:ln>
             <a:extLst>
               <a:ext uri="{91240B29-F687-4f45-9708-019B960494DF}">
-                <a14:hiddenLine xmlns:a14="http://schemas.microsoft.com/office/drawing/2010/main" xmlns="" w="9525">
+                <a14:hiddenLine xmlns="" xmlns:a14="http://schemas.microsoft.com/office/drawing/2010/main" w="9525">
                   <a:solidFill>
                     <a:srgbClr val="000000"/>
                   </a:solidFill>
@@ -28837,7 +29873,7 @@
               </a:ln>
               <a:extLst>
                 <a:ext uri="{91240B29-F687-4f45-9708-019B960494DF}">
-                  <a14:hiddenLine xmlns:a14="http://schemas.microsoft.com/office/drawing/2010/main" xmlns="" w="9525">
+                  <a14:hiddenLine xmlns="" xmlns:a14="http://schemas.microsoft.com/office/drawing/2010/main" w="9525">
                     <a:solidFill>
                       <a:srgbClr val="000000"/>
                     </a:solidFill>
@@ -28927,7 +29963,7 @@
               </a:ln>
               <a:extLst>
                 <a:ext uri="{91240B29-F687-4f45-9708-019B960494DF}">
-                  <a14:hiddenLine xmlns:a14="http://schemas.microsoft.com/office/drawing/2010/main" xmlns="" w="9525">
+                  <a14:hiddenLine xmlns="" xmlns:a14="http://schemas.microsoft.com/office/drawing/2010/main" w="9525">
                     <a:solidFill>
                       <a:srgbClr val="000000"/>
                     </a:solidFill>
@@ -29017,7 +30053,7 @@
               </a:ln>
               <a:extLst>
                 <a:ext uri="{91240B29-F687-4f45-9708-019B960494DF}">
-                  <a14:hiddenLine xmlns:a14="http://schemas.microsoft.com/office/drawing/2010/main" xmlns="" w="9525">
+                  <a14:hiddenLine xmlns="" xmlns:a14="http://schemas.microsoft.com/office/drawing/2010/main" w="9525">
                     <a:solidFill>
                       <a:srgbClr val="000000"/>
                     </a:solidFill>
@@ -29079,7 +30115,7 @@
               </a:ln>
               <a:extLst>
                 <a:ext uri="{91240B29-F687-4f45-9708-019B960494DF}">
-                  <a14:hiddenLine xmlns:a14="http://schemas.microsoft.com/office/drawing/2010/main" xmlns="" w="9525">
+                  <a14:hiddenLine xmlns="" xmlns:a14="http://schemas.microsoft.com/office/drawing/2010/main" w="9525">
                     <a:solidFill>
                       <a:srgbClr val="000000"/>
                     </a:solidFill>
@@ -29169,7 +30205,7 @@
               </a:ln>
               <a:extLst>
                 <a:ext uri="{91240B29-F687-4f45-9708-019B960494DF}">
-                  <a14:hiddenLine xmlns:a14="http://schemas.microsoft.com/office/drawing/2010/main" xmlns="" w="9525">
+                  <a14:hiddenLine xmlns="" xmlns:a14="http://schemas.microsoft.com/office/drawing/2010/main" w="9525">
                     <a:solidFill>
                       <a:srgbClr val="000000"/>
                     </a:solidFill>
@@ -29231,7 +30267,7 @@
               </a:ln>
               <a:extLst>
                 <a:ext uri="{91240B29-F687-4f45-9708-019B960494DF}">
-                  <a14:hiddenLine xmlns:a14="http://schemas.microsoft.com/office/drawing/2010/main" xmlns="" w="9525">
+                  <a14:hiddenLine xmlns="" xmlns:a14="http://schemas.microsoft.com/office/drawing/2010/main" w="9525">
                     <a:solidFill>
                       <a:srgbClr val="000000"/>
                     </a:solidFill>
@@ -29293,7 +30329,7 @@
               </a:ln>
               <a:extLst>
                 <a:ext uri="{91240B29-F687-4f45-9708-019B960494DF}">
-                  <a14:hiddenLine xmlns:a14="http://schemas.microsoft.com/office/drawing/2010/main" xmlns="" w="9525">
+                  <a14:hiddenLine xmlns="" xmlns:a14="http://schemas.microsoft.com/office/drawing/2010/main" w="9525">
                     <a:solidFill>
                       <a:srgbClr val="000000"/>
                     </a:solidFill>
@@ -29383,7 +30419,7 @@
               </a:ln>
               <a:extLst>
                 <a:ext uri="{91240B29-F687-4f45-9708-019B960494DF}">
-                  <a14:hiddenLine xmlns:a14="http://schemas.microsoft.com/office/drawing/2010/main" xmlns="" w="9525">
+                  <a14:hiddenLine xmlns="" xmlns:a14="http://schemas.microsoft.com/office/drawing/2010/main" w="9525">
                     <a:solidFill>
                       <a:srgbClr val="000000"/>
                     </a:solidFill>
@@ -29473,7 +30509,7 @@
               </a:ln>
               <a:extLst>
                 <a:ext uri="{91240B29-F687-4f45-9708-019B960494DF}">
-                  <a14:hiddenLine xmlns:a14="http://schemas.microsoft.com/office/drawing/2010/main" xmlns="" w="9525">
+                  <a14:hiddenLine xmlns="" xmlns:a14="http://schemas.microsoft.com/office/drawing/2010/main" w="9525">
                     <a:solidFill>
                       <a:srgbClr val="000000"/>
                     </a:solidFill>
@@ -29535,7 +30571,7 @@
               </a:ln>
               <a:extLst>
                 <a:ext uri="{91240B29-F687-4f45-9708-019B960494DF}">
-                  <a14:hiddenLine xmlns:a14="http://schemas.microsoft.com/office/drawing/2010/main" xmlns="" w="9525">
+                  <a14:hiddenLine xmlns="" xmlns:a14="http://schemas.microsoft.com/office/drawing/2010/main" w="9525">
                     <a:solidFill>
                       <a:srgbClr val="000000"/>
                     </a:solidFill>
@@ -29645,7 +30681,7 @@
               </a:ln>
               <a:extLst>
                 <a:ext uri="{91240B29-F687-4f45-9708-019B960494DF}">
-                  <a14:hiddenLine xmlns:a14="http://schemas.microsoft.com/office/drawing/2010/main" xmlns="" w="9525">
+                  <a14:hiddenLine xmlns="" xmlns:a14="http://schemas.microsoft.com/office/drawing/2010/main" w="9525">
                     <a:solidFill>
                       <a:srgbClr val="000000"/>
                     </a:solidFill>
@@ -29729,7 +30765,7 @@
               </a:ln>
               <a:extLst>
                 <a:ext uri="{91240B29-F687-4f45-9708-019B960494DF}">
-                  <a14:hiddenLine xmlns:a14="http://schemas.microsoft.com/office/drawing/2010/main" xmlns="" w="9525">
+                  <a14:hiddenLine xmlns="" xmlns:a14="http://schemas.microsoft.com/office/drawing/2010/main" w="9525">
                     <a:solidFill>
                       <a:srgbClr val="000000"/>
                     </a:solidFill>
@@ -29791,7 +30827,7 @@
               </a:ln>
               <a:extLst>
                 <a:ext uri="{91240B29-F687-4f45-9708-019B960494DF}">
-                  <a14:hiddenLine xmlns:a14="http://schemas.microsoft.com/office/drawing/2010/main" xmlns="" w="9525">
+                  <a14:hiddenLine xmlns="" xmlns:a14="http://schemas.microsoft.com/office/drawing/2010/main" w="9525">
                     <a:solidFill>
                       <a:srgbClr val="000000"/>
                     </a:solidFill>
@@ -29853,7 +30889,7 @@
               </a:ln>
               <a:extLst>
                 <a:ext uri="{91240B29-F687-4f45-9708-019B960494DF}">
-                  <a14:hiddenLine xmlns:a14="http://schemas.microsoft.com/office/drawing/2010/main" xmlns="" w="9525">
+                  <a14:hiddenLine xmlns="" xmlns:a14="http://schemas.microsoft.com/office/drawing/2010/main" w="9525">
                     <a:solidFill>
                       <a:srgbClr val="000000"/>
                     </a:solidFill>
@@ -29943,7 +30979,7 @@
               </a:ln>
               <a:extLst>
                 <a:ext uri="{91240B29-F687-4f45-9708-019B960494DF}">
-                  <a14:hiddenLine xmlns:a14="http://schemas.microsoft.com/office/drawing/2010/main" xmlns="" w="9525">
+                  <a14:hiddenLine xmlns="" xmlns:a14="http://schemas.microsoft.com/office/drawing/2010/main" w="9525">
                     <a:solidFill>
                       <a:srgbClr val="000000"/>
                     </a:solidFill>
@@ -29977,7 +31013,7 @@
               </a:ln>
               <a:extLst>
                 <a:ext uri="{91240B29-F687-4f45-9708-019B960494DF}">
-                  <a14:hiddenLine xmlns:a14="http://schemas.microsoft.com/office/drawing/2010/main" xmlns="" w="9525">
+                  <a14:hiddenLine xmlns="" xmlns:a14="http://schemas.microsoft.com/office/drawing/2010/main" w="9525">
                     <a:solidFill>
                       <a:srgbClr val="000000"/>
                     </a:solidFill>
@@ -30042,7 +31078,7 @@
               </a:ln>
               <a:extLst>
                 <a:ext uri="{91240B29-F687-4f45-9708-019B960494DF}">
-                  <a14:hiddenLine xmlns:a14="http://schemas.microsoft.com/office/drawing/2010/main" xmlns="" w="9525">
+                  <a14:hiddenLine xmlns="" xmlns:a14="http://schemas.microsoft.com/office/drawing/2010/main" w="9525">
                     <a:solidFill>
                       <a:srgbClr val="000000"/>
                     </a:solidFill>
@@ -30132,7 +31168,7 @@
               </a:ln>
               <a:extLst>
                 <a:ext uri="{91240B29-F687-4f45-9708-019B960494DF}">
-                  <a14:hiddenLine xmlns:a14="http://schemas.microsoft.com/office/drawing/2010/main" xmlns="" w="9525">
+                  <a14:hiddenLine xmlns="" xmlns:a14="http://schemas.microsoft.com/office/drawing/2010/main" w="9525">
                     <a:solidFill>
                       <a:srgbClr val="000000"/>
                     </a:solidFill>
@@ -30194,7 +31230,7 @@
               </a:ln>
               <a:extLst>
                 <a:ext uri="{91240B29-F687-4f45-9708-019B960494DF}">
-                  <a14:hiddenLine xmlns:a14="http://schemas.microsoft.com/office/drawing/2010/main" xmlns="" w="9525">
+                  <a14:hiddenLine xmlns="" xmlns:a14="http://schemas.microsoft.com/office/drawing/2010/main" w="9525">
                     <a:solidFill>
                       <a:srgbClr val="000000"/>
                     </a:solidFill>
@@ -30284,7 +31320,7 @@
               </a:ln>
               <a:extLst>
                 <a:ext uri="{91240B29-F687-4f45-9708-019B960494DF}">
-                  <a14:hiddenLine xmlns:a14="http://schemas.microsoft.com/office/drawing/2010/main" xmlns="" w="9525">
+                  <a14:hiddenLine xmlns="" xmlns:a14="http://schemas.microsoft.com/office/drawing/2010/main" w="9525">
                     <a:solidFill>
                       <a:srgbClr val="000000"/>
                     </a:solidFill>
@@ -30349,7 +31385,7 @@
               </a:ln>
               <a:extLst>
                 <a:ext uri="{91240B29-F687-4f45-9708-019B960494DF}">
-                  <a14:hiddenLine xmlns:a14="http://schemas.microsoft.com/office/drawing/2010/main" xmlns="" w="9525">
+                  <a14:hiddenLine xmlns="" xmlns:a14="http://schemas.microsoft.com/office/drawing/2010/main" w="9525">
                     <a:solidFill>
                       <a:srgbClr val="000000"/>
                     </a:solidFill>
@@ -30411,7 +31447,7 @@
               </a:ln>
               <a:extLst>
                 <a:ext uri="{91240B29-F687-4f45-9708-019B960494DF}">
-                  <a14:hiddenLine xmlns:a14="http://schemas.microsoft.com/office/drawing/2010/main" xmlns="" w="9525">
+                  <a14:hiddenLine xmlns="" xmlns:a14="http://schemas.microsoft.com/office/drawing/2010/main" w="9525">
                     <a:solidFill>
                       <a:srgbClr val="000000"/>
                     </a:solidFill>
@@ -30501,7 +31537,7 @@
               </a:ln>
               <a:extLst>
                 <a:ext uri="{91240B29-F687-4f45-9708-019B960494DF}">
-                  <a14:hiddenLine xmlns:a14="http://schemas.microsoft.com/office/drawing/2010/main" xmlns="" w="9525">
+                  <a14:hiddenLine xmlns="" xmlns:a14="http://schemas.microsoft.com/office/drawing/2010/main" w="9525">
                     <a:solidFill>
                       <a:srgbClr val="000000"/>
                     </a:solidFill>
@@ -30591,7 +31627,7 @@
               </a:ln>
               <a:extLst>
                 <a:ext uri="{91240B29-F687-4f45-9708-019B960494DF}">
-                  <a14:hiddenLine xmlns:a14="http://schemas.microsoft.com/office/drawing/2010/main" xmlns="" w="9525">
+                  <a14:hiddenLine xmlns="" xmlns:a14="http://schemas.microsoft.com/office/drawing/2010/main" w="9525">
                     <a:solidFill>
                       <a:srgbClr val="000000"/>
                     </a:solidFill>
@@ -30656,7 +31692,7 @@
               </a:ln>
               <a:extLst>
                 <a:ext uri="{91240B29-F687-4f45-9708-019B960494DF}">
-                  <a14:hiddenLine xmlns:a14="http://schemas.microsoft.com/office/drawing/2010/main" xmlns="" w="9525">
+                  <a14:hiddenLine xmlns="" xmlns:a14="http://schemas.microsoft.com/office/drawing/2010/main" w="9525">
                     <a:solidFill>
                       <a:srgbClr val="000000"/>
                     </a:solidFill>
@@ -30776,7 +31812,7 @@
               </a:ln>
               <a:extLst>
                 <a:ext uri="{91240B29-F687-4f45-9708-019B960494DF}">
-                  <a14:hiddenLine xmlns:a14="http://schemas.microsoft.com/office/drawing/2010/main" xmlns="" w="9525">
+                  <a14:hiddenLine xmlns="" xmlns:a14="http://schemas.microsoft.com/office/drawing/2010/main" w="9525">
                     <a:solidFill>
                       <a:srgbClr val="000000"/>
                     </a:solidFill>
@@ -30874,7 +31910,7 @@
               </a:ln>
               <a:extLst>
                 <a:ext uri="{91240B29-F687-4f45-9708-019B960494DF}">
-                  <a14:hiddenLine xmlns:a14="http://schemas.microsoft.com/office/drawing/2010/main" xmlns="" w="9525">
+                  <a14:hiddenLine xmlns="" xmlns:a14="http://schemas.microsoft.com/office/drawing/2010/main" w="9525">
                     <a:solidFill>
                       <a:srgbClr val="000000"/>
                     </a:solidFill>
@@ -30989,7 +32025,7 @@
               </a:ln>
               <a:extLst>
                 <a:ext uri="{91240B29-F687-4f45-9708-019B960494DF}">
-                  <a14:hiddenLine xmlns:a14="http://schemas.microsoft.com/office/drawing/2010/main" xmlns="" w="9525">
+                  <a14:hiddenLine xmlns="" xmlns:a14="http://schemas.microsoft.com/office/drawing/2010/main" w="9525">
                     <a:solidFill>
                       <a:srgbClr val="000000"/>
                     </a:solidFill>
@@ -31079,7 +32115,7 @@
               </a:ln>
               <a:extLst>
                 <a:ext uri="{91240B29-F687-4f45-9708-019B960494DF}">
-                  <a14:hiddenLine xmlns:a14="http://schemas.microsoft.com/office/drawing/2010/main" xmlns="" w="9525">
+                  <a14:hiddenLine xmlns="" xmlns:a14="http://schemas.microsoft.com/office/drawing/2010/main" w="9525">
                     <a:solidFill>
                       <a:srgbClr val="000000"/>
                     </a:solidFill>
@@ -31144,7 +32180,7 @@
               </a:ln>
               <a:extLst>
                 <a:ext uri="{91240B29-F687-4f45-9708-019B960494DF}">
-                  <a14:hiddenLine xmlns:a14="http://schemas.microsoft.com/office/drawing/2010/main" xmlns="" w="9525">
+                  <a14:hiddenLine xmlns="" xmlns:a14="http://schemas.microsoft.com/office/drawing/2010/main" w="9525">
                     <a:solidFill>
                       <a:srgbClr val="000000"/>
                     </a:solidFill>
@@ -31234,7 +32270,7 @@
               </a:ln>
               <a:extLst>
                 <a:ext uri="{91240B29-F687-4f45-9708-019B960494DF}">
-                  <a14:hiddenLine xmlns:a14="http://schemas.microsoft.com/office/drawing/2010/main" xmlns="" w="9525">
+                  <a14:hiddenLine xmlns="" xmlns:a14="http://schemas.microsoft.com/office/drawing/2010/main" w="9525">
                     <a:solidFill>
                       <a:srgbClr val="000000"/>
                     </a:solidFill>
@@ -31302,7 +32338,7 @@
               </a:ln>
               <a:extLst>
                 <a:ext uri="{91240B29-F687-4f45-9708-019B960494DF}">
-                  <a14:hiddenLine xmlns:a14="http://schemas.microsoft.com/office/drawing/2010/main" xmlns="" w="9525">
+                  <a14:hiddenLine xmlns="" xmlns:a14="http://schemas.microsoft.com/office/drawing/2010/main" w="9525">
                     <a:solidFill>
                       <a:srgbClr val="000000"/>
                     </a:solidFill>
@@ -31392,7 +32428,7 @@
               </a:ln>
               <a:extLst>
                 <a:ext uri="{91240B29-F687-4f45-9708-019B960494DF}">
-                  <a14:hiddenLine xmlns:a14="http://schemas.microsoft.com/office/drawing/2010/main" xmlns="" w="9525">
+                  <a14:hiddenLine xmlns="" xmlns:a14="http://schemas.microsoft.com/office/drawing/2010/main" w="9525">
                     <a:solidFill>
                       <a:srgbClr val="000000"/>
                     </a:solidFill>
@@ -31460,7 +32496,7 @@
               </a:ln>
               <a:extLst>
                 <a:ext uri="{91240B29-F687-4f45-9708-019B960494DF}">
-                  <a14:hiddenLine xmlns:a14="http://schemas.microsoft.com/office/drawing/2010/main" xmlns="" w="9525">
+                  <a14:hiddenLine xmlns="" xmlns:a14="http://schemas.microsoft.com/office/drawing/2010/main" w="9525">
                     <a:solidFill>
                       <a:srgbClr val="000000"/>
                     </a:solidFill>
@@ -31550,7 +32586,7 @@
               </a:ln>
               <a:extLst>
                 <a:ext uri="{91240B29-F687-4f45-9708-019B960494DF}">
-                  <a14:hiddenLine xmlns:a14="http://schemas.microsoft.com/office/drawing/2010/main" xmlns="" w="9525">
+                  <a14:hiddenLine xmlns="" xmlns:a14="http://schemas.microsoft.com/office/drawing/2010/main" w="9525">
                     <a:solidFill>
                       <a:srgbClr val="000000"/>
                     </a:solidFill>
@@ -31584,7 +32620,7 @@
               </a:ln>
               <a:extLst>
                 <a:ext uri="{91240B29-F687-4f45-9708-019B960494DF}">
-                  <a14:hiddenLine xmlns:a14="http://schemas.microsoft.com/office/drawing/2010/main" xmlns="" w="9525">
+                  <a14:hiddenLine xmlns="" xmlns:a14="http://schemas.microsoft.com/office/drawing/2010/main" w="9525">
                     <a:solidFill>
                       <a:srgbClr val="000000"/>
                     </a:solidFill>
@@ -32824,14 +33860,14 @@
             <p:ph idx="1"/>
             <p:extLst>
               <p:ext uri="{D42A27DB-BD31-4B8C-83A1-F6EECF244321}">
-                <p14:modId xmlns:p14="http://schemas.microsoft.com/office/powerpoint/2010/main" val="999938265"/>
+                <p14:modId xmlns:p14="http://schemas.microsoft.com/office/powerpoint/2010/main" val="1875069800"/>
               </p:ext>
             </p:extLst>
           </p:nvPr>
         </p:nvGraphicFramePr>
         <p:xfrm>
-          <a:off x="560560" y="2221832"/>
-          <a:ext cx="9803552" cy="3729789"/>
+          <a:off x="560560" y="2048610"/>
+          <a:ext cx="9803552" cy="4158762"/>
         </p:xfrm>
         <a:graphic>
           <a:graphicData uri="http://schemas.openxmlformats.org/drawingml/2006/diagram">
@@ -32842,20 +33878,20 @@
     </p:spTree>
     <p:extLst>
       <p:ext uri="{BB962C8B-B14F-4D97-AF65-F5344CB8AC3E}">
-        <p14:creationId xmlns:p14="http://schemas.microsoft.com/office/powerpoint/2010/main" val="3360582976"/>
+        <p14:creationId xmlns:p14="http://schemas.microsoft.com/office/powerpoint/2010/main" val="3576126087"/>
       </p:ext>
     </p:extLst>
   </p:cSld>
   <p:clrMapOvr>
     <a:masterClrMapping/>
   </p:clrMapOvr>
-  <mc:AlternateContent xmlns:mc="http://schemas.openxmlformats.org/markup-compatibility/2006" xmlns:p14="http://schemas.microsoft.com/office/powerpoint/2010/main">
-    <mc:Choice Requires="p14">
+  <mc:AlternateContent xmlns:mc="http://schemas.openxmlformats.org/markup-compatibility/2006">
+    <mc:Choice xmlns:p14="http://schemas.microsoft.com/office/powerpoint/2010/main" Requires="p14">
       <p:transition spd="slow" p14:dur="2500">
         <p:checker/>
       </p:transition>
     </mc:Choice>
-    <mc:Fallback xmlns="">
+    <mc:Fallback>
       <p:transition spd="slow">
         <p:checker/>
       </p:transition>
@@ -35670,7 +36706,7 @@
             </a:r>
             <a:r>
               <a:rPr lang="en-US" dirty="0"/>
-              <a:t>Publish source code, not assembly</a:t>
+              <a:t>Upgradeable apps &amp; multiple VMs</a:t>
             </a:r>
           </a:p>
         </p:txBody>
@@ -35700,6 +36736,13 @@
         <p:txBody>
           <a:bodyPr/>
           <a:lstStyle/>
+          <a:p>
+            <a:r>
+              <a:rPr lang="en-US" dirty="0"/>
+              <a:t>Publish source code, not assembly</a:t>
+            </a:r>
+            <a:endParaRPr lang="pl-PL" dirty="0"/>
+          </a:p>
           <a:p>
             <a:r>
               <a:rPr lang="pl-PL" dirty="0"/>
@@ -35948,6 +36991,109 @@
                                           <p:spTgt spid="3">
                                             <p:txEl>
                                               <p:pRg st="1" end="1"/>
+                                            </p:txEl>
+                                          </p:spTgt>
+                                        </p:tgtEl>
+                                        <p:attrNameLst>
+                                          <p:attrName>ppt_y</p:attrName>
+                                        </p:attrNameLst>
+                                      </p:cBhvr>
+                                      <p:tavLst>
+                                        <p:tav tm="0">
+                                          <p:val>
+                                            <p:strVal val="1+#ppt_h/2"/>
+                                          </p:val>
+                                        </p:tav>
+                                        <p:tav tm="100000">
+                                          <p:val>
+                                            <p:strVal val="#ppt_y"/>
+                                          </p:val>
+                                        </p:tav>
+                                      </p:tavLst>
+                                    </p:anim>
+                                  </p:childTnLst>
+                                </p:cTn>
+                              </p:par>
+                            </p:childTnLst>
+                          </p:cTn>
+                        </p:par>
+                      </p:childTnLst>
+                    </p:cTn>
+                  </p:par>
+                  <p:par>
+                    <p:cTn id="15" fill="hold">
+                      <p:stCondLst>
+                        <p:cond delay="indefinite"/>
+                      </p:stCondLst>
+                      <p:childTnLst>
+                        <p:par>
+                          <p:cTn id="16" fill="hold">
+                            <p:stCondLst>
+                              <p:cond delay="0"/>
+                            </p:stCondLst>
+                            <p:childTnLst>
+                              <p:par>
+                                <p:cTn id="17" presetID="2" presetClass="entr" presetSubtype="4" fill="hold" grpId="0" nodeType="clickEffect">
+                                  <p:stCondLst>
+                                    <p:cond delay="0"/>
+                                  </p:stCondLst>
+                                  <p:childTnLst>
+                                    <p:set>
+                                      <p:cBhvr>
+                                        <p:cTn id="18" dur="1" fill="hold">
+                                          <p:stCondLst>
+                                            <p:cond delay="0"/>
+                                          </p:stCondLst>
+                                        </p:cTn>
+                                        <p:tgtEl>
+                                          <p:spTgt spid="3">
+                                            <p:txEl>
+                                              <p:pRg st="2" end="2"/>
+                                            </p:txEl>
+                                          </p:spTgt>
+                                        </p:tgtEl>
+                                        <p:attrNameLst>
+                                          <p:attrName>style.visibility</p:attrName>
+                                        </p:attrNameLst>
+                                      </p:cBhvr>
+                                      <p:to>
+                                        <p:strVal val="visible"/>
+                                      </p:to>
+                                    </p:set>
+                                    <p:anim calcmode="lin" valueType="num">
+                                      <p:cBhvr additive="base">
+                                        <p:cTn id="19" dur="500" fill="hold"/>
+                                        <p:tgtEl>
+                                          <p:spTgt spid="3">
+                                            <p:txEl>
+                                              <p:pRg st="2" end="2"/>
+                                            </p:txEl>
+                                          </p:spTgt>
+                                        </p:tgtEl>
+                                        <p:attrNameLst>
+                                          <p:attrName>ppt_x</p:attrName>
+                                        </p:attrNameLst>
+                                      </p:cBhvr>
+                                      <p:tavLst>
+                                        <p:tav tm="0">
+                                          <p:val>
+                                            <p:strVal val="#ppt_x"/>
+                                          </p:val>
+                                        </p:tav>
+                                        <p:tav tm="100000">
+                                          <p:val>
+                                            <p:strVal val="#ppt_x"/>
+                                          </p:val>
+                                        </p:tav>
+                                      </p:tavLst>
+                                    </p:anim>
+                                    <p:anim calcmode="lin" valueType="num">
+                                      <p:cBhvr additive="base">
+                                        <p:cTn id="20" dur="500" fill="hold"/>
+                                        <p:tgtEl>
+                                          <p:spTgt spid="3">
+                                            <p:txEl>
+                                              <p:pRg st="2" end="2"/>
                                             </p:txEl>
                                           </p:spTgt>
                                         </p:tgtEl>
@@ -36624,8 +37770,8 @@
           </p:nvPr>
         </p:nvGraphicFramePr>
         <p:xfrm>
-          <a:off x="560560" y="2221832"/>
-          <a:ext cx="9803552" cy="3729789"/>
+          <a:off x="560560" y="2048610"/>
+          <a:ext cx="9803552" cy="4158762"/>
         </p:xfrm>
         <a:graphic>
           <a:graphicData uri="http://schemas.openxmlformats.org/drawingml/2006/diagram">
@@ -36636,7 +37782,7 @@
     </p:spTree>
     <p:extLst>
       <p:ext uri="{BB962C8B-B14F-4D97-AF65-F5344CB8AC3E}">
-        <p14:creationId xmlns:p14="http://schemas.microsoft.com/office/powerpoint/2010/main" val="3576126087"/>
+        <p14:creationId xmlns:p14="http://schemas.microsoft.com/office/powerpoint/2010/main" val="1559819898"/>
       </p:ext>
     </p:extLst>
   </p:cSld>
@@ -43936,14 +45082,37 @@
             </a:r>
             <a:r>
               <a:rPr lang="en-US" dirty="0"/>
-              <a:t>e are in no formal way associated with block.one, the company developing EOS code. We are just part of the emerging EOS community.</a:t>
+              <a:t>e are </a:t>
+            </a:r>
+            <a:r>
+              <a:rPr lang="pl-PL" dirty="0"/>
+              <a:t>NOT</a:t>
+            </a:r>
+            <a:r>
+              <a:rPr lang="en-US" dirty="0"/>
+              <a:t> </a:t>
+            </a:r>
+            <a:r>
+              <a:rPr lang="pl-PL" dirty="0"/>
+              <a:t>in any way</a:t>
+            </a:r>
+            <a:r>
+              <a:rPr lang="en-US" dirty="0"/>
+              <a:t> associated with block.one, the company developing EOS code. We are just part of the emerging EOS community.</a:t>
             </a:r>
             <a:endParaRPr lang="pl-PL" dirty="0"/>
           </a:p>
           <a:p>
             <a:r>
               <a:rPr lang="en-US" dirty="0"/>
-              <a:t>We have no interest in you buying EOS tokens, and this certainly should not be treated as financial advice. Our goal is to encourage you to take interest in the concept and possibly consider building businesses on top of EOS.</a:t>
+              <a:t>We have no interest in you buying EOS tokens, and this certainly should not be treated as financial advice. </a:t>
+            </a:r>
+            <a:endParaRPr lang="pl-PL" dirty="0"/>
+          </a:p>
+          <a:p>
+            <a:r>
+              <a:rPr lang="en-US" dirty="0"/>
+              <a:t>Our goal is to encourage you to take interest in the concept and possibly consider building businesses on top of EOS.</a:t>
             </a:r>
           </a:p>
         </p:txBody>
@@ -44059,13 +45228,13 @@
   <p:clrMapOvr>
     <a:masterClrMapping/>
   </p:clrMapOvr>
-  <mc:AlternateContent xmlns:mc="http://schemas.openxmlformats.org/markup-compatibility/2006">
-    <mc:Choice xmlns:p14="http://schemas.microsoft.com/office/powerpoint/2010/main" Requires="p14">
+  <mc:AlternateContent xmlns:mc="http://schemas.openxmlformats.org/markup-compatibility/2006" xmlns:p14="http://schemas.microsoft.com/office/powerpoint/2010/main">
+    <mc:Choice Requires="p14">
       <p:transition spd="slow" p14:dur="2500">
         <p:checker/>
       </p:transition>
     </mc:Choice>
-    <mc:Fallback>
+    <mc:Fallback xmlns="">
       <p:transition spd="slow">
         <p:checker/>
       </p:transition>
